--- a/중부대학교_SCP_장한빈_네트워크 취약점을 통한 LTE Hotspot.pptx
+++ b/중부대학교_SCP_장한빈_네트워크 취약점을 통한 LTE Hotspot.pptx
@@ -5,10 +5,10 @@
     <p:sldMasterId id="2147483663" r:id="rId1"/>
   </p:sldMasterIdLst>
   <p:notesMasterIdLst>
-    <p:notesMasterId r:id="rId27"/>
+    <p:notesMasterId r:id="rId28"/>
   </p:notesMasterIdLst>
   <p:handoutMasterIdLst>
-    <p:handoutMasterId r:id="rId28"/>
+    <p:handoutMasterId r:id="rId29"/>
   </p:handoutMasterIdLst>
   <p:sldIdLst>
     <p:sldId id="256" r:id="rId2"/>
@@ -29,13 +29,14 @@
     <p:sldId id="298" r:id="rId17"/>
     <p:sldId id="281" r:id="rId18"/>
     <p:sldId id="282" r:id="rId19"/>
-    <p:sldId id="283" r:id="rId20"/>
-    <p:sldId id="293" r:id="rId21"/>
-    <p:sldId id="284" r:id="rId22"/>
-    <p:sldId id="285" r:id="rId23"/>
-    <p:sldId id="291" r:id="rId24"/>
-    <p:sldId id="292" r:id="rId25"/>
-    <p:sldId id="286" r:id="rId26"/>
+    <p:sldId id="299" r:id="rId20"/>
+    <p:sldId id="283" r:id="rId21"/>
+    <p:sldId id="293" r:id="rId22"/>
+    <p:sldId id="284" r:id="rId23"/>
+    <p:sldId id="285" r:id="rId24"/>
+    <p:sldId id="291" r:id="rId25"/>
+    <p:sldId id="292" r:id="rId26"/>
+    <p:sldId id="286" r:id="rId27"/>
   </p:sldIdLst>
   <p:sldSz cx="12192000" cy="6858000"/>
   <p:notesSz cx="6858000" cy="9144000"/>
@@ -208,6 +209,20 @@
 </p:cmLst>
 </file>
 
+<file path=ppt/comments/comment4.xml><?xml version="1.0" encoding="utf-8"?>
+<p:cmLst xmlns:a="http://schemas.openxmlformats.org/drawingml/2006/main" xmlns:r="http://schemas.openxmlformats.org/officeDocument/2006/relationships" xmlns:p="http://schemas.openxmlformats.org/presentationml/2006/main">
+  <p:cm authorId="2" dt="2017-07-11T21:22:40.390" idx="1">
+    <p:pos x="10" y="10"/>
+    <p:text/>
+    <p:extLst>
+      <p:ext uri="{C676402C-5697-4E1C-873F-D02D1690AC5C}">
+        <p15:threadingInfo xmlns:p15="http://schemas.microsoft.com/office/powerpoint/2012/main" timeZoneBias="-540"/>
+      </p:ext>
+    </p:extLst>
+  </p:cm>
+</p:cmLst>
+</file>
+
 <file path=ppt/handoutMasters/handoutMaster1.xml><?xml version="1.0" encoding="utf-8"?>
 <p:handoutMaster xmlns:a="http://schemas.openxmlformats.org/drawingml/2006/main" xmlns:r="http://schemas.openxmlformats.org/officeDocument/2006/relationships" xmlns:p="http://schemas.openxmlformats.org/presentationml/2006/main">
   <p:cSld>
@@ -303,7 +318,7 @@
               <a:pPr lvl="0">
                 <a:defRPr lang="ko-KR" altLang="en-US"/>
               </a:pPr>
-              <a:t>11/16/17</a:t>
+              <a:t>11/17/17</a:t>
             </a:fld>
             <a:endParaRPr lang="ko-KR">
               <a:latin typeface="맑은 고딕"/>
@@ -498,7 +513,7 @@
               <a:pPr lvl="0">
                 <a:defRPr lang="ko-KR" altLang="en-US"/>
               </a:pPr>
-              <a:t>11/16/17</a:t>
+              <a:t>11/17/17</a:t>
             </a:fld>
             <a:endParaRPr lang="ko-KR" altLang="en-US"/>
           </a:p>
@@ -1433,7 +1448,7 @@
             <a:fld id="{E01D5368-24FD-4D7C-90E6-D41BBBB2CB28}" type="datetime5">
               <a:rPr lang="en-US" altLang="ko-KR" smtClean="0"/>
               <a:pPr/>
-              <a:t>16-Nov-17</a:t>
+              <a:t>17-Nov-17</a:t>
             </a:fld>
             <a:endParaRPr lang="ko-KR" altLang="en-US" dirty="0"/>
           </a:p>
@@ -2066,7 +2081,7 @@
             <a:fld id="{E01D5368-24FD-4D7C-90E6-D41BBBB2CB28}" type="datetime5">
               <a:rPr lang="en-US" altLang="ko-KR" smtClean="0"/>
               <a:pPr/>
-              <a:t>16-Nov-17</a:t>
+              <a:t>17-Nov-17</a:t>
             </a:fld>
             <a:endParaRPr lang="ko-KR" altLang="en-US" dirty="0"/>
           </a:p>
@@ -2268,7 +2283,7 @@
             <a:fld id="{E01D5368-24FD-4D7C-90E6-D41BBBB2CB28}" type="datetime5">
               <a:rPr lang="en-US" altLang="ko-KR" smtClean="0"/>
               <a:pPr/>
-              <a:t>16-Nov-17</a:t>
+              <a:t>17-Nov-17</a:t>
             </a:fld>
             <a:endParaRPr lang="ko-KR" altLang="en-US" dirty="0"/>
           </a:p>
@@ -2626,7 +2641,7 @@
             <a:fld id="{E01D5368-24FD-4D7C-90E6-D41BBBB2CB28}" type="datetime5">
               <a:rPr lang="en-US" altLang="ko-KR" smtClean="0"/>
               <a:pPr/>
-              <a:t>16-Nov-17</a:t>
+              <a:t>17-Nov-17</a:t>
             </a:fld>
             <a:endParaRPr lang="ko-KR" altLang="en-US" dirty="0"/>
           </a:p>
@@ -2828,7 +2843,7 @@
             <a:fld id="{E01D5368-24FD-4D7C-90E6-D41BBBB2CB28}" type="datetime5">
               <a:rPr lang="en-US" altLang="ko-KR" smtClean="0"/>
               <a:pPr/>
-              <a:t>16-Nov-17</a:t>
+              <a:t>17-Nov-17</a:t>
             </a:fld>
             <a:endParaRPr lang="ko-KR" altLang="en-US" dirty="0"/>
           </a:p>
@@ -4092,7 +4107,7 @@
             <a:fld id="{E01D5368-24FD-4D7C-90E6-D41BBBB2CB28}" type="datetime5">
               <a:rPr lang="en-US" altLang="ko-KR" smtClean="0"/>
               <a:pPr/>
-              <a:t>16-Nov-17</a:t>
+              <a:t>17-Nov-17</a:t>
             </a:fld>
             <a:endParaRPr lang="ko-KR" altLang="en-US" dirty="0"/>
           </a:p>
@@ -4490,7 +4505,7 @@
             <a:fld id="{E01D5368-24FD-4D7C-90E6-D41BBBB2CB28}" type="datetime5">
               <a:rPr lang="en-US" altLang="ko-KR" smtClean="0"/>
               <a:pPr/>
-              <a:t>16-Nov-17</a:t>
+              <a:t>17-Nov-17</a:t>
             </a:fld>
             <a:endParaRPr lang="ko-KR" altLang="en-US" dirty="0"/>
           </a:p>
@@ -4640,7 +4655,7 @@
             <a:fld id="{E01D5368-24FD-4D7C-90E6-D41BBBB2CB28}" type="datetime5">
               <a:rPr lang="en-US" altLang="ko-KR" smtClean="0"/>
               <a:pPr/>
-              <a:t>16-Nov-17</a:t>
+              <a:t>17-Nov-17</a:t>
             </a:fld>
             <a:endParaRPr lang="ko-KR" altLang="en-US" dirty="0"/>
           </a:p>
@@ -4767,7 +4782,7 @@
             <a:fld id="{E01D5368-24FD-4D7C-90E6-D41BBBB2CB28}" type="datetime5">
               <a:rPr lang="en-US" altLang="ko-KR" smtClean="0"/>
               <a:pPr/>
-              <a:t>16-Nov-17</a:t>
+              <a:t>17-Nov-17</a:t>
             </a:fld>
             <a:endParaRPr lang="ko-KR" altLang="en-US" dirty="0"/>
           </a:p>
@@ -5078,7 +5093,7 @@
             <a:fld id="{E01D5368-24FD-4D7C-90E6-D41BBBB2CB28}" type="datetime5">
               <a:rPr lang="en-US" altLang="ko-KR" smtClean="0"/>
               <a:pPr/>
-              <a:t>16-Nov-17</a:t>
+              <a:t>17-Nov-17</a:t>
             </a:fld>
             <a:endParaRPr lang="ko-KR" altLang="en-US" dirty="0"/>
           </a:p>
@@ -5407,7 +5422,7 @@
             <a:fld id="{E01D5368-24FD-4D7C-90E6-D41BBBB2CB28}" type="datetime5">
               <a:rPr lang="en-US" altLang="ko-KR" smtClean="0"/>
               <a:pPr/>
-              <a:t>16-Nov-17</a:t>
+              <a:t>17-Nov-17</a:t>
             </a:fld>
             <a:endParaRPr lang="ko-KR" altLang="en-US" dirty="0"/>
           </a:p>
@@ -6242,27 +6257,17 @@
                 <a:latin typeface="+mj-ea"/>
                 <a:cs typeface="Arial"/>
               </a:rPr>
-              <a:t>요금제를 </a:t>
-            </a:r>
-            <a:r>
-              <a:rPr lang="ko-KR" altLang="en-US" sz="3600" b="1" dirty="0" smtClean="0">
+              <a:t>요금제를 쓴다고</a:t>
+            </a:r>
+            <a:r>
+              <a:rPr lang="en-US" altLang="ko-KR" sz="3600" b="1" dirty="0" smtClean="0">
                 <a:solidFill>
                   <a:schemeClr val="bg1"/>
                 </a:solidFill>
                 <a:latin typeface="+mj-ea"/>
                 <a:cs typeface="Arial"/>
               </a:rPr>
-              <a:t>쓴다고</a:t>
-            </a:r>
-            <a:r>
-              <a:rPr lang="en-US" altLang="ko-KR" sz="3600" b="1" dirty="0" smtClean="0">
-                <a:solidFill>
-                  <a:schemeClr val="bg1"/>
-                </a:solidFill>
-                <a:latin typeface="+mj-ea"/>
-                <a:cs typeface="Arial"/>
-              </a:rPr>
-              <a:t>???”</a:t>
+              <a:t>??”</a:t>
             </a:r>
             <a:r>
               <a:rPr lang="en-US" altLang="ko-KR" sz="3800" b="1" dirty="0" smtClean="0">
@@ -6333,9 +6338,52 @@
               </a:rPr>
               <a:t>만들기</a:t>
             </a:r>
+            <a:r>
+              <a:rPr lang="en-US" altLang="ko-KR" sz="2000" b="1" dirty="0" smtClean="0">
+                <a:solidFill>
+                  <a:schemeClr val="bg1"/>
+                </a:solidFill>
+                <a:latin typeface="+mj-ea"/>
+                <a:cs typeface="Arial"/>
+              </a:rPr>
+              <a:t/>
+            </a:r>
+            <a:br>
+              <a:rPr lang="en-US" altLang="ko-KR" sz="2000" b="1" dirty="0" smtClean="0">
+                <a:solidFill>
+                  <a:schemeClr val="bg1"/>
+                </a:solidFill>
+                <a:latin typeface="+mj-ea"/>
+                <a:cs typeface="Arial"/>
+              </a:rPr>
+            </a:br>
+            <a:r>
+              <a:rPr lang="en-US" altLang="ko-KR" sz="2000" b="1" dirty="0" smtClean="0">
+                <a:solidFill>
+                  <a:schemeClr val="bg1"/>
+                </a:solidFill>
+                <a:latin typeface="+mj-ea"/>
+                <a:cs typeface="Arial"/>
+              </a:rPr>
+              <a:t>		</a:t>
+            </a:r>
+            <a:r>
+              <a:rPr lang="en-US" altLang="ko-KR" sz="2000" b="1" dirty="0" smtClean="0">
+                <a:solidFill>
+                  <a:schemeClr val="tx1">
+                    <a:lumMod val="75000"/>
+                  </a:schemeClr>
+                </a:solidFill>
+                <a:latin typeface="+mj-ea"/>
+                <a:cs typeface="Arial"/>
+              </a:rPr>
+              <a:t>Project Saver(Savior)</a:t>
+            </a:r>
             <a:endParaRPr lang="ko-KR" altLang="en-US" b="1" dirty="0">
               <a:solidFill>
-                <a:schemeClr val="bg1"/>
+                <a:schemeClr val="tx1">
+                  <a:lumMod val="75000"/>
+                </a:schemeClr>
               </a:solidFill>
               <a:latin typeface="+mj-ea"/>
               <a:cs typeface="Arial"/>
@@ -6348,7 +6396,7 @@
           <p:cNvPr id="5" name="그림 4">
             <a:extLst>
               <a:ext uri="{FF2B5EF4-FFF2-40B4-BE49-F238E27FC236}">
-                <a16:creationId xmlns:a16="http://schemas.microsoft.com/office/drawing/2014/main" xmlns="" id="{4CE7A0C5-18E9-44EF-8A4A-EDF91B19C7F4}"/>
+                <a16:creationId xmlns="" xmlns:a16="http://schemas.microsoft.com/office/drawing/2014/main" id="{4CE7A0C5-18E9-44EF-8A4A-EDF91B19C7F4}"/>
               </a:ext>
             </a:extLst>
           </p:cNvPr>
@@ -6530,7 +6578,7 @@
         <p:fade/>
       </p:transition>
     </mc:Choice>
-    <mc:Fallback xmlns="" xmlns:c="http://schemas.openxmlformats.org/drawingml/2006/chart" xmlns:dgm="http://schemas.openxmlformats.org/drawingml/2006/diagram" xmlns:dsp="http://schemas.microsoft.com/office/drawing/2008/diagram">
+    <mc:Fallback xmlns:dsp="http://schemas.microsoft.com/office/drawing/2008/diagram" xmlns:dgm="http://schemas.openxmlformats.org/drawingml/2006/diagram" xmlns:c="http://schemas.openxmlformats.org/drawingml/2006/chart" xmlns="">
       <p:transition xmlns:mc="http://schemas.openxmlformats.org/markup-compatibility/2006" xmlns:hp="http://schemas.haansoft.com/office/presentation/8.0" mc:Ignorable="hp" hp:hslDur="700">
         <p:fade/>
       </p:transition>
@@ -7117,7 +7165,7 @@
           <p:cNvPr id="9" name="그림 8">
             <a:extLst>
               <a:ext uri="{FF2B5EF4-FFF2-40B4-BE49-F238E27FC236}">
-                <a16:creationId xmlns:a16="http://schemas.microsoft.com/office/drawing/2014/main" xmlns="" id="{EAD84B59-2FD6-48C2-AF10-40B1C07A3DF2}"/>
+                <a16:creationId xmlns="" xmlns:a16="http://schemas.microsoft.com/office/drawing/2014/main" id="{EAD84B59-2FD6-48C2-AF10-40B1C07A3DF2}"/>
               </a:ext>
             </a:extLst>
           </p:cNvPr>
@@ -7153,7 +7201,7 @@
           <p:cNvPr id="10" name="TextBox 9">
             <a:extLst>
               <a:ext uri="{FF2B5EF4-FFF2-40B4-BE49-F238E27FC236}">
-                <a16:creationId xmlns:a16="http://schemas.microsoft.com/office/drawing/2014/main" xmlns="" id="{2E12A0D7-C15D-49E8-9D88-6D2740945ECB}"/>
+                <a16:creationId xmlns="" xmlns:a16="http://schemas.microsoft.com/office/drawing/2014/main" id="{2E12A0D7-C15D-49E8-9D88-6D2740945ECB}"/>
               </a:ext>
             </a:extLst>
           </p:cNvPr>
@@ -7188,7 +7236,7 @@
           <p:cNvPr id="12" name="그림 11">
             <a:extLst>
               <a:ext uri="{FF2B5EF4-FFF2-40B4-BE49-F238E27FC236}">
-                <a16:creationId xmlns:a16="http://schemas.microsoft.com/office/drawing/2014/main" xmlns="" id="{6CE7F621-C07F-434A-8EBA-F648C05D518E}"/>
+                <a16:creationId xmlns="" xmlns:a16="http://schemas.microsoft.com/office/drawing/2014/main" id="{6CE7F621-C07F-434A-8EBA-F648C05D518E}"/>
               </a:ext>
             </a:extLst>
           </p:cNvPr>
@@ -7224,7 +7272,7 @@
           <p:cNvPr id="13" name="TextBox 12">
             <a:extLst>
               <a:ext uri="{FF2B5EF4-FFF2-40B4-BE49-F238E27FC236}">
-                <a16:creationId xmlns:a16="http://schemas.microsoft.com/office/drawing/2014/main" xmlns="" id="{BE82CAD1-3A2F-4147-B2B4-6127A267E045}"/>
+                <a16:creationId xmlns="" xmlns:a16="http://schemas.microsoft.com/office/drawing/2014/main" id="{BE82CAD1-3A2F-4147-B2B4-6127A267E045}"/>
               </a:ext>
             </a:extLst>
           </p:cNvPr>
@@ -7259,7 +7307,7 @@
           <p:cNvPr id="14" name="말풍선: 모서리가 둥근 사각형 13">
             <a:extLst>
               <a:ext uri="{FF2B5EF4-FFF2-40B4-BE49-F238E27FC236}">
-                <a16:creationId xmlns:a16="http://schemas.microsoft.com/office/drawing/2014/main" xmlns="" id="{F64F595B-7FBB-414E-AAA2-1BB876D59EF7}"/>
+                <a16:creationId xmlns="" xmlns:a16="http://schemas.microsoft.com/office/drawing/2014/main" id="{F64F595B-7FBB-414E-AAA2-1BB876D59EF7}"/>
               </a:ext>
             </a:extLst>
           </p:cNvPr>
@@ -7323,7 +7371,7 @@
           <p:cNvPr id="16" name="그림 15">
             <a:extLst>
               <a:ext uri="{FF2B5EF4-FFF2-40B4-BE49-F238E27FC236}">
-                <a16:creationId xmlns:a16="http://schemas.microsoft.com/office/drawing/2014/main" xmlns="" id="{56DFE190-ABC3-4D08-89CF-C27ED1FE2D59}"/>
+                <a16:creationId xmlns="" xmlns:a16="http://schemas.microsoft.com/office/drawing/2014/main" id="{56DFE190-ABC3-4D08-89CF-C27ED1FE2D59}"/>
               </a:ext>
             </a:extLst>
           </p:cNvPr>
@@ -7359,7 +7407,7 @@
           <p:cNvPr id="18" name="그림 17">
             <a:extLst>
               <a:ext uri="{FF2B5EF4-FFF2-40B4-BE49-F238E27FC236}">
-                <a16:creationId xmlns:a16="http://schemas.microsoft.com/office/drawing/2014/main" xmlns="" id="{61A9A3A3-57E9-4C9E-81F1-5C3FF997FE31}"/>
+                <a16:creationId xmlns="" xmlns:a16="http://schemas.microsoft.com/office/drawing/2014/main" id="{61A9A3A3-57E9-4C9E-81F1-5C3FF997FE31}"/>
               </a:ext>
             </a:extLst>
           </p:cNvPr>
@@ -7409,7 +7457,7 @@
           <p:cNvPr id="19" name="그림 18">
             <a:extLst>
               <a:ext uri="{FF2B5EF4-FFF2-40B4-BE49-F238E27FC236}">
-                <a16:creationId xmlns:a16="http://schemas.microsoft.com/office/drawing/2014/main" xmlns="" id="{35863E57-E6C1-4CA8-9859-58F37ABC68CB}"/>
+                <a16:creationId xmlns="" xmlns:a16="http://schemas.microsoft.com/office/drawing/2014/main" id="{35863E57-E6C1-4CA8-9859-58F37ABC68CB}"/>
               </a:ext>
             </a:extLst>
           </p:cNvPr>
@@ -7445,7 +7493,7 @@
           <p:cNvPr id="20" name="그림 19">
             <a:extLst>
               <a:ext uri="{FF2B5EF4-FFF2-40B4-BE49-F238E27FC236}">
-                <a16:creationId xmlns:a16="http://schemas.microsoft.com/office/drawing/2014/main" xmlns="" id="{4BE6E496-6BD3-4725-9DE1-ACF1F3DF2150}"/>
+                <a16:creationId xmlns="" xmlns:a16="http://schemas.microsoft.com/office/drawing/2014/main" id="{4BE6E496-6BD3-4725-9DE1-ACF1F3DF2150}"/>
               </a:ext>
             </a:extLst>
           </p:cNvPr>
@@ -7481,7 +7529,7 @@
           <p:cNvPr id="24" name="화살표: 아래로 구부러짐 23">
             <a:extLst>
               <a:ext uri="{FF2B5EF4-FFF2-40B4-BE49-F238E27FC236}">
-                <a16:creationId xmlns:a16="http://schemas.microsoft.com/office/drawing/2014/main" xmlns="" id="{3B03BC16-B4A1-4ABC-A804-F0AE70AB8E23}"/>
+                <a16:creationId xmlns="" xmlns:a16="http://schemas.microsoft.com/office/drawing/2014/main" id="{3B03BC16-B4A1-4ABC-A804-F0AE70AB8E23}"/>
               </a:ext>
             </a:extLst>
           </p:cNvPr>
@@ -7537,7 +7585,7 @@
           <p:cNvPr id="25" name="생각 풍선: 구름 모양 24">
             <a:extLst>
               <a:ext uri="{FF2B5EF4-FFF2-40B4-BE49-F238E27FC236}">
-                <a16:creationId xmlns:a16="http://schemas.microsoft.com/office/drawing/2014/main" xmlns="" id="{FFF61880-5763-4B77-B48C-449CDAB74ADD}"/>
+                <a16:creationId xmlns="" xmlns:a16="http://schemas.microsoft.com/office/drawing/2014/main" id="{FFF61880-5763-4B77-B48C-449CDAB74ADD}"/>
               </a:ext>
             </a:extLst>
           </p:cNvPr>
@@ -8203,7 +8251,7 @@
           <p:cNvPr id="10" name="그림 9">
             <a:extLst>
               <a:ext uri="{FF2B5EF4-FFF2-40B4-BE49-F238E27FC236}">
-                <a16:creationId xmlns:a16="http://schemas.microsoft.com/office/drawing/2014/main" xmlns="" id="{139AB8C4-8D1F-4EB6-A70E-E8338FFC808C}"/>
+                <a16:creationId xmlns="" xmlns:a16="http://schemas.microsoft.com/office/drawing/2014/main" id="{139AB8C4-8D1F-4EB6-A70E-E8338FFC808C}"/>
               </a:ext>
             </a:extLst>
           </p:cNvPr>
@@ -8239,7 +8287,7 @@
           <p:cNvPr id="16" name="그림 15">
             <a:extLst>
               <a:ext uri="{FF2B5EF4-FFF2-40B4-BE49-F238E27FC236}">
-                <a16:creationId xmlns:a16="http://schemas.microsoft.com/office/drawing/2014/main" xmlns="" id="{CF84ADFA-5338-4128-813B-46BACF5FC33D}"/>
+                <a16:creationId xmlns="" xmlns:a16="http://schemas.microsoft.com/office/drawing/2014/main" id="{CF84ADFA-5338-4128-813B-46BACF5FC33D}"/>
               </a:ext>
             </a:extLst>
           </p:cNvPr>
@@ -8275,7 +8323,7 @@
           <p:cNvPr id="21" name="TextBox 20">
             <a:extLst>
               <a:ext uri="{FF2B5EF4-FFF2-40B4-BE49-F238E27FC236}">
-                <a16:creationId xmlns:a16="http://schemas.microsoft.com/office/drawing/2014/main" xmlns="" id="{94142837-BAE4-47AB-90AB-5A79661310F7}"/>
+                <a16:creationId xmlns="" xmlns:a16="http://schemas.microsoft.com/office/drawing/2014/main" id="{94142837-BAE4-47AB-90AB-5A79661310F7}"/>
               </a:ext>
             </a:extLst>
           </p:cNvPr>
@@ -8310,7 +8358,7 @@
           <p:cNvPr id="22" name="TextBox 21">
             <a:extLst>
               <a:ext uri="{FF2B5EF4-FFF2-40B4-BE49-F238E27FC236}">
-                <a16:creationId xmlns:a16="http://schemas.microsoft.com/office/drawing/2014/main" xmlns="" id="{0E259801-CDA5-4ACC-AC13-70C9CB133D40}"/>
+                <a16:creationId xmlns="" xmlns:a16="http://schemas.microsoft.com/office/drawing/2014/main" id="{0E259801-CDA5-4ACC-AC13-70C9CB133D40}"/>
               </a:ext>
             </a:extLst>
           </p:cNvPr>
@@ -8345,7 +8393,7 @@
           <p:cNvPr id="14" name="그림 13">
             <a:extLst>
               <a:ext uri="{FF2B5EF4-FFF2-40B4-BE49-F238E27FC236}">
-                <a16:creationId xmlns:a16="http://schemas.microsoft.com/office/drawing/2014/main" xmlns="" id="{916B2E3F-7AD6-4C57-923F-6C7B8B6899AC}"/>
+                <a16:creationId xmlns="" xmlns:a16="http://schemas.microsoft.com/office/drawing/2014/main" id="{916B2E3F-7AD6-4C57-923F-6C7B8B6899AC}"/>
               </a:ext>
             </a:extLst>
           </p:cNvPr>
@@ -8381,7 +8429,7 @@
           <p:cNvPr id="17" name="그림 16">
             <a:extLst>
               <a:ext uri="{FF2B5EF4-FFF2-40B4-BE49-F238E27FC236}">
-                <a16:creationId xmlns:a16="http://schemas.microsoft.com/office/drawing/2014/main" xmlns="" id="{6B906FD9-5772-45FC-82E9-510D16F4FADD}"/>
+                <a16:creationId xmlns="" xmlns:a16="http://schemas.microsoft.com/office/drawing/2014/main" id="{6B906FD9-5772-45FC-82E9-510D16F4FADD}"/>
               </a:ext>
             </a:extLst>
           </p:cNvPr>
@@ -8417,7 +8465,7 @@
           <p:cNvPr id="23" name="그림 22">
             <a:extLst>
               <a:ext uri="{FF2B5EF4-FFF2-40B4-BE49-F238E27FC236}">
-                <a16:creationId xmlns:a16="http://schemas.microsoft.com/office/drawing/2014/main" xmlns="" id="{86B7539E-F64A-432E-91A7-549275142D14}"/>
+                <a16:creationId xmlns="" xmlns:a16="http://schemas.microsoft.com/office/drawing/2014/main" id="{86B7539E-F64A-432E-91A7-549275142D14}"/>
               </a:ext>
             </a:extLst>
           </p:cNvPr>
@@ -8480,7 +8528,7 @@
           <p:cNvPr id="25" name="그림 24">
             <a:extLst>
               <a:ext uri="{FF2B5EF4-FFF2-40B4-BE49-F238E27FC236}">
-                <a16:creationId xmlns:a16="http://schemas.microsoft.com/office/drawing/2014/main" xmlns="" id="{B29F1283-6873-46CD-9CF3-9935E8DC0A32}"/>
+                <a16:creationId xmlns="" xmlns:a16="http://schemas.microsoft.com/office/drawing/2014/main" id="{B29F1283-6873-46CD-9CF3-9935E8DC0A32}"/>
               </a:ext>
             </a:extLst>
           </p:cNvPr>
@@ -8516,7 +8564,7 @@
           <p:cNvPr id="45" name="그림 44">
             <a:extLst>
               <a:ext uri="{FF2B5EF4-FFF2-40B4-BE49-F238E27FC236}">
-                <a16:creationId xmlns:a16="http://schemas.microsoft.com/office/drawing/2014/main" xmlns="" id="{0C3ADD1B-0D0A-4D3E-8FBC-F8DC4EF43C58}"/>
+                <a16:creationId xmlns="" xmlns:a16="http://schemas.microsoft.com/office/drawing/2014/main" id="{0C3ADD1B-0D0A-4D3E-8FBC-F8DC4EF43C58}"/>
               </a:ext>
             </a:extLst>
           </p:cNvPr>
@@ -8552,7 +8600,7 @@
           <p:cNvPr id="46" name="그림 45">
             <a:extLst>
               <a:ext uri="{FF2B5EF4-FFF2-40B4-BE49-F238E27FC236}">
-                <a16:creationId xmlns:a16="http://schemas.microsoft.com/office/drawing/2014/main" xmlns="" id="{D362073E-1807-46EB-997E-70B150C8967E}"/>
+                <a16:creationId xmlns="" xmlns:a16="http://schemas.microsoft.com/office/drawing/2014/main" id="{D362073E-1807-46EB-997E-70B150C8967E}"/>
               </a:ext>
             </a:extLst>
           </p:cNvPr>
@@ -8605,7 +8653,7 @@
           <p:cNvPr id="47" name="TextBox 46">
             <a:extLst>
               <a:ext uri="{FF2B5EF4-FFF2-40B4-BE49-F238E27FC236}">
-                <a16:creationId xmlns:a16="http://schemas.microsoft.com/office/drawing/2014/main" xmlns="" id="{F31CABBD-CC67-49F7-8116-D8E19FBCE4B9}"/>
+                <a16:creationId xmlns="" xmlns:a16="http://schemas.microsoft.com/office/drawing/2014/main" id="{F31CABBD-CC67-49F7-8116-D8E19FBCE4B9}"/>
               </a:ext>
             </a:extLst>
           </p:cNvPr>
@@ -8640,7 +8688,7 @@
           <p:cNvPr id="48" name="TextBox 47">
             <a:extLst>
               <a:ext uri="{FF2B5EF4-FFF2-40B4-BE49-F238E27FC236}">
-                <a16:creationId xmlns:a16="http://schemas.microsoft.com/office/drawing/2014/main" xmlns="" id="{D3D75983-26DD-4BFB-8FE3-C9E4C2AB6FE1}"/>
+                <a16:creationId xmlns="" xmlns:a16="http://schemas.microsoft.com/office/drawing/2014/main" id="{D3D75983-26DD-4BFB-8FE3-C9E4C2AB6FE1}"/>
               </a:ext>
             </a:extLst>
           </p:cNvPr>
@@ -8675,7 +8723,7 @@
           <p:cNvPr id="57" name="그림 56">
             <a:extLst>
               <a:ext uri="{FF2B5EF4-FFF2-40B4-BE49-F238E27FC236}">
-                <a16:creationId xmlns:a16="http://schemas.microsoft.com/office/drawing/2014/main" xmlns="" id="{52500BA5-67D5-4088-9B13-8E0648765E00}"/>
+                <a16:creationId xmlns="" xmlns:a16="http://schemas.microsoft.com/office/drawing/2014/main" id="{52500BA5-67D5-4088-9B13-8E0648765E00}"/>
               </a:ext>
             </a:extLst>
           </p:cNvPr>
@@ -8728,7 +8776,7 @@
           <p:cNvPr id="58" name="그림 57">
             <a:extLst>
               <a:ext uri="{FF2B5EF4-FFF2-40B4-BE49-F238E27FC236}">
-                <a16:creationId xmlns:a16="http://schemas.microsoft.com/office/drawing/2014/main" xmlns="" id="{76A7AAA7-5E98-4808-B3F2-B8868D116CC0}"/>
+                <a16:creationId xmlns="" xmlns:a16="http://schemas.microsoft.com/office/drawing/2014/main" id="{76A7AAA7-5E98-4808-B3F2-B8868D116CC0}"/>
               </a:ext>
             </a:extLst>
           </p:cNvPr>
@@ -8764,7 +8812,7 @@
           <p:cNvPr id="59" name="그림 58">
             <a:extLst>
               <a:ext uri="{FF2B5EF4-FFF2-40B4-BE49-F238E27FC236}">
-                <a16:creationId xmlns:a16="http://schemas.microsoft.com/office/drawing/2014/main" xmlns="" id="{9E177C7A-21AC-4676-A515-386EF7BBF23C}"/>
+                <a16:creationId xmlns="" xmlns:a16="http://schemas.microsoft.com/office/drawing/2014/main" id="{9E177C7A-21AC-4676-A515-386EF7BBF23C}"/>
               </a:ext>
             </a:extLst>
           </p:cNvPr>
@@ -8800,7 +8848,7 @@
           <p:cNvPr id="60" name="그림 59">
             <a:extLst>
               <a:ext uri="{FF2B5EF4-FFF2-40B4-BE49-F238E27FC236}">
-                <a16:creationId xmlns:a16="http://schemas.microsoft.com/office/drawing/2014/main" xmlns="" id="{9EFD2D76-95A6-41E8-9AEE-C458D89C6AAA}"/>
+                <a16:creationId xmlns="" xmlns:a16="http://schemas.microsoft.com/office/drawing/2014/main" id="{9EFD2D76-95A6-41E8-9AEE-C458D89C6AAA}"/>
               </a:ext>
             </a:extLst>
           </p:cNvPr>
@@ -8836,7 +8884,7 @@
           <p:cNvPr id="61" name="그림 60">
             <a:extLst>
               <a:ext uri="{FF2B5EF4-FFF2-40B4-BE49-F238E27FC236}">
-                <a16:creationId xmlns:a16="http://schemas.microsoft.com/office/drawing/2014/main" xmlns="" id="{AECEFFE0-E4E1-457A-B068-9731149A3715}"/>
+                <a16:creationId xmlns="" xmlns:a16="http://schemas.microsoft.com/office/drawing/2014/main" id="{AECEFFE0-E4E1-457A-B068-9731149A3715}"/>
               </a:ext>
             </a:extLst>
           </p:cNvPr>
@@ -8872,7 +8920,7 @@
           <p:cNvPr id="62" name="그림 61">
             <a:extLst>
               <a:ext uri="{FF2B5EF4-FFF2-40B4-BE49-F238E27FC236}">
-                <a16:creationId xmlns:a16="http://schemas.microsoft.com/office/drawing/2014/main" xmlns="" id="{3D6C06C4-1880-4431-8542-7E64ABD7A6A6}"/>
+                <a16:creationId xmlns="" xmlns:a16="http://schemas.microsoft.com/office/drawing/2014/main" id="{3D6C06C4-1880-4431-8542-7E64ABD7A6A6}"/>
               </a:ext>
             </a:extLst>
           </p:cNvPr>
@@ -8908,7 +8956,7 @@
           <p:cNvPr id="63" name="그림 62">
             <a:extLst>
               <a:ext uri="{FF2B5EF4-FFF2-40B4-BE49-F238E27FC236}">
-                <a16:creationId xmlns:a16="http://schemas.microsoft.com/office/drawing/2014/main" xmlns="" id="{CFBC1012-80C9-44E9-828D-F2350DF3102C}"/>
+                <a16:creationId xmlns="" xmlns:a16="http://schemas.microsoft.com/office/drawing/2014/main" id="{CFBC1012-80C9-44E9-828D-F2350DF3102C}"/>
               </a:ext>
             </a:extLst>
           </p:cNvPr>
@@ -8944,7 +8992,7 @@
           <p:cNvPr id="64" name="그림 63">
             <a:extLst>
               <a:ext uri="{FF2B5EF4-FFF2-40B4-BE49-F238E27FC236}">
-                <a16:creationId xmlns:a16="http://schemas.microsoft.com/office/drawing/2014/main" xmlns="" id="{B04B3303-C93A-4DDD-9C29-8F4FB8E7F38F}"/>
+                <a16:creationId xmlns="" xmlns:a16="http://schemas.microsoft.com/office/drawing/2014/main" id="{B04B3303-C93A-4DDD-9C29-8F4FB8E7F38F}"/>
               </a:ext>
             </a:extLst>
           </p:cNvPr>
@@ -8980,7 +9028,7 @@
           <p:cNvPr id="65" name="그림 64">
             <a:extLst>
               <a:ext uri="{FF2B5EF4-FFF2-40B4-BE49-F238E27FC236}">
-                <a16:creationId xmlns:a16="http://schemas.microsoft.com/office/drawing/2014/main" xmlns="" id="{9DB28E6F-15FA-4807-88B1-FBE5A32754C7}"/>
+                <a16:creationId xmlns="" xmlns:a16="http://schemas.microsoft.com/office/drawing/2014/main" id="{9DB28E6F-15FA-4807-88B1-FBE5A32754C7}"/>
               </a:ext>
             </a:extLst>
           </p:cNvPr>
@@ -9016,7 +9064,7 @@
           <p:cNvPr id="66" name="그림 65">
             <a:extLst>
               <a:ext uri="{FF2B5EF4-FFF2-40B4-BE49-F238E27FC236}">
-                <a16:creationId xmlns:a16="http://schemas.microsoft.com/office/drawing/2014/main" xmlns="" id="{0FE64A18-1FF2-4DD7-9D21-13080DDFF727}"/>
+                <a16:creationId xmlns="" xmlns:a16="http://schemas.microsoft.com/office/drawing/2014/main" id="{0FE64A18-1FF2-4DD7-9D21-13080DDFF727}"/>
               </a:ext>
             </a:extLst>
           </p:cNvPr>
@@ -9709,7 +9757,7 @@
           <p:cNvPr id="9" name="그림 8">
             <a:extLst>
               <a:ext uri="{FF2B5EF4-FFF2-40B4-BE49-F238E27FC236}">
-                <a16:creationId xmlns:a16="http://schemas.microsoft.com/office/drawing/2014/main" xmlns="" id="{E79AA2FC-B2CE-47CD-9775-E3C6801B57F9}"/>
+                <a16:creationId xmlns="" xmlns:a16="http://schemas.microsoft.com/office/drawing/2014/main" id="{E79AA2FC-B2CE-47CD-9775-E3C6801B57F9}"/>
               </a:ext>
             </a:extLst>
           </p:cNvPr>
@@ -9739,7 +9787,7 @@
           <p:cNvPr id="10" name="TextBox 9">
             <a:extLst>
               <a:ext uri="{FF2B5EF4-FFF2-40B4-BE49-F238E27FC236}">
-                <a16:creationId xmlns:a16="http://schemas.microsoft.com/office/drawing/2014/main" xmlns="" id="{C3123D51-1C91-42F9-B30D-D7641988FD7C}"/>
+                <a16:creationId xmlns="" xmlns:a16="http://schemas.microsoft.com/office/drawing/2014/main" id="{C3123D51-1C91-42F9-B30D-D7641988FD7C}"/>
               </a:ext>
             </a:extLst>
           </p:cNvPr>
@@ -9782,7 +9830,7 @@
           <p:cNvPr id="11" name="그림 10">
             <a:extLst>
               <a:ext uri="{FF2B5EF4-FFF2-40B4-BE49-F238E27FC236}">
-                <a16:creationId xmlns:a16="http://schemas.microsoft.com/office/drawing/2014/main" xmlns="" id="{3535A524-DB65-4D93-B704-5FEF1C21639D}"/>
+                <a16:creationId xmlns="" xmlns:a16="http://schemas.microsoft.com/office/drawing/2014/main" id="{3535A524-DB65-4D93-B704-5FEF1C21639D}"/>
               </a:ext>
             </a:extLst>
           </p:cNvPr>
@@ -9812,7 +9860,7 @@
           <p:cNvPr id="12" name="TextBox 11">
             <a:extLst>
               <a:ext uri="{FF2B5EF4-FFF2-40B4-BE49-F238E27FC236}">
-                <a16:creationId xmlns:a16="http://schemas.microsoft.com/office/drawing/2014/main" xmlns="" id="{A07ED3B2-E144-4B01-BD89-C717007E798B}"/>
+                <a16:creationId xmlns="" xmlns:a16="http://schemas.microsoft.com/office/drawing/2014/main" id="{A07ED3B2-E144-4B01-BD89-C717007E798B}"/>
               </a:ext>
             </a:extLst>
           </p:cNvPr>
@@ -10743,7 +10791,7 @@
         </p:blipFill>
         <p:spPr>
           <a:xfrm>
-            <a:off x="3452850" y="1865512"/>
+            <a:off x="1025201" y="1867044"/>
             <a:ext cx="5273523" cy="3955142"/>
           </a:xfrm>
           <a:prstGeom prst="rect">
@@ -10803,6 +10851,50 @@
           </a:p>
         </p:txBody>
       </p:sp>
+      <p:pic>
+        <p:nvPicPr>
+          <p:cNvPr id="2" name="그림 1"/>
+          <p:cNvPicPr>
+            <a:picLocks noChangeAspect="1"/>
+          </p:cNvPicPr>
+          <p:nvPr/>
+        </p:nvPicPr>
+        <p:blipFill>
+          <a:blip r:embed="rId6">
+            <a:extLst>
+              <a:ext uri="{BEBA8EAE-BF5A-486C-A8C5-ECC9F3942E4B}">
+                <a14:imgProps xmlns:a14="http://schemas.microsoft.com/office/drawing/2010/main">
+                  <a14:imgLayer r:embed="rId7">
+                    <a14:imgEffect>
+                      <a14:backgroundRemoval t="4000" b="95556" l="1778" r="100000">
+                        <a14:foregroundMark x1="84444" y1="36000" x2="84444" y2="36000"/>
+                        <a14:foregroundMark x1="87556" y1="49333" x2="87556" y2="49333"/>
+                        <a14:foregroundMark x1="87556" y1="49333" x2="87556" y2="49333"/>
+                        <a14:foregroundMark x1="15111" y1="75556" x2="15111" y2="75556"/>
+                      </a14:backgroundRemoval>
+                    </a14:imgEffect>
+                  </a14:imgLayer>
+                </a14:imgProps>
+              </a:ext>
+              <a:ext uri="{28A0092B-C50C-407E-A947-70E740481C1C}">
+                <a14:useLocalDpi xmlns:a14="http://schemas.microsoft.com/office/drawing/2010/main" val="0"/>
+              </a:ext>
+            </a:extLst>
+          </a:blip>
+          <a:stretch>
+            <a:fillRect/>
+          </a:stretch>
+        </p:blipFill>
+        <p:spPr>
+          <a:xfrm>
+            <a:off x="7825022" y="2406852"/>
+            <a:ext cx="2857500" cy="2857500"/>
+          </a:xfrm>
+          <a:prstGeom prst="rect">
+            <a:avLst/>
+          </a:prstGeom>
+        </p:spPr>
+      </p:pic>
     </p:spTree>
     <p:extLst>
       <p:ext uri="{BB962C8B-B14F-4D97-AF65-F5344CB8AC3E}">
@@ -11349,7 +11441,7 @@
       </p:sp>
       <p:pic>
         <p:nvPicPr>
-          <p:cNvPr id="2" name="그림 1"/>
+          <p:cNvPr id="9" name="그림 8"/>
           <p:cNvPicPr>
             <a:picLocks noChangeAspect="1"/>
           </p:cNvPicPr>
@@ -11369,8 +11461,8 @@
         </p:blipFill>
         <p:spPr>
           <a:xfrm rot="5400000">
-            <a:off x="4448324" y="2463892"/>
-            <a:ext cx="3700799" cy="2775600"/>
+            <a:off x="505522" y="2464145"/>
+            <a:ext cx="3702821" cy="2777116"/>
           </a:xfrm>
           <a:prstGeom prst="rect">
             <a:avLst/>
@@ -11379,7 +11471,7 @@
       </p:pic>
       <p:pic>
         <p:nvPicPr>
-          <p:cNvPr id="9" name="그림 8"/>
+          <p:cNvPr id="10" name="그림 9"/>
           <p:cNvPicPr>
             <a:picLocks noChangeAspect="1"/>
           </p:cNvPicPr>
@@ -11399,25 +11491,82 @@
         </p:blipFill>
         <p:spPr>
           <a:xfrm rot="5400000">
-            <a:off x="505522" y="2464145"/>
-            <a:ext cx="3702821" cy="2777116"/>
+            <a:off x="8389356" y="2463892"/>
+            <a:ext cx="3700800" cy="2775600"/>
           </a:xfrm>
           <a:prstGeom prst="rect">
             <a:avLst/>
           </a:prstGeom>
         </p:spPr>
       </p:pic>
+      <p:sp>
+        <p:nvSpPr>
+          <p:cNvPr id="11" name="TextBox 10"/>
+          <p:cNvSpPr txBox="1"/>
+          <p:nvPr/>
+        </p:nvSpPr>
+        <p:spPr>
+          <a:xfrm>
+            <a:off x="4935305" y="5936343"/>
+            <a:ext cx="2313454" cy="646331"/>
+          </a:xfrm>
+          <a:prstGeom prst="rect">
+            <a:avLst/>
+          </a:prstGeom>
+          <a:noFill/>
+        </p:spPr>
+        <p:txBody>
+          <a:bodyPr wrap="none" rtlCol="0">
+            <a:spAutoFit/>
+          </a:bodyPr>
+          <a:lstStyle/>
+          <a:p>
+            <a:r>
+              <a:rPr lang="ko-KR" altLang="en-US" dirty="0" smtClean="0"/>
+              <a:t>모델명 </a:t>
+            </a:r>
+            <a:r>
+              <a:rPr lang="en-US" altLang="ko-KR" dirty="0" smtClean="0"/>
+              <a:t>: Alcatel L800</a:t>
+            </a:r>
+          </a:p>
+          <a:p>
+            <a:r>
+              <a:rPr lang="ko-KR" altLang="en-US" dirty="0" smtClean="0"/>
+              <a:t>사용 통신사 </a:t>
+            </a:r>
+            <a:r>
+              <a:rPr lang="en-US" altLang="ko-KR" dirty="0" smtClean="0"/>
+              <a:t>: KT</a:t>
+            </a:r>
+            <a:endParaRPr lang="ko-KR" altLang="en-US" dirty="0"/>
+          </a:p>
+        </p:txBody>
+      </p:sp>
       <p:pic>
         <p:nvPicPr>
-          <p:cNvPr id="10" name="그림 9"/>
+          <p:cNvPr id="13" name="그림 12"/>
           <p:cNvPicPr>
             <a:picLocks noChangeAspect="1"/>
           </p:cNvPicPr>
           <p:nvPr/>
         </p:nvPicPr>
         <p:blipFill>
-          <a:blip r:embed="rId7" cstate="print">
+          <a:blip r:embed="rId7">
+            <a:alphaModFix/>
             <a:extLst>
+              <a:ext uri="{BEBA8EAE-BF5A-486C-A8C5-ECC9F3942E4B}">
+                <a14:imgProps xmlns:a14="http://schemas.microsoft.com/office/drawing/2010/main">
+                  <a14:imgLayer r:embed="rId8">
+                    <a14:imgEffect>
+                      <a14:backgroundRemoval t="0" b="100000" l="0" r="100000">
+                        <a14:foregroundMark x1="90193" y1="13898" x2="90193" y2="13898"/>
+                        <a14:backgroundMark x1="83762" y1="17891" x2="83762" y2="17891"/>
+                      </a14:backgroundRemoval>
+                    </a14:imgEffect>
+                  </a14:imgLayer>
+                </a14:imgProps>
+              </a:ext>
               <a:ext uri="{28A0092B-C50C-407E-A947-70E740481C1C}">
                 <a14:useLocalDpi xmlns:a14="http://schemas.microsoft.com/office/drawing/2010/main" val="0"/>
               </a:ext>
@@ -11428,59 +11577,15 @@
           </a:stretch>
         </p:blipFill>
         <p:spPr>
-          <a:xfrm rot="5400000">
-            <a:off x="8389356" y="2463892"/>
-            <a:ext cx="3700800" cy="2775600"/>
+          <a:xfrm>
+            <a:off x="4385787" y="2263992"/>
+            <a:ext cx="3412490" cy="3434435"/>
           </a:xfrm>
           <a:prstGeom prst="rect">
             <a:avLst/>
           </a:prstGeom>
         </p:spPr>
       </p:pic>
-      <p:sp>
-        <p:nvSpPr>
-          <p:cNvPr id="11" name="TextBox 10"/>
-          <p:cNvSpPr txBox="1"/>
-          <p:nvPr/>
-        </p:nvSpPr>
-        <p:spPr>
-          <a:xfrm>
-            <a:off x="4935305" y="5936343"/>
-            <a:ext cx="2313454" cy="646331"/>
-          </a:xfrm>
-          <a:prstGeom prst="rect">
-            <a:avLst/>
-          </a:prstGeom>
-          <a:noFill/>
-        </p:spPr>
-        <p:txBody>
-          <a:bodyPr wrap="none" rtlCol="0">
-            <a:spAutoFit/>
-          </a:bodyPr>
-          <a:lstStyle/>
-          <a:p>
-            <a:r>
-              <a:rPr lang="ko-KR" altLang="en-US" dirty="0" smtClean="0"/>
-              <a:t>모델명 </a:t>
-            </a:r>
-            <a:r>
-              <a:rPr lang="en-US" altLang="ko-KR" dirty="0" smtClean="0"/>
-              <a:t>: Alcatel L800</a:t>
-            </a:r>
-          </a:p>
-          <a:p>
-            <a:r>
-              <a:rPr lang="ko-KR" altLang="en-US" dirty="0" smtClean="0"/>
-              <a:t>사용 통신사 </a:t>
-            </a:r>
-            <a:r>
-              <a:rPr lang="en-US" altLang="ko-KR" dirty="0" smtClean="0"/>
-              <a:t>: KT</a:t>
-            </a:r>
-            <a:endParaRPr lang="ko-KR" altLang="en-US" dirty="0"/>
-          </a:p>
-        </p:txBody>
-      </p:sp>
     </p:spTree>
     <p:extLst>
       <p:ext uri="{BB962C8B-B14F-4D97-AF65-F5344CB8AC3E}">
@@ -12047,7 +12152,7 @@
         </p:blipFill>
         <p:spPr>
           <a:xfrm rot="5400000">
-            <a:off x="4187989" y="2130263"/>
+            <a:off x="1593379" y="2357586"/>
             <a:ext cx="4221470" cy="3166102"/>
           </a:xfrm>
           <a:prstGeom prst="rect">
@@ -12098,6 +12203,93 @@
           </a:p>
         </p:txBody>
       </p:sp>
+      <p:pic>
+        <p:nvPicPr>
+          <p:cNvPr id="15" name="그림 14"/>
+          <p:cNvPicPr>
+            <a:picLocks noChangeAspect="1"/>
+          </p:cNvPicPr>
+          <p:nvPr/>
+        </p:nvPicPr>
+        <p:blipFill>
+          <a:blip r:embed="rId6">
+            <a:alphaModFix/>
+            <a:extLst>
+              <a:ext uri="{BEBA8EAE-BF5A-486C-A8C5-ECC9F3942E4B}">
+                <a14:imgProps xmlns:a14="http://schemas.microsoft.com/office/drawing/2010/main">
+                  <a14:imgLayer r:embed="rId7">
+                    <a14:imgEffect>
+                      <a14:backgroundRemoval t="0" b="100000" l="0" r="100000">
+                        <a14:foregroundMark x1="90193" y1="13898" x2="90193" y2="13898"/>
+                        <a14:backgroundMark x1="83762" y1="17891" x2="83762" y2="17891"/>
+                      </a14:backgroundRemoval>
+                    </a14:imgEffect>
+                  </a14:imgLayer>
+                </a14:imgProps>
+              </a:ext>
+              <a:ext uri="{28A0092B-C50C-407E-A947-70E740481C1C}">
+                <a14:useLocalDpi xmlns:a14="http://schemas.microsoft.com/office/drawing/2010/main" val="0"/>
+              </a:ext>
+            </a:extLst>
+          </a:blip>
+          <a:stretch>
+            <a:fillRect/>
+          </a:stretch>
+        </p:blipFill>
+        <p:spPr>
+          <a:xfrm rot="11224793">
+            <a:off x="10378543" y="2381574"/>
+            <a:ext cx="1442063" cy="1451337"/>
+          </a:xfrm>
+          <a:prstGeom prst="rect">
+            <a:avLst/>
+          </a:prstGeom>
+        </p:spPr>
+      </p:pic>
+      <p:pic>
+        <p:nvPicPr>
+          <p:cNvPr id="14" name="그림 13"/>
+          <p:cNvPicPr>
+            <a:picLocks noChangeAspect="1"/>
+          </p:cNvPicPr>
+          <p:nvPr/>
+        </p:nvPicPr>
+        <p:blipFill>
+          <a:blip r:embed="rId8">
+            <a:extLst>
+              <a:ext uri="{BEBA8EAE-BF5A-486C-A8C5-ECC9F3942E4B}">
+                <a14:imgProps xmlns:a14="http://schemas.microsoft.com/office/drawing/2010/main">
+                  <a14:imgLayer r:embed="rId9">
+                    <a14:imgEffect>
+                      <a14:backgroundRemoval t="4000" b="95556" l="1778" r="100000">
+                        <a14:foregroundMark x1="84444" y1="36000" x2="84444" y2="36000"/>
+                        <a14:foregroundMark x1="87556" y1="49333" x2="87556" y2="49333"/>
+                        <a14:foregroundMark x1="87556" y1="49333" x2="87556" y2="49333"/>
+                        <a14:foregroundMark x1="15111" y1="75556" x2="15111" y2="75556"/>
+                      </a14:backgroundRemoval>
+                    </a14:imgEffect>
+                  </a14:imgLayer>
+                </a14:imgProps>
+              </a:ext>
+              <a:ext uri="{28A0092B-C50C-407E-A947-70E740481C1C}">
+                <a14:useLocalDpi xmlns:a14="http://schemas.microsoft.com/office/drawing/2010/main" val="0"/>
+              </a:ext>
+            </a:extLst>
+          </a:blip>
+          <a:stretch>
+            <a:fillRect/>
+          </a:stretch>
+        </p:blipFill>
+        <p:spPr>
+          <a:xfrm>
+            <a:off x="7867518" y="2536153"/>
+            <a:ext cx="2857500" cy="2857500"/>
+          </a:xfrm>
+          <a:prstGeom prst="rect">
+            <a:avLst/>
+          </a:prstGeom>
+        </p:spPr>
+      </p:pic>
     </p:spTree>
     <p:extLst>
       <p:ext uri="{BB962C8B-B14F-4D97-AF65-F5344CB8AC3E}">
@@ -12632,49 +12824,6 @@
       </p:pic>
       <p:sp>
         <p:nvSpPr>
-          <p:cNvPr id="6" name="Line 4"/>
-          <p:cNvSpPr>
-            <a:spLocks noChangeShapeType="1"/>
-          </p:cNvSpPr>
-          <p:nvPr/>
-        </p:nvSpPr>
-        <p:spPr bwMode="auto">
-          <a:xfrm>
-            <a:off x="2583180" y="1611102"/>
-            <a:ext cx="7431088" cy="0"/>
-          </a:xfrm>
-          <a:prstGeom prst="line">
-            <a:avLst/>
-          </a:prstGeom>
-          <a:noFill/>
-          <a:ln w="12700">
-            <a:solidFill>
-              <a:schemeClr val="bg2"/>
-            </a:solidFill>
-            <a:round/>
-            <a:headEnd/>
-            <a:tailEnd type="oval" w="lg" len="lg"/>
-          </a:ln>
-          <a:effectLst/>
-          <a:extLst/>
-        </p:spPr>
-        <p:txBody>
-          <a:bodyPr anchor="ctr"/>
-          <a:lstStyle/>
-          <a:p>
-            <a:pPr>
-              <a:defRPr/>
-            </a:pPr>
-            <a:endParaRPr lang="ko-KR" altLang="en-US">
-              <a:latin typeface="함초롬돋움" panose="02030504000101010101" pitchFamily="18" charset="-127"/>
-              <a:ea typeface="함초롬돋움" panose="02030504000101010101" pitchFamily="18" charset="-127"/>
-              <a:cs typeface="함초롬돋움" panose="02030504000101010101" pitchFamily="18" charset="-127"/>
-            </a:endParaRPr>
-          </a:p>
-        </p:txBody>
-      </p:sp>
-      <p:sp>
-        <p:nvSpPr>
           <p:cNvPr id="7" name="Rectangle 6"/>
           <p:cNvSpPr>
             <a:spLocks noChangeArrowheads="1"/>
@@ -12971,14 +13120,14 @@
       </p:sp>
       <p:pic>
         <p:nvPicPr>
-          <p:cNvPr id="10" name="그림 9"/>
+          <p:cNvPr id="2" name="그림 1"/>
           <p:cNvPicPr>
             <a:picLocks noChangeAspect="1"/>
           </p:cNvPicPr>
           <p:nvPr/>
         </p:nvPicPr>
         <p:blipFill>
-          <a:blip r:embed="rId5" cstate="print">
+          <a:blip r:embed="rId5">
             <a:extLst>
               <a:ext uri="{28A0092B-C50C-407E-A947-70E740481C1C}">
                 <a14:useLocalDpi xmlns:a14="http://schemas.microsoft.com/office/drawing/2010/main" val="0"/>
@@ -12990,527 +13139,9 @@
           </a:stretch>
         </p:blipFill>
         <p:spPr>
-          <a:xfrm flipH="1">
-            <a:off x="5600876" y="1671330"/>
-            <a:ext cx="982311" cy="1155661"/>
-          </a:xfrm>
-          <a:prstGeom prst="rect">
-            <a:avLst/>
-          </a:prstGeom>
-        </p:spPr>
-      </p:pic>
-      <p:pic>
-        <p:nvPicPr>
-          <p:cNvPr id="11" name="그림 10"/>
-          <p:cNvPicPr>
-            <a:picLocks noChangeAspect="1"/>
-          </p:cNvPicPr>
-          <p:nvPr/>
-        </p:nvPicPr>
-        <p:blipFill>
-          <a:blip r:embed="rId6" cstate="print">
-            <a:extLst>
-              <a:ext uri="{28A0092B-C50C-407E-A947-70E740481C1C}">
-                <a14:useLocalDpi xmlns:a14="http://schemas.microsoft.com/office/drawing/2010/main" val="0"/>
-              </a:ext>
-            </a:extLst>
-          </a:blip>
-          <a:stretch>
-            <a:fillRect/>
-          </a:stretch>
-        </p:blipFill>
-        <p:spPr>
-          <a:xfrm>
-            <a:off x="9495693" y="3614012"/>
-            <a:ext cx="839512" cy="1380020"/>
-          </a:xfrm>
-          <a:prstGeom prst="rect">
-            <a:avLst/>
-          </a:prstGeom>
-        </p:spPr>
-      </p:pic>
-      <p:cxnSp>
-        <p:nvCxnSpPr>
-          <p:cNvPr id="13" name="직선 화살표 연결선 12"/>
-          <p:cNvCxnSpPr/>
-          <p:nvPr/>
-        </p:nvCxnSpPr>
-        <p:spPr>
-          <a:xfrm>
-            <a:off x="2897945" y="4009292"/>
-            <a:ext cx="5781821" cy="0"/>
-          </a:xfrm>
-          <a:prstGeom prst="straightConnector1">
-            <a:avLst/>
-          </a:prstGeom>
-          <a:ln w="25400">
-            <a:solidFill>
-              <a:schemeClr val="tx2"/>
-            </a:solidFill>
-            <a:tailEnd type="triangle"/>
-          </a:ln>
-        </p:spPr>
-        <p:style>
-          <a:lnRef idx="1">
-            <a:schemeClr val="accent1"/>
-          </a:lnRef>
-          <a:fillRef idx="0">
-            <a:schemeClr val="accent1"/>
-          </a:fillRef>
-          <a:effectRef idx="0">
-            <a:schemeClr val="accent1"/>
-          </a:effectRef>
-          <a:fontRef idx="minor">
-            <a:schemeClr val="tx1"/>
-          </a:fontRef>
-        </p:style>
-      </p:cxnSp>
-      <p:cxnSp>
-        <p:nvCxnSpPr>
-          <p:cNvPr id="15" name="직선 화살표 연결선 14"/>
-          <p:cNvCxnSpPr/>
-          <p:nvPr/>
-        </p:nvCxnSpPr>
-        <p:spPr>
-          <a:xfrm flipH="1">
-            <a:off x="2897945" y="4839286"/>
-            <a:ext cx="5739618" cy="0"/>
-          </a:xfrm>
-          <a:prstGeom prst="straightConnector1">
-            <a:avLst/>
-          </a:prstGeom>
-          <a:ln w="25400">
-            <a:solidFill>
-              <a:schemeClr val="tx2"/>
-            </a:solidFill>
-            <a:tailEnd type="triangle"/>
-          </a:ln>
-        </p:spPr>
-        <p:style>
-          <a:lnRef idx="1">
-            <a:schemeClr val="accent1"/>
-          </a:lnRef>
-          <a:fillRef idx="0">
-            <a:schemeClr val="accent1"/>
-          </a:fillRef>
-          <a:effectRef idx="0">
-            <a:schemeClr val="accent1"/>
-          </a:effectRef>
-          <a:fontRef idx="minor">
-            <a:schemeClr val="tx1"/>
-          </a:fontRef>
-        </p:style>
-      </p:cxnSp>
-      <p:sp>
-        <p:nvSpPr>
-          <p:cNvPr id="16" name="직사각형 15"/>
-          <p:cNvSpPr/>
-          <p:nvPr/>
-        </p:nvSpPr>
-        <p:spPr>
-          <a:xfrm>
-            <a:off x="1387732" y="5553165"/>
-            <a:ext cx="5883000" cy="623168"/>
-          </a:xfrm>
-          <a:prstGeom prst="rect">
-            <a:avLst/>
-          </a:prstGeom>
-        </p:spPr>
-        <p:style>
-          <a:lnRef idx="2">
-            <a:schemeClr val="dk1">
-              <a:shade val="50000"/>
-            </a:schemeClr>
-          </a:lnRef>
-          <a:fillRef idx="1">
-            <a:schemeClr val="dk1"/>
-          </a:fillRef>
-          <a:effectRef idx="0">
-            <a:schemeClr val="dk1"/>
-          </a:effectRef>
-          <a:fontRef idx="minor">
-            <a:schemeClr val="lt1"/>
-          </a:fontRef>
-        </p:style>
-        <p:txBody>
-          <a:bodyPr rtlCol="0" anchor="ctr"/>
-          <a:lstStyle/>
-          <a:p>
-            <a:pPr algn="ctr"/>
-            <a:endParaRPr lang="ko-KR" altLang="en-US"/>
-          </a:p>
-        </p:txBody>
-      </p:sp>
-      <p:sp>
-        <p:nvSpPr>
-          <p:cNvPr id="17" name="직사각형 16"/>
-          <p:cNvSpPr/>
-          <p:nvPr/>
-        </p:nvSpPr>
-        <p:spPr>
-          <a:xfrm>
-            <a:off x="1369476" y="5553165"/>
-            <a:ext cx="1654448" cy="623168"/>
-          </a:xfrm>
-          <a:prstGeom prst="rect">
-            <a:avLst/>
-          </a:prstGeom>
-        </p:spPr>
-        <p:style>
-          <a:lnRef idx="2">
-            <a:schemeClr val="dk1"/>
-          </a:lnRef>
-          <a:fillRef idx="1">
-            <a:schemeClr val="lt1"/>
-          </a:fillRef>
-          <a:effectRef idx="0">
-            <a:schemeClr val="dk1"/>
-          </a:effectRef>
-          <a:fontRef idx="minor">
-            <a:schemeClr val="dk1"/>
-          </a:fontRef>
-        </p:style>
-        <p:txBody>
-          <a:bodyPr rtlCol="0" anchor="ctr"/>
-          <a:lstStyle/>
-          <a:p>
-            <a:pPr algn="ctr"/>
-            <a:r>
-              <a:rPr lang="en-US" altLang="ko-KR" sz="2000" dirty="0"/>
-              <a:t>IP</a:t>
-            </a:r>
-            <a:endParaRPr lang="ko-KR" altLang="en-US" sz="2000" dirty="0"/>
-          </a:p>
-        </p:txBody>
-      </p:sp>
-      <p:sp>
-        <p:nvSpPr>
-          <p:cNvPr id="18" name="직사각형 17"/>
-          <p:cNvSpPr/>
-          <p:nvPr/>
-        </p:nvSpPr>
-        <p:spPr>
-          <a:xfrm>
-            <a:off x="3045652" y="5553165"/>
-            <a:ext cx="1654448" cy="623168"/>
-          </a:xfrm>
-          <a:prstGeom prst="rect">
-            <a:avLst/>
-          </a:prstGeom>
-        </p:spPr>
-        <p:style>
-          <a:lnRef idx="2">
-            <a:schemeClr val="dk1"/>
-          </a:lnRef>
-          <a:fillRef idx="1">
-            <a:schemeClr val="lt1"/>
-          </a:fillRef>
-          <a:effectRef idx="0">
-            <a:schemeClr val="dk1"/>
-          </a:effectRef>
-          <a:fontRef idx="minor">
-            <a:schemeClr val="dk1"/>
-          </a:fontRef>
-        </p:style>
-        <p:txBody>
-          <a:bodyPr rtlCol="0" anchor="ctr"/>
-          <a:lstStyle/>
-          <a:p>
-            <a:pPr algn="ctr"/>
-            <a:r>
-              <a:rPr lang="en-US" altLang="ko-KR" sz="2000" dirty="0"/>
-              <a:t>TCP</a:t>
-            </a:r>
-            <a:endParaRPr lang="ko-KR" altLang="en-US" sz="2000" dirty="0"/>
-          </a:p>
-        </p:txBody>
-      </p:sp>
-      <p:sp>
-        <p:nvSpPr>
-          <p:cNvPr id="19" name="직사각형 18"/>
-          <p:cNvSpPr/>
-          <p:nvPr/>
-        </p:nvSpPr>
-        <p:spPr>
-          <a:xfrm>
-            <a:off x="4715752" y="5553165"/>
-            <a:ext cx="2576636" cy="623168"/>
-          </a:xfrm>
-          <a:prstGeom prst="rect">
-            <a:avLst/>
-          </a:prstGeom>
-        </p:spPr>
-        <p:style>
-          <a:lnRef idx="2">
-            <a:schemeClr val="dk1"/>
-          </a:lnRef>
-          <a:fillRef idx="1">
-            <a:schemeClr val="lt1"/>
-          </a:fillRef>
-          <a:effectRef idx="0">
-            <a:schemeClr val="dk1"/>
-          </a:effectRef>
-          <a:fontRef idx="minor">
-            <a:schemeClr val="dk1"/>
-          </a:fontRef>
-        </p:style>
-        <p:txBody>
-          <a:bodyPr rtlCol="0" anchor="ctr"/>
-          <a:lstStyle/>
-          <a:p>
-            <a:pPr algn="ctr"/>
-            <a:r>
-              <a:rPr lang="en-US" altLang="ko-KR" sz="2000" dirty="0"/>
-              <a:t>Data</a:t>
-            </a:r>
-            <a:endParaRPr lang="ko-KR" altLang="en-US" sz="2000" dirty="0"/>
-          </a:p>
-        </p:txBody>
-      </p:sp>
-      <p:sp>
-        <p:nvSpPr>
-          <p:cNvPr id="20" name="설명선 1 19"/>
-          <p:cNvSpPr/>
-          <p:nvPr/>
-        </p:nvSpPr>
-        <p:spPr>
-          <a:xfrm>
-            <a:off x="882648" y="5225180"/>
-            <a:ext cx="6893168" cy="1436401"/>
-          </a:xfrm>
-          <a:prstGeom prst="borderCallout1">
-            <a:avLst>
-              <a:gd name="adj1" fmla="val -7693"/>
-              <a:gd name="adj2" fmla="val 37177"/>
-              <a:gd name="adj3" fmla="val -84354"/>
-              <a:gd name="adj4" fmla="val 62075"/>
-            </a:avLst>
-          </a:prstGeom>
-          <a:solidFill>
-            <a:schemeClr val="bg2">
-              <a:lumMod val="75000"/>
-              <a:alpha val="10000"/>
-            </a:schemeClr>
-          </a:solidFill>
-          <a:ln w="38100">
-            <a:solidFill>
-              <a:schemeClr val="bg2">
-                <a:lumMod val="50000"/>
-              </a:schemeClr>
-            </a:solidFill>
-          </a:ln>
-        </p:spPr>
-        <p:style>
-          <a:lnRef idx="2">
-            <a:schemeClr val="accent1">
-              <a:shade val="50000"/>
-            </a:schemeClr>
-          </a:lnRef>
-          <a:fillRef idx="1">
-            <a:schemeClr val="accent1"/>
-          </a:fillRef>
-          <a:effectRef idx="0">
-            <a:schemeClr val="accent1"/>
-          </a:effectRef>
-          <a:fontRef idx="minor">
-            <a:schemeClr val="lt1"/>
-          </a:fontRef>
-        </p:style>
-        <p:txBody>
-          <a:bodyPr rtlCol="0" anchor="ctr"/>
-          <a:lstStyle/>
-          <a:p>
-            <a:pPr algn="ctr"/>
-            <a:endParaRPr lang="ko-KR" altLang="en-US"/>
-          </a:p>
-        </p:txBody>
-      </p:sp>
-      <p:sp>
-        <p:nvSpPr>
-          <p:cNvPr id="21" name="TextBox 20"/>
-          <p:cNvSpPr txBox="1"/>
-          <p:nvPr/>
-        </p:nvSpPr>
-        <p:spPr>
-          <a:xfrm>
-            <a:off x="3432848" y="4994032"/>
-            <a:ext cx="1792768" cy="477054"/>
-          </a:xfrm>
-          <a:prstGeom prst="rect">
-            <a:avLst/>
-          </a:prstGeom>
-          <a:noFill/>
-        </p:spPr>
-        <p:txBody>
-          <a:bodyPr wrap="square" rtlCol="0">
-            <a:spAutoFit/>
-          </a:bodyPr>
-          <a:lstStyle/>
-          <a:p>
-            <a:r>
-              <a:rPr lang="en-US" altLang="ko-KR" sz="2500" b="1" dirty="0">
-                <a:solidFill>
-                  <a:schemeClr val="tx1">
-                    <a:lumMod val="50000"/>
-                  </a:schemeClr>
-                </a:solidFill>
-              </a:rPr>
-              <a:t>Packet</a:t>
-            </a:r>
-            <a:endParaRPr lang="ko-KR" altLang="en-US" sz="2500" b="1" dirty="0">
-              <a:solidFill>
-                <a:schemeClr val="tx1">
-                  <a:lumMod val="50000"/>
-                </a:schemeClr>
-              </a:solidFill>
-            </a:endParaRPr>
-          </a:p>
-        </p:txBody>
-      </p:sp>
-      <p:sp>
-        <p:nvSpPr>
-          <p:cNvPr id="25" name="위로 굽은 화살표 24"/>
-          <p:cNvSpPr/>
-          <p:nvPr/>
-        </p:nvSpPr>
-        <p:spPr>
-          <a:xfrm flipH="1" flipV="1">
-            <a:off x="2501048" y="2441094"/>
-            <a:ext cx="2724567" cy="1343989"/>
-          </a:xfrm>
-          <a:prstGeom prst="bentUpArrow">
-            <a:avLst>
-              <a:gd name="adj1" fmla="val 15579"/>
-              <a:gd name="adj2" fmla="val 27094"/>
-              <a:gd name="adj3" fmla="val 27093"/>
-            </a:avLst>
-          </a:prstGeom>
-          <a:solidFill>
-            <a:srgbClr val="FFFF00"/>
-          </a:solidFill>
-          <a:ln cap="flat">
-            <a:solidFill>
-              <a:schemeClr val="tx2"/>
-            </a:solidFill>
-            <a:round/>
-          </a:ln>
-        </p:spPr>
-        <p:style>
-          <a:lnRef idx="2">
-            <a:schemeClr val="accent1">
-              <a:shade val="50000"/>
-            </a:schemeClr>
-          </a:lnRef>
-          <a:fillRef idx="1">
-            <a:schemeClr val="accent1"/>
-          </a:fillRef>
-          <a:effectRef idx="0">
-            <a:schemeClr val="accent1"/>
-          </a:effectRef>
-          <a:fontRef idx="minor">
-            <a:schemeClr val="lt1"/>
-          </a:fontRef>
-        </p:style>
-        <p:txBody>
-          <a:bodyPr rtlCol="0" anchor="ctr"/>
-          <a:lstStyle/>
-          <a:p>
-            <a:pPr algn="ctr"/>
-            <a:endParaRPr lang="ko-KR" altLang="en-US"/>
-          </a:p>
-        </p:txBody>
-      </p:sp>
-      <p:pic>
-        <p:nvPicPr>
-          <p:cNvPr id="26" name="그림 25"/>
-          <p:cNvPicPr>
-            <a:picLocks noChangeAspect="1"/>
-          </p:cNvPicPr>
-          <p:nvPr/>
-        </p:nvPicPr>
-        <p:blipFill>
-          <a:blip r:embed="rId7" cstate="print">
-            <a:extLst>
-              <a:ext uri="{28A0092B-C50C-407E-A947-70E740481C1C}">
-                <a14:useLocalDpi xmlns:a14="http://schemas.microsoft.com/office/drawing/2010/main" val="0"/>
-              </a:ext>
-            </a:extLst>
-          </a:blip>
-          <a:stretch>
-            <a:fillRect/>
-          </a:stretch>
-        </p:blipFill>
-        <p:spPr>
-          <a:xfrm>
-            <a:off x="3542507" y="2736095"/>
-            <a:ext cx="871866" cy="871866"/>
-          </a:xfrm>
-          <a:prstGeom prst="rect">
-            <a:avLst/>
-          </a:prstGeom>
-        </p:spPr>
-      </p:pic>
-      <p:sp>
-        <p:nvSpPr>
-          <p:cNvPr id="27" name="TextBox 26"/>
-          <p:cNvSpPr txBox="1"/>
-          <p:nvPr/>
-        </p:nvSpPr>
-        <p:spPr>
-          <a:xfrm>
-            <a:off x="2897945" y="1728310"/>
-            <a:ext cx="2349305" cy="646331"/>
-          </a:xfrm>
-          <a:prstGeom prst="rect">
-            <a:avLst/>
-          </a:prstGeom>
-          <a:noFill/>
-        </p:spPr>
-        <p:txBody>
-          <a:bodyPr wrap="square" rtlCol="0">
-            <a:spAutoFit/>
-          </a:bodyPr>
-          <a:lstStyle/>
-          <a:p>
-            <a:r>
-              <a:rPr lang="ko-KR" altLang="en-US" dirty="0"/>
-              <a:t>데이터 </a:t>
-            </a:r>
-            <a:r>
-              <a:rPr lang="ko-KR" altLang="en-US" dirty="0" smtClean="0"/>
-              <a:t>차감을 </a:t>
-            </a:r>
-            <a:r>
-              <a:rPr lang="ko-KR" altLang="en-US" dirty="0"/>
-              <a:t>위해 패킷 감시 </a:t>
-            </a:r>
-          </a:p>
-        </p:txBody>
-      </p:sp>
-      <p:pic>
-        <p:nvPicPr>
-          <p:cNvPr id="23" name="그림 22"/>
-          <p:cNvPicPr>
-            <a:picLocks noChangeAspect="1"/>
-          </p:cNvPicPr>
-          <p:nvPr/>
-        </p:nvPicPr>
-        <p:blipFill>
-          <a:blip r:embed="rId8" cstate="print">
-            <a:extLst>
-              <a:ext uri="{28A0092B-C50C-407E-A947-70E740481C1C}">
-                <a14:useLocalDpi xmlns:a14="http://schemas.microsoft.com/office/drawing/2010/main" val="0"/>
-              </a:ext>
-            </a:extLst>
-          </a:blip>
-          <a:stretch>
-            <a:fillRect/>
-          </a:stretch>
-        </p:blipFill>
-        <p:spPr>
-          <a:xfrm rot="5400000">
-            <a:off x="1223019" y="3691305"/>
-            <a:ext cx="1426308" cy="1069731"/>
+          <a:xfrm>
+            <a:off x="2186782" y="1952596"/>
+            <a:ext cx="7810500" cy="4400550"/>
           </a:xfrm>
           <a:prstGeom prst="rect">
             <a:avLst/>
@@ -13568,67 +13199,6 @@
       </p:grpSpPr>
       <p:sp>
         <p:nvSpPr>
-          <p:cNvPr id="50" name="설명선: 굽은 이중선(테두리 및 강조선) 49">
-            <a:extLst>
-              <a:ext uri="{FF2B5EF4-FFF2-40B4-BE49-F238E27FC236}">
-                <a16:creationId xmlns:a16="http://schemas.microsoft.com/office/drawing/2014/main" xmlns="" id="{9CB3E1F7-59F3-4D3B-BCD0-889F7C6B2444}"/>
-              </a:ext>
-            </a:extLst>
-          </p:cNvPr>
-          <p:cNvSpPr/>
-          <p:nvPr/>
-        </p:nvSpPr>
-        <p:spPr>
-          <a:xfrm rot="16200000">
-            <a:off x="391138" y="1398395"/>
-            <a:ext cx="1015663" cy="1430100"/>
-          </a:xfrm>
-          <a:prstGeom prst="accentBorderCallout3">
-            <a:avLst>
-              <a:gd name="adj1" fmla="val 49137"/>
-              <a:gd name="adj2" fmla="val -9897"/>
-              <a:gd name="adj3" fmla="val -4666"/>
-              <a:gd name="adj4" fmla="val -10003"/>
-              <a:gd name="adj5" fmla="val -3554"/>
-              <a:gd name="adj6" fmla="val -249721"/>
-              <a:gd name="adj7" fmla="val 68191"/>
-              <a:gd name="adj8" fmla="val -322118"/>
-            </a:avLst>
-          </a:prstGeom>
-          <a:solidFill>
-            <a:schemeClr val="bg2">
-              <a:lumMod val="25000"/>
-              <a:alpha val="20000"/>
-            </a:schemeClr>
-          </a:solidFill>
-        </p:spPr>
-        <p:style>
-          <a:lnRef idx="2">
-            <a:schemeClr val="accent1">
-              <a:shade val="50000"/>
-            </a:schemeClr>
-          </a:lnRef>
-          <a:fillRef idx="1">
-            <a:schemeClr val="accent1"/>
-          </a:fillRef>
-          <a:effectRef idx="0">
-            <a:schemeClr val="accent1"/>
-          </a:effectRef>
-          <a:fontRef idx="minor">
-            <a:schemeClr val="lt1"/>
-          </a:fontRef>
-        </p:style>
-        <p:txBody>
-          <a:bodyPr rtlCol="0" anchor="ctr"/>
-          <a:lstStyle/>
-          <a:p>
-            <a:pPr algn="ctr"/>
-            <a:endParaRPr lang="ko-KR" altLang="en-US"/>
-          </a:p>
-        </p:txBody>
-      </p:sp>
-      <p:sp>
-        <p:nvSpPr>
           <p:cNvPr id="3" name="직사각형 2"/>
           <p:cNvSpPr/>
           <p:nvPr/>
@@ -14087,7 +13657,7 @@
               <a:defRPr/>
             </a:pPr>
             <a:r>
-              <a:rPr lang="en-US" altLang="ko-KR" sz="3200" b="1" dirty="0">
+              <a:rPr lang="en-US" altLang="ko-KR" sz="3200" b="1" dirty="0" smtClean="0">
                 <a:solidFill>
                   <a:schemeClr val="bg1"/>
                 </a:solidFill>
@@ -14189,9 +13759,9 @@
           <p:nvPr/>
         </p:nvCxnSpPr>
         <p:spPr>
-          <a:xfrm flipV="1">
-            <a:off x="6873200" y="3919258"/>
-            <a:ext cx="2254081" cy="20253"/>
+          <a:xfrm>
+            <a:off x="2897945" y="4009292"/>
+            <a:ext cx="5781821" cy="0"/>
           </a:xfrm>
           <a:prstGeom prst="straightConnector1">
             <a:avLst/>
@@ -14226,8 +13796,8 @@
         </p:nvCxnSpPr>
         <p:spPr>
           <a:xfrm flipH="1">
-            <a:off x="2897946" y="4819768"/>
-            <a:ext cx="2225597" cy="19518"/>
+            <a:off x="2897945" y="4839286"/>
+            <a:ext cx="5739618" cy="0"/>
           </a:xfrm>
           <a:prstGeom prst="straightConnector1">
             <a:avLst/>
@@ -14262,7 +13832,7 @@
         </p:nvSpPr>
         <p:spPr>
           <a:xfrm>
-            <a:off x="6199782" y="5670191"/>
+            <a:off x="2542162" y="5570597"/>
             <a:ext cx="5883000" cy="623168"/>
           </a:xfrm>
           <a:prstGeom prst="rect">
@@ -14302,7 +13872,7 @@
         </p:nvSpPr>
         <p:spPr>
           <a:xfrm>
-            <a:off x="6181526" y="5670191"/>
+            <a:off x="2523906" y="5570597"/>
             <a:ext cx="1654448" cy="623168"/>
           </a:xfrm>
           <a:prstGeom prst="rect">
@@ -14344,7 +13914,7 @@
         </p:nvSpPr>
         <p:spPr>
           <a:xfrm>
-            <a:off x="7857702" y="5670191"/>
+            <a:off x="4200082" y="5570597"/>
             <a:ext cx="1654448" cy="623168"/>
           </a:xfrm>
           <a:prstGeom prst="rect">
@@ -14386,7 +13956,7 @@
         </p:nvSpPr>
         <p:spPr>
           <a:xfrm>
-            <a:off x="9527802" y="5670191"/>
+            <a:off x="5870182" y="5570597"/>
             <a:ext cx="2576636" cy="623168"/>
           </a:xfrm>
           <a:prstGeom prst="rect">
@@ -14428,15 +13998,15 @@
         </p:nvSpPr>
         <p:spPr>
           <a:xfrm>
-            <a:off x="6092030" y="5561382"/>
-            <a:ext cx="6099969" cy="912725"/>
+            <a:off x="2037078" y="5242612"/>
+            <a:ext cx="6893168" cy="1436401"/>
           </a:xfrm>
           <a:prstGeom prst="borderCallout1">
             <a:avLst>
-              <a:gd name="adj1" fmla="val -13756"/>
-              <a:gd name="adj2" fmla="val 52127"/>
-              <a:gd name="adj3" fmla="val -138205"/>
-              <a:gd name="adj4" fmla="val 30406"/>
+              <a:gd name="adj1" fmla="val -4510"/>
+              <a:gd name="adj2" fmla="val 44639"/>
+              <a:gd name="adj3" fmla="val -84354"/>
+              <a:gd name="adj4" fmla="val 62075"/>
             </a:avLst>
           </a:prstGeom>
           <a:solidFill>
@@ -14486,8 +14056,8 @@
         </p:nvSpPr>
         <p:spPr>
           <a:xfrm>
-            <a:off x="7851626" y="5270521"/>
-            <a:ext cx="3378776" cy="477054"/>
+            <a:off x="4587278" y="4967384"/>
+            <a:ext cx="1792768" cy="477054"/>
           </a:xfrm>
           <a:prstGeom prst="rect">
             <a:avLst/>
@@ -14500,6 +14070,7 @@
           </a:bodyPr>
           <a:lstStyle/>
           <a:p>
+            <a:pPr algn="ctr"/>
             <a:r>
               <a:rPr lang="en-US" altLang="ko-KR" sz="2500" b="1" dirty="0">
                 <a:solidFill>
@@ -14508,7 +14079,7 @@
                   </a:schemeClr>
                 </a:solidFill>
               </a:rPr>
-              <a:t>Origin Packet</a:t>
+              <a:t>Packet</a:t>
             </a:r>
             <a:endParaRPr lang="ko-KR" altLang="en-US" sz="2500" b="1" dirty="0">
               <a:solidFill>
@@ -14640,89 +14211,30 @@
           </a:p>
         </p:txBody>
       </p:sp>
-      <p:cxnSp>
-        <p:nvCxnSpPr>
-          <p:cNvPr id="28" name="직선 화살표 연결선 27"/>
-          <p:cNvCxnSpPr/>
-          <p:nvPr/>
-        </p:nvCxnSpPr>
-        <p:spPr>
-          <a:xfrm flipV="1">
-            <a:off x="2897945" y="3919258"/>
-            <a:ext cx="2225598" cy="20254"/>
-          </a:xfrm>
-          <a:prstGeom prst="straightConnector1">
-            <a:avLst/>
-          </a:prstGeom>
-          <a:ln w="25400">
-            <a:solidFill>
-              <a:schemeClr val="tx2"/>
-            </a:solidFill>
-            <a:tailEnd type="triangle"/>
-          </a:ln>
-        </p:spPr>
-        <p:style>
-          <a:lnRef idx="1">
-            <a:schemeClr val="accent1"/>
-          </a:lnRef>
-          <a:fillRef idx="0">
-            <a:schemeClr val="accent1"/>
-          </a:fillRef>
-          <a:effectRef idx="0">
-            <a:schemeClr val="accent1"/>
-          </a:effectRef>
-          <a:fontRef idx="minor">
-            <a:schemeClr val="tx1"/>
-          </a:fontRef>
-        </p:style>
-      </p:cxnSp>
-      <p:cxnSp>
-        <p:nvCxnSpPr>
-          <p:cNvPr id="29" name="직선 화살표 연결선 28"/>
-          <p:cNvCxnSpPr/>
-          <p:nvPr/>
-        </p:nvCxnSpPr>
-        <p:spPr>
-          <a:xfrm flipH="1">
-            <a:off x="6771127" y="4719389"/>
-            <a:ext cx="2356155" cy="20543"/>
-          </a:xfrm>
-          <a:prstGeom prst="straightConnector1">
-            <a:avLst/>
-          </a:prstGeom>
-          <a:ln w="25400">
-            <a:solidFill>
-              <a:schemeClr val="tx2"/>
-            </a:solidFill>
-            <a:tailEnd type="triangle"/>
-          </a:ln>
-        </p:spPr>
-        <p:style>
-          <a:lnRef idx="1">
-            <a:schemeClr val="accent1"/>
-          </a:lnRef>
-          <a:fillRef idx="0">
-            <a:schemeClr val="accent1"/>
-          </a:fillRef>
-          <a:effectRef idx="0">
-            <a:schemeClr val="accent1"/>
-          </a:effectRef>
-          <a:fontRef idx="minor">
-            <a:schemeClr val="tx1"/>
-          </a:fontRef>
-        </p:style>
-      </p:cxnSp>
       <p:pic>
         <p:nvPicPr>
-          <p:cNvPr id="35" name="그림 34"/>
+          <p:cNvPr id="22" name="그림 21"/>
           <p:cNvPicPr>
             <a:picLocks noChangeAspect="1"/>
           </p:cNvPicPr>
           <p:nvPr/>
         </p:nvPicPr>
         <p:blipFill>
-          <a:blip r:embed="rId8" cstate="print">
+          <a:blip r:embed="rId8">
+            <a:alphaModFix/>
             <a:extLst>
+              <a:ext uri="{BEBA8EAE-BF5A-486C-A8C5-ECC9F3942E4B}">
+                <a14:imgProps xmlns:a14="http://schemas.microsoft.com/office/drawing/2010/main">
+                  <a14:imgLayer r:embed="rId9">
+                    <a14:imgEffect>
+                      <a14:backgroundRemoval t="0" b="100000" l="0" r="100000">
+                        <a14:foregroundMark x1="90193" y1="13898" x2="90193" y2="13898"/>
+                        <a14:backgroundMark x1="83762" y1="17891" x2="83762" y2="17891"/>
+                      </a14:backgroundRemoval>
+                    </a14:imgEffect>
+                  </a14:imgLayer>
+                </a14:imgProps>
+              </a:ext>
               <a:ext uri="{28A0092B-C50C-407E-A947-70E740481C1C}">
                 <a14:useLocalDpi xmlns:a14="http://schemas.microsoft.com/office/drawing/2010/main" val="0"/>
               </a:ext>
@@ -14733,858 +14245,40 @@
           </a:stretch>
         </p:blipFill>
         <p:spPr>
-          <a:xfrm>
-            <a:off x="5356863" y="3789353"/>
-            <a:ext cx="1188561" cy="1188561"/>
+          <a:xfrm rot="11224793">
+            <a:off x="1637345" y="3584986"/>
+            <a:ext cx="856233" cy="861739"/>
           </a:xfrm>
           <a:prstGeom prst="rect">
             <a:avLst/>
           </a:prstGeom>
         </p:spPr>
       </p:pic>
-      <p:sp>
-        <p:nvSpPr>
-          <p:cNvPr id="30" name="직사각형 29">
-            <a:extLst>
-              <a:ext uri="{FF2B5EF4-FFF2-40B4-BE49-F238E27FC236}">
-                <a16:creationId xmlns:a16="http://schemas.microsoft.com/office/drawing/2014/main" xmlns="" id="{D6A04DA9-5DD3-482B-B98E-8434C9CBB4B5}"/>
-              </a:ext>
-            </a:extLst>
-          </p:cNvPr>
-          <p:cNvSpPr/>
-          <p:nvPr/>
-        </p:nvSpPr>
-        <p:spPr>
-          <a:xfrm>
-            <a:off x="2401460" y="5878316"/>
-            <a:ext cx="2933748" cy="421065"/>
-          </a:xfrm>
-          <a:prstGeom prst="rect">
-            <a:avLst/>
-          </a:prstGeom>
-        </p:spPr>
-        <p:style>
-          <a:lnRef idx="2">
-            <a:schemeClr val="dk1">
-              <a:shade val="50000"/>
-            </a:schemeClr>
-          </a:lnRef>
-          <a:fillRef idx="1">
-            <a:schemeClr val="dk1"/>
-          </a:fillRef>
-          <a:effectRef idx="0">
-            <a:schemeClr val="dk1"/>
-          </a:effectRef>
-          <a:fontRef idx="minor">
-            <a:schemeClr val="lt1"/>
-          </a:fontRef>
-        </p:style>
-        <p:txBody>
-          <a:bodyPr rtlCol="0" anchor="ctr"/>
-          <a:lstStyle/>
-          <a:p>
-            <a:pPr algn="ctr"/>
-            <a:endParaRPr lang="ko-KR" altLang="en-US"/>
-          </a:p>
-        </p:txBody>
-      </p:sp>
-      <p:sp>
-        <p:nvSpPr>
-          <p:cNvPr id="31" name="직사각형 30">
-            <a:extLst>
-              <a:ext uri="{FF2B5EF4-FFF2-40B4-BE49-F238E27FC236}">
-                <a16:creationId xmlns:a16="http://schemas.microsoft.com/office/drawing/2014/main" xmlns="" id="{0DD19B89-AA2D-456B-92A9-8A2621813A4E}"/>
-              </a:ext>
-            </a:extLst>
-          </p:cNvPr>
-          <p:cNvSpPr/>
-          <p:nvPr/>
-        </p:nvSpPr>
-        <p:spPr>
-          <a:xfrm>
-            <a:off x="2412410" y="5878316"/>
-            <a:ext cx="825044" cy="421065"/>
-          </a:xfrm>
-          <a:prstGeom prst="rect">
-            <a:avLst/>
-          </a:prstGeom>
-        </p:spPr>
-        <p:style>
-          <a:lnRef idx="2">
-            <a:schemeClr val="dk1"/>
-          </a:lnRef>
-          <a:fillRef idx="1">
-            <a:schemeClr val="lt1"/>
-          </a:fillRef>
-          <a:effectRef idx="0">
-            <a:schemeClr val="dk1"/>
-          </a:effectRef>
-          <a:fontRef idx="minor">
-            <a:schemeClr val="dk1"/>
-          </a:fontRef>
-        </p:style>
-        <p:txBody>
-          <a:bodyPr rtlCol="0" anchor="ctr"/>
-          <a:lstStyle/>
-          <a:p>
-            <a:pPr algn="ctr"/>
-            <a:r>
-              <a:rPr lang="en-US" altLang="ko-KR" sz="2000" dirty="0"/>
-              <a:t>IP</a:t>
-            </a:r>
-            <a:endParaRPr lang="ko-KR" altLang="en-US" sz="2000" dirty="0"/>
-          </a:p>
-        </p:txBody>
-      </p:sp>
-      <p:sp>
-        <p:nvSpPr>
-          <p:cNvPr id="32" name="직사각형 31">
-            <a:extLst>
-              <a:ext uri="{FF2B5EF4-FFF2-40B4-BE49-F238E27FC236}">
-                <a16:creationId xmlns:a16="http://schemas.microsoft.com/office/drawing/2014/main" xmlns="" id="{3D4A91F6-4A10-4467-B33D-69CF739E7A5C}"/>
-              </a:ext>
-            </a:extLst>
-          </p:cNvPr>
-          <p:cNvSpPr/>
-          <p:nvPr/>
-        </p:nvSpPr>
-        <p:spPr>
-          <a:xfrm>
-            <a:off x="3246896" y="5878316"/>
-            <a:ext cx="825044" cy="421065"/>
-          </a:xfrm>
-          <a:prstGeom prst="rect">
-            <a:avLst/>
-          </a:prstGeom>
-        </p:spPr>
-        <p:style>
-          <a:lnRef idx="2">
-            <a:schemeClr val="dk1"/>
-          </a:lnRef>
-          <a:fillRef idx="1">
-            <a:schemeClr val="lt1"/>
-          </a:fillRef>
-          <a:effectRef idx="0">
-            <a:schemeClr val="dk1"/>
-          </a:effectRef>
-          <a:fontRef idx="minor">
-            <a:schemeClr val="dk1"/>
-          </a:fontRef>
-        </p:style>
-        <p:txBody>
-          <a:bodyPr rtlCol="0" anchor="ctr"/>
-          <a:lstStyle/>
-          <a:p>
-            <a:pPr algn="ctr"/>
-            <a:r>
-              <a:rPr lang="en-US" altLang="ko-KR" sz="2000" dirty="0"/>
-              <a:t>TCP</a:t>
-            </a:r>
-            <a:endParaRPr lang="ko-KR" altLang="en-US" sz="2000" dirty="0"/>
-          </a:p>
-        </p:txBody>
-      </p:sp>
-      <p:sp>
-        <p:nvSpPr>
-          <p:cNvPr id="33" name="직사각형 32">
-            <a:extLst>
-              <a:ext uri="{FF2B5EF4-FFF2-40B4-BE49-F238E27FC236}">
-                <a16:creationId xmlns:a16="http://schemas.microsoft.com/office/drawing/2014/main" xmlns="" id="{DF346D7F-48BA-44B8-82A6-71DC705D592B}"/>
-              </a:ext>
-            </a:extLst>
-          </p:cNvPr>
-          <p:cNvSpPr/>
-          <p:nvPr/>
-        </p:nvSpPr>
-        <p:spPr>
-          <a:xfrm>
-            <a:off x="4071940" y="5878316"/>
-            <a:ext cx="1284923" cy="421065"/>
-          </a:xfrm>
-          <a:prstGeom prst="rect">
-            <a:avLst/>
-          </a:prstGeom>
-        </p:spPr>
-        <p:style>
-          <a:lnRef idx="2">
-            <a:schemeClr val="dk1"/>
-          </a:lnRef>
-          <a:fillRef idx="1">
-            <a:schemeClr val="lt1"/>
-          </a:fillRef>
-          <a:effectRef idx="0">
-            <a:schemeClr val="dk1"/>
-          </a:effectRef>
-          <a:fontRef idx="minor">
-            <a:schemeClr val="dk1"/>
-          </a:fontRef>
-        </p:style>
-        <p:txBody>
-          <a:bodyPr rtlCol="0" anchor="ctr"/>
-          <a:lstStyle/>
-          <a:p>
-            <a:pPr algn="ctr"/>
-            <a:r>
-              <a:rPr lang="en-US" altLang="ko-KR" sz="2000" dirty="0"/>
-              <a:t>Data</a:t>
-            </a:r>
-            <a:endParaRPr lang="ko-KR" altLang="en-US" sz="2000" dirty="0"/>
-          </a:p>
-        </p:txBody>
-      </p:sp>
-      <p:sp>
-        <p:nvSpPr>
-          <p:cNvPr id="34" name="설명선 1 19">
-            <a:extLst>
-              <a:ext uri="{FF2B5EF4-FFF2-40B4-BE49-F238E27FC236}">
-                <a16:creationId xmlns:a16="http://schemas.microsoft.com/office/drawing/2014/main" xmlns="" id="{2B386178-BE8E-494A-8DC0-0B3E7646C9A9}"/>
-              </a:ext>
-            </a:extLst>
-          </p:cNvPr>
-          <p:cNvSpPr/>
-          <p:nvPr/>
-        </p:nvSpPr>
-        <p:spPr>
-          <a:xfrm>
-            <a:off x="452673" y="5561382"/>
-            <a:ext cx="5628493" cy="916235"/>
-          </a:xfrm>
-          <a:prstGeom prst="borderCallout1">
-            <a:avLst>
-              <a:gd name="adj1" fmla="val -13756"/>
-              <a:gd name="adj2" fmla="val 52127"/>
-              <a:gd name="adj3" fmla="val -135013"/>
-              <a:gd name="adj4" fmla="val 62359"/>
-            </a:avLst>
-          </a:prstGeom>
-          <a:solidFill>
-            <a:schemeClr val="bg2">
-              <a:lumMod val="75000"/>
-              <a:alpha val="10000"/>
-            </a:schemeClr>
-          </a:solidFill>
-          <a:ln w="38100">
-            <a:solidFill>
-              <a:schemeClr val="bg2">
-                <a:lumMod val="50000"/>
-              </a:schemeClr>
-            </a:solidFill>
-          </a:ln>
-        </p:spPr>
-        <p:style>
-          <a:lnRef idx="2">
-            <a:schemeClr val="accent1">
-              <a:shade val="50000"/>
-            </a:schemeClr>
-          </a:lnRef>
-          <a:fillRef idx="1">
-            <a:schemeClr val="accent1"/>
-          </a:fillRef>
-          <a:effectRef idx="0">
-            <a:schemeClr val="accent1"/>
-          </a:effectRef>
-          <a:fontRef idx="minor">
-            <a:schemeClr val="lt1"/>
-          </a:fontRef>
-        </p:style>
-        <p:txBody>
-          <a:bodyPr rtlCol="0" anchor="ctr"/>
-          <a:lstStyle/>
-          <a:p>
-            <a:pPr algn="ctr"/>
-            <a:endParaRPr lang="ko-KR" altLang="en-US"/>
-          </a:p>
-        </p:txBody>
-      </p:sp>
-      <p:sp>
-        <p:nvSpPr>
-          <p:cNvPr id="36" name="TextBox 35">
-            <a:extLst>
-              <a:ext uri="{FF2B5EF4-FFF2-40B4-BE49-F238E27FC236}">
-                <a16:creationId xmlns:a16="http://schemas.microsoft.com/office/drawing/2014/main" xmlns="" id="{3680A2E2-BF04-40A3-A3D2-BD9A4DB4CAF9}"/>
-              </a:ext>
-            </a:extLst>
-          </p:cNvPr>
-          <p:cNvSpPr txBox="1"/>
-          <p:nvPr/>
-        </p:nvSpPr>
-        <p:spPr>
-          <a:xfrm>
-            <a:off x="1729929" y="5270521"/>
-            <a:ext cx="3378776" cy="477054"/>
-          </a:xfrm>
-          <a:prstGeom prst="rect">
-            <a:avLst/>
-          </a:prstGeom>
-          <a:noFill/>
-        </p:spPr>
-        <p:txBody>
-          <a:bodyPr wrap="square" rtlCol="0">
-            <a:spAutoFit/>
-          </a:bodyPr>
-          <a:lstStyle/>
-          <a:p>
-            <a:r>
-              <a:rPr lang="en-US" altLang="ko-KR" sz="2500" b="1">
-                <a:solidFill>
-                  <a:schemeClr val="tx1">
-                    <a:lumMod val="50000"/>
-                  </a:schemeClr>
-                </a:solidFill>
-              </a:rPr>
-              <a:t>Modified </a:t>
-            </a:r>
-            <a:r>
-              <a:rPr lang="en-US" altLang="ko-KR" sz="2500" b="1" dirty="0">
-                <a:solidFill>
-                  <a:schemeClr val="tx1">
-                    <a:lumMod val="50000"/>
-                  </a:schemeClr>
-                </a:solidFill>
-              </a:rPr>
-              <a:t>Packet</a:t>
-            </a:r>
-            <a:endParaRPr lang="ko-KR" altLang="en-US" sz="2500" b="1" dirty="0">
-              <a:solidFill>
-                <a:schemeClr val="tx1">
-                  <a:lumMod val="50000"/>
-                </a:schemeClr>
-              </a:solidFill>
-            </a:endParaRPr>
-          </a:p>
-        </p:txBody>
-      </p:sp>
-      <p:sp>
-        <p:nvSpPr>
-          <p:cNvPr id="2" name="직사각형 1">
-            <a:extLst>
-              <a:ext uri="{FF2B5EF4-FFF2-40B4-BE49-F238E27FC236}">
-                <a16:creationId xmlns:a16="http://schemas.microsoft.com/office/drawing/2014/main" xmlns="" id="{3384A5F0-C8BB-4201-B00B-B120EAE787AB}"/>
-              </a:ext>
-            </a:extLst>
-          </p:cNvPr>
-          <p:cNvSpPr/>
-          <p:nvPr/>
-        </p:nvSpPr>
-        <p:spPr>
-          <a:xfrm>
-            <a:off x="854628" y="5878315"/>
-            <a:ext cx="1592820" cy="421065"/>
-          </a:xfrm>
-          <a:prstGeom prst="rect">
-            <a:avLst/>
-          </a:prstGeom>
-          <a:solidFill>
-            <a:schemeClr val="bg1"/>
-          </a:solidFill>
-          <a:ln>
-            <a:solidFill>
-              <a:schemeClr val="tx1">
-                <a:lumMod val="50000"/>
-              </a:schemeClr>
-            </a:solidFill>
-          </a:ln>
-        </p:spPr>
-        <p:style>
-          <a:lnRef idx="2">
-            <a:schemeClr val="accent1">
-              <a:shade val="50000"/>
-            </a:schemeClr>
-          </a:lnRef>
-          <a:fillRef idx="1">
-            <a:schemeClr val="accent1"/>
-          </a:fillRef>
-          <a:effectRef idx="0">
-            <a:schemeClr val="accent1"/>
-          </a:effectRef>
-          <a:fontRef idx="minor">
-            <a:schemeClr val="lt1"/>
-          </a:fontRef>
-        </p:style>
-        <p:txBody>
-          <a:bodyPr rtlCol="0" anchor="ctr"/>
-          <a:lstStyle/>
-          <a:p>
-            <a:pPr algn="ctr"/>
-            <a:endParaRPr lang="ko-KR" altLang="en-US"/>
-          </a:p>
-        </p:txBody>
-      </p:sp>
-      <p:sp>
-        <p:nvSpPr>
-          <p:cNvPr id="37" name="직사각형 36">
-            <a:extLst>
-              <a:ext uri="{FF2B5EF4-FFF2-40B4-BE49-F238E27FC236}">
-                <a16:creationId xmlns:a16="http://schemas.microsoft.com/office/drawing/2014/main" xmlns="" id="{94AA240F-ADEC-4B11-BE49-AD04BA5B2BC1}"/>
-              </a:ext>
-            </a:extLst>
-          </p:cNvPr>
-          <p:cNvSpPr/>
-          <p:nvPr/>
-        </p:nvSpPr>
-        <p:spPr>
-          <a:xfrm>
-            <a:off x="795535" y="5878315"/>
-            <a:ext cx="825044" cy="421065"/>
-          </a:xfrm>
-          <a:prstGeom prst="rect">
-            <a:avLst/>
-          </a:prstGeom>
-        </p:spPr>
-        <p:style>
-          <a:lnRef idx="2">
-            <a:schemeClr val="dk1"/>
-          </a:lnRef>
-          <a:fillRef idx="1">
-            <a:schemeClr val="lt1"/>
-          </a:fillRef>
-          <a:effectRef idx="0">
-            <a:schemeClr val="dk1"/>
-          </a:effectRef>
-          <a:fontRef idx="minor">
-            <a:schemeClr val="dk1"/>
-          </a:fontRef>
-        </p:style>
-        <p:txBody>
-          <a:bodyPr rtlCol="0" anchor="ctr"/>
-          <a:lstStyle/>
-          <a:p>
-            <a:pPr algn="ctr"/>
-            <a:r>
-              <a:rPr lang="en-US" altLang="ko-KR" sz="2000" dirty="0"/>
-              <a:t>IP</a:t>
-            </a:r>
-            <a:endParaRPr lang="ko-KR" altLang="en-US" sz="2000" dirty="0"/>
-          </a:p>
-        </p:txBody>
-      </p:sp>
-      <p:sp>
-        <p:nvSpPr>
-          <p:cNvPr id="38" name="직사각형 37">
-            <a:extLst>
-              <a:ext uri="{FF2B5EF4-FFF2-40B4-BE49-F238E27FC236}">
-                <a16:creationId xmlns:a16="http://schemas.microsoft.com/office/drawing/2014/main" xmlns="" id="{49C6B6ED-6993-4C83-B5C7-776B70D7C15B}"/>
-              </a:ext>
-            </a:extLst>
-          </p:cNvPr>
-          <p:cNvSpPr/>
-          <p:nvPr/>
-        </p:nvSpPr>
-        <p:spPr>
-          <a:xfrm>
-            <a:off x="1614897" y="5878315"/>
-            <a:ext cx="825044" cy="423264"/>
-          </a:xfrm>
-          <a:prstGeom prst="rect">
-            <a:avLst/>
-          </a:prstGeom>
-        </p:spPr>
-        <p:style>
-          <a:lnRef idx="2">
-            <a:schemeClr val="dk1"/>
-          </a:lnRef>
-          <a:fillRef idx="1">
-            <a:schemeClr val="lt1"/>
-          </a:fillRef>
-          <a:effectRef idx="0">
-            <a:schemeClr val="dk1"/>
-          </a:effectRef>
-          <a:fontRef idx="minor">
-            <a:schemeClr val="dk1"/>
-          </a:fontRef>
-        </p:style>
-        <p:txBody>
-          <a:bodyPr rtlCol="0" anchor="ctr"/>
-          <a:lstStyle/>
-          <a:p>
-            <a:pPr algn="ctr"/>
-            <a:r>
-              <a:rPr lang="en-US" altLang="ko-KR" sz="2000" dirty="0"/>
-              <a:t>TCP</a:t>
-            </a:r>
-            <a:endParaRPr lang="ko-KR" altLang="en-US" sz="2000" dirty="0"/>
-          </a:p>
-        </p:txBody>
-      </p:sp>
-      <p:sp>
-        <p:nvSpPr>
-          <p:cNvPr id="23" name="직사각형 22">
-            <a:extLst>
-              <a:ext uri="{FF2B5EF4-FFF2-40B4-BE49-F238E27FC236}">
-                <a16:creationId xmlns:a16="http://schemas.microsoft.com/office/drawing/2014/main" xmlns="" id="{24501C3B-5C55-4471-8B03-F33B401EC59B}"/>
-              </a:ext>
-            </a:extLst>
-          </p:cNvPr>
-          <p:cNvSpPr/>
-          <p:nvPr/>
-        </p:nvSpPr>
-        <p:spPr>
-          <a:xfrm>
-            <a:off x="2447448" y="5747575"/>
-            <a:ext cx="2984631" cy="662278"/>
-          </a:xfrm>
-          <a:prstGeom prst="rect">
-            <a:avLst/>
-          </a:prstGeom>
-          <a:solidFill>
-            <a:schemeClr val="bg1">
-              <a:alpha val="10000"/>
-            </a:schemeClr>
-          </a:solidFill>
-          <a:ln w="25400">
-            <a:solidFill>
-              <a:schemeClr val="tx2">
-                <a:alpha val="50000"/>
-              </a:schemeClr>
-            </a:solidFill>
-          </a:ln>
-        </p:spPr>
-        <p:style>
-          <a:lnRef idx="2">
-            <a:schemeClr val="accent1">
-              <a:shade val="50000"/>
-            </a:schemeClr>
-          </a:lnRef>
-          <a:fillRef idx="1">
-            <a:schemeClr val="accent1"/>
-          </a:fillRef>
-          <a:effectRef idx="0">
-            <a:schemeClr val="accent1"/>
-          </a:effectRef>
-          <a:fontRef idx="minor">
-            <a:schemeClr val="lt1"/>
-          </a:fontRef>
-        </p:style>
-        <p:txBody>
-          <a:bodyPr rtlCol="0" anchor="ctr"/>
-          <a:lstStyle/>
-          <a:p>
-            <a:pPr algn="ctr"/>
-            <a:endParaRPr lang="ko-KR" altLang="en-US"/>
-          </a:p>
-        </p:txBody>
-      </p:sp>
-      <p:sp>
-        <p:nvSpPr>
-          <p:cNvPr id="24" name="TextBox 23">
-            <a:extLst>
-              <a:ext uri="{FF2B5EF4-FFF2-40B4-BE49-F238E27FC236}">
-                <a16:creationId xmlns:a16="http://schemas.microsoft.com/office/drawing/2014/main" xmlns="" id="{00D7A62D-5354-40DD-AC3B-46BC8B7C199F}"/>
-              </a:ext>
-            </a:extLst>
-          </p:cNvPr>
-          <p:cNvSpPr txBox="1"/>
-          <p:nvPr/>
-        </p:nvSpPr>
-        <p:spPr>
-          <a:xfrm>
-            <a:off x="3237051" y="5570050"/>
-            <a:ext cx="1893381" cy="369332"/>
-          </a:xfrm>
-          <a:prstGeom prst="rect">
-            <a:avLst/>
-          </a:prstGeom>
-          <a:noFill/>
-        </p:spPr>
-        <p:txBody>
-          <a:bodyPr wrap="square" rtlCol="0">
-            <a:spAutoFit/>
-          </a:bodyPr>
-          <a:lstStyle/>
-          <a:p>
-            <a:r>
-              <a:rPr lang="en-US" altLang="ko-KR" b="1">
-                <a:solidFill>
-                  <a:srgbClr val="FF0000"/>
-                </a:solidFill>
-              </a:rPr>
-              <a:t>Origin Packet</a:t>
-            </a:r>
-            <a:endParaRPr lang="ko-KR" altLang="en-US" b="1">
-              <a:solidFill>
-                <a:srgbClr val="FF0000"/>
-              </a:solidFill>
-            </a:endParaRPr>
-          </a:p>
-        </p:txBody>
-      </p:sp>
-      <p:sp>
-        <p:nvSpPr>
-          <p:cNvPr id="46" name="설명선: 굽은 이중선(테두리 및 강조선) 45">
-            <a:extLst>
-              <a:ext uri="{FF2B5EF4-FFF2-40B4-BE49-F238E27FC236}">
-                <a16:creationId xmlns:a16="http://schemas.microsoft.com/office/drawing/2014/main" xmlns="" id="{1A2C81FF-FD19-469A-86AD-A3BE74638C74}"/>
-              </a:ext>
-            </a:extLst>
-          </p:cNvPr>
-          <p:cNvSpPr/>
-          <p:nvPr/>
-        </p:nvSpPr>
-        <p:spPr>
-          <a:xfrm rot="16200000">
-            <a:off x="441067" y="2597172"/>
-            <a:ext cx="1015663" cy="1430100"/>
-          </a:xfrm>
-          <a:prstGeom prst="accentBorderCallout3">
-            <a:avLst>
-              <a:gd name="adj1" fmla="val 49137"/>
-              <a:gd name="adj2" fmla="val -9897"/>
-              <a:gd name="adj3" fmla="val 52943"/>
-              <a:gd name="adj4" fmla="val -126775"/>
-              <a:gd name="adj5" fmla="val 116729"/>
-              <a:gd name="adj6" fmla="val -212283"/>
-              <a:gd name="adj7" fmla="val 115671"/>
-              <a:gd name="adj8" fmla="val -212478"/>
-            </a:avLst>
-          </a:prstGeom>
-          <a:solidFill>
-            <a:schemeClr val="bg2">
-              <a:lumMod val="25000"/>
-              <a:alpha val="20000"/>
-            </a:schemeClr>
-          </a:solidFill>
-        </p:spPr>
-        <p:style>
-          <a:lnRef idx="2">
-            <a:schemeClr val="accent1">
-              <a:shade val="50000"/>
-            </a:schemeClr>
-          </a:lnRef>
-          <a:fillRef idx="1">
-            <a:schemeClr val="accent1"/>
-          </a:fillRef>
-          <a:effectRef idx="0">
-            <a:schemeClr val="accent1"/>
-          </a:effectRef>
-          <a:fontRef idx="minor">
-            <a:schemeClr val="lt1"/>
-          </a:fontRef>
-        </p:style>
-        <p:txBody>
-          <a:bodyPr rtlCol="0" anchor="ctr"/>
-          <a:lstStyle/>
-          <a:p>
-            <a:pPr algn="ctr"/>
-            <a:endParaRPr lang="ko-KR" altLang="en-US"/>
-          </a:p>
-        </p:txBody>
-      </p:sp>
-      <p:sp>
-        <p:nvSpPr>
-          <p:cNvPr id="47" name="TextBox 46">
-            <a:extLst>
-              <a:ext uri="{FF2B5EF4-FFF2-40B4-BE49-F238E27FC236}">
-                <a16:creationId xmlns:a16="http://schemas.microsoft.com/office/drawing/2014/main" xmlns="" id="{00C57E51-0EC5-4B60-8ACD-E84B76E3961C}"/>
-              </a:ext>
-            </a:extLst>
-          </p:cNvPr>
-          <p:cNvSpPr txBox="1"/>
-          <p:nvPr/>
-        </p:nvSpPr>
-        <p:spPr>
-          <a:xfrm>
-            <a:off x="191029" y="2804391"/>
-            <a:ext cx="1430101" cy="1015663"/>
-          </a:xfrm>
-          <a:prstGeom prst="rect">
-            <a:avLst/>
-          </a:prstGeom>
-          <a:noFill/>
-        </p:spPr>
-        <p:txBody>
-          <a:bodyPr wrap="square" rtlCol="0">
-            <a:spAutoFit/>
-          </a:bodyPr>
-          <a:lstStyle/>
-          <a:p>
-            <a:r>
-              <a:rPr lang="en-US" altLang="ko-KR" sz="1000"/>
-              <a:t>Seq Num : 1</a:t>
-            </a:r>
-          </a:p>
-          <a:p>
-            <a:r>
-              <a:rPr lang="en-US" altLang="ko-KR" sz="1000"/>
-              <a:t>Ack Num : 1</a:t>
-            </a:r>
-          </a:p>
-          <a:p>
-            <a:r>
-              <a:rPr lang="en-US" altLang="ko-KR" sz="1000"/>
-              <a:t>Src Port : User Choice</a:t>
-            </a:r>
-          </a:p>
-          <a:p>
-            <a:r>
-              <a:rPr lang="en-US" altLang="ko-KR" sz="1000"/>
-              <a:t>Dest Port : User Choice</a:t>
-            </a:r>
-          </a:p>
-          <a:p>
-            <a:endParaRPr lang="ko-KR" altLang="en-US" sz="1000"/>
-          </a:p>
-        </p:txBody>
-      </p:sp>
-      <p:sp>
-        <p:nvSpPr>
-          <p:cNvPr id="48" name="직사각형 47">
-            <a:extLst>
-              <a:ext uri="{FF2B5EF4-FFF2-40B4-BE49-F238E27FC236}">
-                <a16:creationId xmlns:a16="http://schemas.microsoft.com/office/drawing/2014/main" xmlns="" id="{85CB74B9-C716-4B10-A696-A219C834AB92}"/>
-              </a:ext>
-            </a:extLst>
-          </p:cNvPr>
-          <p:cNvSpPr/>
-          <p:nvPr/>
-        </p:nvSpPr>
-        <p:spPr>
-          <a:xfrm>
-            <a:off x="795535" y="5745377"/>
-            <a:ext cx="1656634" cy="664476"/>
-          </a:xfrm>
-          <a:prstGeom prst="rect">
-            <a:avLst/>
-          </a:prstGeom>
-          <a:solidFill>
-            <a:schemeClr val="bg1">
-              <a:alpha val="10000"/>
-            </a:schemeClr>
-          </a:solidFill>
-          <a:ln w="25400">
-            <a:solidFill>
-              <a:schemeClr val="tx2">
-                <a:alpha val="50000"/>
-              </a:schemeClr>
-            </a:solidFill>
-          </a:ln>
-        </p:spPr>
-        <p:style>
-          <a:lnRef idx="2">
-            <a:schemeClr val="accent1">
-              <a:shade val="50000"/>
-            </a:schemeClr>
-          </a:lnRef>
-          <a:fillRef idx="1">
-            <a:schemeClr val="accent1"/>
-          </a:fillRef>
-          <a:effectRef idx="0">
-            <a:schemeClr val="accent1"/>
-          </a:effectRef>
-          <a:fontRef idx="minor">
-            <a:schemeClr val="lt1"/>
-          </a:fontRef>
-        </p:style>
-        <p:txBody>
-          <a:bodyPr rtlCol="0" anchor="ctr"/>
-          <a:lstStyle/>
-          <a:p>
-            <a:pPr algn="ctr"/>
-            <a:endParaRPr lang="ko-KR" altLang="en-US"/>
-          </a:p>
-        </p:txBody>
-      </p:sp>
-      <p:sp>
-        <p:nvSpPr>
-          <p:cNvPr id="49" name="TextBox 48">
-            <a:extLst>
-              <a:ext uri="{FF2B5EF4-FFF2-40B4-BE49-F238E27FC236}">
-                <a16:creationId xmlns:a16="http://schemas.microsoft.com/office/drawing/2014/main" xmlns="" id="{3C022F72-BA7C-4A97-8B2B-D62ED11959B2}"/>
-              </a:ext>
-            </a:extLst>
-          </p:cNvPr>
-          <p:cNvSpPr txBox="1"/>
-          <p:nvPr/>
-        </p:nvSpPr>
-        <p:spPr>
-          <a:xfrm>
-            <a:off x="894405" y="5560711"/>
-            <a:ext cx="1539089" cy="369332"/>
-          </a:xfrm>
-          <a:prstGeom prst="rect">
-            <a:avLst/>
-          </a:prstGeom>
-          <a:noFill/>
-        </p:spPr>
-        <p:txBody>
-          <a:bodyPr wrap="square" rtlCol="0">
-            <a:spAutoFit/>
-          </a:bodyPr>
-          <a:lstStyle/>
-          <a:p>
-            <a:r>
-              <a:rPr lang="en-US" altLang="ko-KR" b="1">
-                <a:solidFill>
-                  <a:srgbClr val="FF0000"/>
-                </a:solidFill>
-              </a:rPr>
-              <a:t>Fake Header</a:t>
-            </a:r>
-            <a:endParaRPr lang="ko-KR" altLang="en-US" b="1">
-              <a:solidFill>
-                <a:srgbClr val="FF0000"/>
-              </a:solidFill>
-            </a:endParaRPr>
-          </a:p>
-        </p:txBody>
-      </p:sp>
-      <p:sp>
-        <p:nvSpPr>
-          <p:cNvPr id="51" name="TextBox 50">
-            <a:extLst>
-              <a:ext uri="{FF2B5EF4-FFF2-40B4-BE49-F238E27FC236}">
-                <a16:creationId xmlns:a16="http://schemas.microsoft.com/office/drawing/2014/main" xmlns="" id="{B53A7E59-3A47-4470-87E8-C90E80985FFC}"/>
-              </a:ext>
-            </a:extLst>
-          </p:cNvPr>
-          <p:cNvSpPr txBox="1"/>
-          <p:nvPr/>
-        </p:nvSpPr>
-        <p:spPr>
-          <a:xfrm>
-            <a:off x="191029" y="1615155"/>
-            <a:ext cx="1378649" cy="861774"/>
-          </a:xfrm>
-          <a:prstGeom prst="rect">
-            <a:avLst/>
-          </a:prstGeom>
-          <a:noFill/>
-        </p:spPr>
-        <p:txBody>
-          <a:bodyPr wrap="square" rtlCol="0">
-            <a:spAutoFit/>
-          </a:bodyPr>
-          <a:lstStyle/>
-          <a:p>
-            <a:r>
-              <a:rPr lang="en-US" altLang="ko-KR" sz="1000"/>
-              <a:t>Src IP :  Mobile IP</a:t>
-            </a:r>
-          </a:p>
-          <a:p>
-            <a:endParaRPr lang="en-US" altLang="ko-KR" sz="1000"/>
-          </a:p>
-          <a:p>
-            <a:r>
-              <a:rPr lang="en-US" altLang="ko-KR" sz="1000"/>
-              <a:t>Dest IP :  Tunneling Server IP</a:t>
-            </a:r>
-          </a:p>
-          <a:p>
-            <a:endParaRPr lang="ko-KR" altLang="en-US" sz="1000"/>
-          </a:p>
-        </p:txBody>
-      </p:sp>
       <p:pic>
         <p:nvPicPr>
-          <p:cNvPr id="42" name="그림 41"/>
+          <p:cNvPr id="24" name="그림 23"/>
           <p:cNvPicPr>
             <a:picLocks noChangeAspect="1"/>
           </p:cNvPicPr>
           <p:nvPr/>
         </p:nvPicPr>
         <p:blipFill>
-          <a:blip r:embed="rId9" cstate="print">
+          <a:blip r:embed="rId10">
             <a:extLst>
+              <a:ext uri="{BEBA8EAE-BF5A-486C-A8C5-ECC9F3942E4B}">
+                <a14:imgProps xmlns:a14="http://schemas.microsoft.com/office/drawing/2010/main">
+                  <a14:imgLayer r:embed="rId11">
+                    <a14:imgEffect>
+                      <a14:backgroundRemoval t="4000" b="95556" l="1778" r="100000">
+                        <a14:foregroundMark x1="84444" y1="36000" x2="84444" y2="36000"/>
+                        <a14:foregroundMark x1="87556" y1="49333" x2="87556" y2="49333"/>
+                        <a14:foregroundMark x1="87556" y1="49333" x2="87556" y2="49333"/>
+                        <a14:foregroundMark x1="15111" y1="75556" x2="15111" y2="75556"/>
+                      </a14:backgroundRemoval>
+                    </a14:imgEffect>
+                  </a14:imgLayer>
+                </a14:imgProps>
+              </a:ext>
               <a:ext uri="{28A0092B-C50C-407E-A947-70E740481C1C}">
                 <a14:useLocalDpi xmlns:a14="http://schemas.microsoft.com/office/drawing/2010/main" val="0"/>
               </a:ext>
@@ -15595,9 +14289,9 @@
           </a:stretch>
         </p:blipFill>
         <p:spPr>
-          <a:xfrm rot="5400000">
-            <a:off x="1483245" y="3661454"/>
-            <a:ext cx="1426308" cy="1069731"/>
+          <a:xfrm>
+            <a:off x="153290" y="3669386"/>
+            <a:ext cx="1696656" cy="1696656"/>
           </a:xfrm>
           <a:prstGeom prst="rect">
             <a:avLst/>
@@ -15607,7 +14301,7 @@
     </p:spTree>
     <p:extLst>
       <p:ext uri="{BB962C8B-B14F-4D97-AF65-F5344CB8AC3E}">
-        <p14:creationId xmlns:p14="http://schemas.microsoft.com/office/powerpoint/2010/main" val="1921752760"/>
+        <p14:creationId xmlns:p14="http://schemas.microsoft.com/office/powerpoint/2010/main" val="1878891508"/>
       </p:ext>
     </p:extLst>
   </p:cSld>
@@ -17521,7 +16215,7 @@
           <p:cNvPr id="23" name="제목 2">
             <a:extLst>
               <a:ext uri="{FF2B5EF4-FFF2-40B4-BE49-F238E27FC236}">
-                <a16:creationId xmlns:a16="http://schemas.microsoft.com/office/drawing/2014/main" xmlns="" id="{F5A0DF4A-FF3F-4516-AF9C-4472512194B9}"/>
+                <a16:creationId xmlns="" xmlns:a16="http://schemas.microsoft.com/office/drawing/2014/main" id="{F5A0DF4A-FF3F-4516-AF9C-4472512194B9}"/>
               </a:ext>
             </a:extLst>
           </p:cNvPr>
@@ -17621,7 +16315,7 @@
           <p:cNvPr id="24" name="제목 1">
             <a:extLst>
               <a:ext uri="{FF2B5EF4-FFF2-40B4-BE49-F238E27FC236}">
-                <a16:creationId xmlns:a16="http://schemas.microsoft.com/office/drawing/2014/main" xmlns="" id="{B9C0C56A-C8CD-4C24-BBF4-64E0E1C110D2}"/>
+                <a16:creationId xmlns="" xmlns:a16="http://schemas.microsoft.com/office/drawing/2014/main" id="{B9C0C56A-C8CD-4C24-BBF4-64E0E1C110D2}"/>
               </a:ext>
             </a:extLst>
           </p:cNvPr>
@@ -18165,12 +16859,99 @@
           <a:chExt cx="0" cy="0"/>
         </a:xfrm>
       </p:grpSpPr>
+      <p:pic>
+        <p:nvPicPr>
+          <p:cNvPr id="43" name="그림 42"/>
+          <p:cNvPicPr>
+            <a:picLocks noChangeAspect="1"/>
+          </p:cNvPicPr>
+          <p:nvPr/>
+        </p:nvPicPr>
+        <p:blipFill>
+          <a:blip r:embed="rId2">
+            <a:alphaModFix/>
+            <a:extLst>
+              <a:ext uri="{BEBA8EAE-BF5A-486C-A8C5-ECC9F3942E4B}">
+                <a14:imgProps xmlns:a14="http://schemas.microsoft.com/office/drawing/2010/main">
+                  <a14:imgLayer r:embed="rId3">
+                    <a14:imgEffect>
+                      <a14:backgroundRemoval t="0" b="100000" l="0" r="100000">
+                        <a14:foregroundMark x1="90193" y1="13898" x2="90193" y2="13898"/>
+                        <a14:backgroundMark x1="83762" y1="17891" x2="83762" y2="17891"/>
+                      </a14:backgroundRemoval>
+                    </a14:imgEffect>
+                  </a14:imgLayer>
+                </a14:imgProps>
+              </a:ext>
+              <a:ext uri="{28A0092B-C50C-407E-A947-70E740481C1C}">
+                <a14:useLocalDpi xmlns:a14="http://schemas.microsoft.com/office/drawing/2010/main" val="0"/>
+              </a:ext>
+            </a:extLst>
+          </a:blip>
+          <a:stretch>
+            <a:fillRect/>
+          </a:stretch>
+        </p:blipFill>
+        <p:spPr>
+          <a:xfrm rot="11224793">
+            <a:off x="2579746" y="3410318"/>
+            <a:ext cx="856233" cy="861739"/>
+          </a:xfrm>
+          <a:prstGeom prst="rect">
+            <a:avLst/>
+          </a:prstGeom>
+        </p:spPr>
+      </p:pic>
+      <p:pic>
+        <p:nvPicPr>
+          <p:cNvPr id="44" name="그림 43"/>
+          <p:cNvPicPr>
+            <a:picLocks noChangeAspect="1"/>
+          </p:cNvPicPr>
+          <p:nvPr/>
+        </p:nvPicPr>
+        <p:blipFill>
+          <a:blip r:embed="rId4">
+            <a:extLst>
+              <a:ext uri="{BEBA8EAE-BF5A-486C-A8C5-ECC9F3942E4B}">
+                <a14:imgProps xmlns:a14="http://schemas.microsoft.com/office/drawing/2010/main">
+                  <a14:imgLayer r:embed="rId5">
+                    <a14:imgEffect>
+                      <a14:backgroundRemoval t="4000" b="95556" l="1778" r="100000">
+                        <a14:foregroundMark x1="84444" y1="36000" x2="84444" y2="36000"/>
+                        <a14:foregroundMark x1="87556" y1="49333" x2="87556" y2="49333"/>
+                        <a14:foregroundMark x1="87556" y1="49333" x2="87556" y2="49333"/>
+                        <a14:foregroundMark x1="15111" y1="75556" x2="15111" y2="75556"/>
+                      </a14:backgroundRemoval>
+                    </a14:imgEffect>
+                  </a14:imgLayer>
+                </a14:imgProps>
+              </a:ext>
+              <a:ext uri="{28A0092B-C50C-407E-A947-70E740481C1C}">
+                <a14:useLocalDpi xmlns:a14="http://schemas.microsoft.com/office/drawing/2010/main" val="0"/>
+              </a:ext>
+            </a:extLst>
+          </a:blip>
+          <a:stretch>
+            <a:fillRect/>
+          </a:stretch>
+        </p:blipFill>
+        <p:spPr>
+          <a:xfrm>
+            <a:off x="1095691" y="3494718"/>
+            <a:ext cx="1696656" cy="1696656"/>
+          </a:xfrm>
+          <a:prstGeom prst="rect">
+            <a:avLst/>
+          </a:prstGeom>
+        </p:spPr>
+      </p:pic>
       <p:sp>
         <p:nvSpPr>
           <p:cNvPr id="50" name="설명선: 굽은 이중선(테두리 및 강조선) 49">
             <a:extLst>
               <a:ext uri="{FF2B5EF4-FFF2-40B4-BE49-F238E27FC236}">
-                <a16:creationId xmlns:a16="http://schemas.microsoft.com/office/drawing/2014/main" xmlns="" id="{9CB3E1F7-59F3-4D3B-BCD0-889F7C6B2444}"/>
+                <a16:creationId xmlns="" xmlns:a16="http://schemas.microsoft.com/office/drawing/2014/main" id="{9CB3E1F7-59F3-4D3B-BCD0-889F7C6B2444}"/>
               </a:ext>
             </a:extLst>
           </p:cNvPr>
@@ -18179,19 +16960,19 @@
         </p:nvSpPr>
         <p:spPr>
           <a:xfrm rot="16200000">
-            <a:off x="1785373" y="1731811"/>
+            <a:off x="391138" y="1398395"/>
             <a:ext cx="1015663" cy="1430100"/>
           </a:xfrm>
           <a:prstGeom prst="accentBorderCallout3">
             <a:avLst>
               <a:gd name="adj1" fmla="val 49137"/>
               <a:gd name="adj2" fmla="val -9897"/>
-              <a:gd name="adj3" fmla="val 49778"/>
-              <a:gd name="adj4" fmla="val -130340"/>
-              <a:gd name="adj5" fmla="val 149648"/>
-              <a:gd name="adj6" fmla="val -127601"/>
-              <a:gd name="adj7" fmla="val 149223"/>
-              <a:gd name="adj8" fmla="val -126013"/>
+              <a:gd name="adj3" fmla="val -4666"/>
+              <a:gd name="adj4" fmla="val -10003"/>
+              <a:gd name="adj5" fmla="val -3554"/>
+              <a:gd name="adj6" fmla="val -249721"/>
+              <a:gd name="adj7" fmla="val 68191"/>
+              <a:gd name="adj8" fmla="val -322118"/>
             </a:avLst>
           </a:prstGeom>
           <a:solidFill>
@@ -18241,7 +17022,7 @@
             <a:avLst/>
           </a:prstGeom>
           <a:blipFill>
-            <a:blip r:embed="rId2" cstate="print"/>
+            <a:blip r:embed="rId6" cstate="print"/>
             <a:tile tx="0" ty="0" sx="100000" sy="100000" flip="none" algn="tl"/>
           </a:blipFill>
           <a:ln>
@@ -18292,7 +17073,7 @@
             <a:avLst/>
           </a:prstGeom>
           <a:blipFill>
-            <a:blip r:embed="rId3" cstate="print"/>
+            <a:blip r:embed="rId7" cstate="print"/>
             <a:tile tx="0" ty="0" sx="100000" sy="100000" flip="none" algn="tl"/>
           </a:blipFill>
           <a:ln>
@@ -18337,7 +17118,7 @@
           <p:nvPr/>
         </p:nvPicPr>
         <p:blipFill>
-          <a:blip r:embed="rId4" cstate="print">
+          <a:blip r:embed="rId8" cstate="print">
             <a:extLst>
               <a:ext uri="{28A0092B-C50C-407E-A947-70E740481C1C}">
                 <a14:useLocalDpi xmlns:a14="http://schemas.microsoft.com/office/drawing/2010/main" val="0"/>
@@ -18721,22 +17502,148 @@
           </a:p>
         </p:txBody>
       </p:sp>
-      <p:sp>
-        <p:nvSpPr>
-          <p:cNvPr id="30" name="직사각형 29">
+      <p:pic>
+        <p:nvPicPr>
+          <p:cNvPr id="10" name="그림 9"/>
+          <p:cNvPicPr>
+            <a:picLocks noChangeAspect="1"/>
+          </p:cNvPicPr>
+          <p:nvPr/>
+        </p:nvPicPr>
+        <p:blipFill>
+          <a:blip r:embed="rId9" cstate="print">
             <a:extLst>
-              <a:ext uri="{FF2B5EF4-FFF2-40B4-BE49-F238E27FC236}">
-                <a16:creationId xmlns:a16="http://schemas.microsoft.com/office/drawing/2014/main" xmlns="" id="{D6A04DA9-5DD3-482B-B98E-8434C9CBB4B5}"/>
+              <a:ext uri="{28A0092B-C50C-407E-A947-70E740481C1C}">
+                <a14:useLocalDpi xmlns:a14="http://schemas.microsoft.com/office/drawing/2010/main" val="0"/>
               </a:ext>
             </a:extLst>
-          </p:cNvPr>
+          </a:blip>
+          <a:stretch>
+            <a:fillRect/>
+          </a:stretch>
+        </p:blipFill>
+        <p:spPr>
+          <a:xfrm flipH="1">
+            <a:off x="5600876" y="1671330"/>
+            <a:ext cx="982311" cy="1155661"/>
+          </a:xfrm>
+          <a:prstGeom prst="rect">
+            <a:avLst/>
+          </a:prstGeom>
+        </p:spPr>
+      </p:pic>
+      <p:pic>
+        <p:nvPicPr>
+          <p:cNvPr id="11" name="그림 10"/>
+          <p:cNvPicPr>
+            <a:picLocks noChangeAspect="1"/>
+          </p:cNvPicPr>
+          <p:nvPr/>
+        </p:nvPicPr>
+        <p:blipFill>
+          <a:blip r:embed="rId10" cstate="print">
+            <a:extLst>
+              <a:ext uri="{28A0092B-C50C-407E-A947-70E740481C1C}">
+                <a14:useLocalDpi xmlns:a14="http://schemas.microsoft.com/office/drawing/2010/main" val="0"/>
+              </a:ext>
+            </a:extLst>
+          </a:blip>
+          <a:stretch>
+            <a:fillRect/>
+          </a:stretch>
+        </p:blipFill>
+        <p:spPr>
+          <a:xfrm>
+            <a:off x="9495693" y="3614012"/>
+            <a:ext cx="839512" cy="1380020"/>
+          </a:xfrm>
+          <a:prstGeom prst="rect">
+            <a:avLst/>
+          </a:prstGeom>
+        </p:spPr>
+      </p:pic>
+      <p:cxnSp>
+        <p:nvCxnSpPr>
+          <p:cNvPr id="13" name="직선 화살표 연결선 12"/>
+          <p:cNvCxnSpPr/>
+          <p:nvPr/>
+        </p:nvCxnSpPr>
+        <p:spPr>
+          <a:xfrm flipV="1">
+            <a:off x="6873200" y="3919258"/>
+            <a:ext cx="2254081" cy="20253"/>
+          </a:xfrm>
+          <a:prstGeom prst="straightConnector1">
+            <a:avLst/>
+          </a:prstGeom>
+          <a:ln w="25400">
+            <a:solidFill>
+              <a:schemeClr val="tx2"/>
+            </a:solidFill>
+            <a:tailEnd type="triangle"/>
+          </a:ln>
+        </p:spPr>
+        <p:style>
+          <a:lnRef idx="1">
+            <a:schemeClr val="accent1"/>
+          </a:lnRef>
+          <a:fillRef idx="0">
+            <a:schemeClr val="accent1"/>
+          </a:fillRef>
+          <a:effectRef idx="0">
+            <a:schemeClr val="accent1"/>
+          </a:effectRef>
+          <a:fontRef idx="minor">
+            <a:schemeClr val="tx1"/>
+          </a:fontRef>
+        </p:style>
+      </p:cxnSp>
+      <p:cxnSp>
+        <p:nvCxnSpPr>
+          <p:cNvPr id="15" name="직선 화살표 연결선 14"/>
+          <p:cNvCxnSpPr/>
+          <p:nvPr/>
+        </p:nvCxnSpPr>
+        <p:spPr>
+          <a:xfrm flipH="1">
+            <a:off x="2897946" y="4819768"/>
+            <a:ext cx="2225597" cy="19518"/>
+          </a:xfrm>
+          <a:prstGeom prst="straightConnector1">
+            <a:avLst/>
+          </a:prstGeom>
+          <a:ln w="25400">
+            <a:solidFill>
+              <a:schemeClr val="tx2"/>
+            </a:solidFill>
+            <a:tailEnd type="triangle"/>
+          </a:ln>
+        </p:spPr>
+        <p:style>
+          <a:lnRef idx="1">
+            <a:schemeClr val="accent1"/>
+          </a:lnRef>
+          <a:fillRef idx="0">
+            <a:schemeClr val="accent1"/>
+          </a:fillRef>
+          <a:effectRef idx="0">
+            <a:schemeClr val="accent1"/>
+          </a:effectRef>
+          <a:fontRef idx="minor">
+            <a:schemeClr val="tx1"/>
+          </a:fontRef>
+        </p:style>
+      </p:cxnSp>
+      <p:sp>
+        <p:nvSpPr>
+          <p:cNvPr id="16" name="직사각형 15"/>
           <p:cNvSpPr/>
           <p:nvPr/>
         </p:nvSpPr>
         <p:spPr>
           <a:xfrm>
-            <a:off x="5297027" y="3890414"/>
-            <a:ext cx="2933748" cy="421065"/>
+            <a:off x="6199782" y="5670191"/>
+            <a:ext cx="5883000" cy="623168"/>
           </a:xfrm>
           <a:prstGeom prst="rect">
             <a:avLst/>
@@ -18769,20 +17676,14 @@
       </p:sp>
       <p:sp>
         <p:nvSpPr>
-          <p:cNvPr id="31" name="직사각형 30">
-            <a:extLst>
-              <a:ext uri="{FF2B5EF4-FFF2-40B4-BE49-F238E27FC236}">
-                <a16:creationId xmlns:a16="http://schemas.microsoft.com/office/drawing/2014/main" xmlns="" id="{0DD19B89-AA2D-456B-92A9-8A2621813A4E}"/>
-              </a:ext>
-            </a:extLst>
-          </p:cNvPr>
+          <p:cNvPr id="17" name="직사각형 16"/>
           <p:cNvSpPr/>
           <p:nvPr/>
         </p:nvSpPr>
         <p:spPr>
           <a:xfrm>
-            <a:off x="5307977" y="3890414"/>
-            <a:ext cx="825044" cy="421065"/>
+            <a:off x="6181526" y="5670191"/>
+            <a:ext cx="1654448" cy="623168"/>
           </a:xfrm>
           <a:prstGeom prst="rect">
             <a:avLst/>
@@ -18817,20 +17718,14 @@
       </p:sp>
       <p:sp>
         <p:nvSpPr>
-          <p:cNvPr id="32" name="직사각형 31">
-            <a:extLst>
-              <a:ext uri="{FF2B5EF4-FFF2-40B4-BE49-F238E27FC236}">
-                <a16:creationId xmlns:a16="http://schemas.microsoft.com/office/drawing/2014/main" xmlns="" id="{3D4A91F6-4A10-4467-B33D-69CF739E7A5C}"/>
-              </a:ext>
-            </a:extLst>
-          </p:cNvPr>
+          <p:cNvPr id="18" name="직사각형 17"/>
           <p:cNvSpPr/>
           <p:nvPr/>
         </p:nvSpPr>
         <p:spPr>
           <a:xfrm>
-            <a:off x="6142463" y="3890414"/>
-            <a:ext cx="825044" cy="421065"/>
+            <a:off x="7857702" y="5670191"/>
+            <a:ext cx="1654448" cy="623168"/>
           </a:xfrm>
           <a:prstGeom prst="rect">
             <a:avLst/>
@@ -18865,20 +17760,14 @@
       </p:sp>
       <p:sp>
         <p:nvSpPr>
-          <p:cNvPr id="33" name="직사각형 32">
-            <a:extLst>
-              <a:ext uri="{FF2B5EF4-FFF2-40B4-BE49-F238E27FC236}">
-                <a16:creationId xmlns:a16="http://schemas.microsoft.com/office/drawing/2014/main" xmlns="" id="{DF346D7F-48BA-44B8-82A6-71DC705D592B}"/>
-              </a:ext>
-            </a:extLst>
-          </p:cNvPr>
+          <p:cNvPr id="19" name="직사각형 18"/>
           <p:cNvSpPr/>
           <p:nvPr/>
         </p:nvSpPr>
         <p:spPr>
           <a:xfrm>
-            <a:off x="6967507" y="3890414"/>
-            <a:ext cx="1284923" cy="421065"/>
+            <a:off x="9527802" y="5670191"/>
+            <a:ext cx="2576636" cy="623168"/>
           </a:xfrm>
           <a:prstGeom prst="rect">
             <a:avLst/>
@@ -18913,27 +17802,21 @@
       </p:sp>
       <p:sp>
         <p:nvSpPr>
-          <p:cNvPr id="34" name="설명선 1 19">
-            <a:extLst>
-              <a:ext uri="{FF2B5EF4-FFF2-40B4-BE49-F238E27FC236}">
-                <a16:creationId xmlns:a16="http://schemas.microsoft.com/office/drawing/2014/main" xmlns="" id="{2B386178-BE8E-494A-8DC0-0B3E7646C9A9}"/>
-              </a:ext>
-            </a:extLst>
-          </p:cNvPr>
+          <p:cNvPr id="20" name="설명선 1 19"/>
           <p:cNvSpPr/>
           <p:nvPr/>
         </p:nvSpPr>
         <p:spPr>
           <a:xfrm>
-            <a:off x="3348240" y="3573480"/>
-            <a:ext cx="5628493" cy="916235"/>
+            <a:off x="6092030" y="5561382"/>
+            <a:ext cx="6099969" cy="912725"/>
           </a:xfrm>
           <a:prstGeom prst="borderCallout1">
             <a:avLst>
-              <a:gd name="adj1" fmla="val -910"/>
-              <a:gd name="adj2" fmla="val 95075"/>
-              <a:gd name="adj3" fmla="val -629"/>
-              <a:gd name="adj4" fmla="val 94851"/>
+              <a:gd name="adj1" fmla="val -13756"/>
+              <a:gd name="adj2" fmla="val 52127"/>
+              <a:gd name="adj3" fmla="val -138205"/>
+              <a:gd name="adj4" fmla="val 30406"/>
             </a:avLst>
           </a:prstGeom>
           <a:solidFill>
@@ -18977,19 +17860,13 @@
       </p:sp>
       <p:sp>
         <p:nvSpPr>
-          <p:cNvPr id="36" name="TextBox 35">
-            <a:extLst>
-              <a:ext uri="{FF2B5EF4-FFF2-40B4-BE49-F238E27FC236}">
-                <a16:creationId xmlns:a16="http://schemas.microsoft.com/office/drawing/2014/main" xmlns="" id="{3680A2E2-BF04-40A3-A3D2-BD9A4DB4CAF9}"/>
-              </a:ext>
-            </a:extLst>
-          </p:cNvPr>
+          <p:cNvPr id="21" name="TextBox 20"/>
           <p:cNvSpPr txBox="1"/>
           <p:nvPr/>
         </p:nvSpPr>
         <p:spPr>
           <a:xfrm>
-            <a:off x="4625496" y="3282619"/>
+            <a:off x="7851626" y="5270521"/>
             <a:ext cx="3378776" cy="477054"/>
           </a:xfrm>
           <a:prstGeom prst="rect">
@@ -19004,24 +17881,14 @@
           <a:lstStyle/>
           <a:p>
             <a:r>
-              <a:rPr lang="en-US" altLang="ko-KR" sz="2500" b="1">
+              <a:rPr lang="en-US" altLang="ko-KR" sz="2500" b="1" dirty="0">
                 <a:solidFill>
                   <a:schemeClr val="tx1">
                     <a:lumMod val="50000"/>
                   </a:schemeClr>
                 </a:solidFill>
               </a:rPr>
-              <a:t>Modified </a:t>
-            </a:r>
-            <a:r>
-              <a:rPr lang="en-US" altLang="ko-KR" sz="2500" b="1" dirty="0">
-                <a:solidFill>
-                  <a:schemeClr val="tx1">
-                    <a:lumMod val="50000"/>
-                  </a:schemeClr>
-                </a:solidFill>
-              </a:rPr>
-              <a:t>Packet</a:t>
+              <a:t>Origin Packet</a:t>
             </a:r>
             <a:endParaRPr lang="ko-KR" altLang="en-US" sz="2500" b="1" dirty="0">
               <a:solidFill>
@@ -19035,33 +17902,30 @@
       </p:sp>
       <p:sp>
         <p:nvSpPr>
-          <p:cNvPr id="2" name="직사각형 1">
-            <a:extLst>
-              <a:ext uri="{FF2B5EF4-FFF2-40B4-BE49-F238E27FC236}">
-                <a16:creationId xmlns:a16="http://schemas.microsoft.com/office/drawing/2014/main" xmlns="" id="{3384A5F0-C8BB-4201-B00B-B120EAE787AB}"/>
-              </a:ext>
-            </a:extLst>
-          </p:cNvPr>
+          <p:cNvPr id="25" name="위로 굽은 화살표 24"/>
           <p:cNvSpPr/>
           <p:nvPr/>
         </p:nvSpPr>
         <p:spPr>
-          <a:xfrm>
-            <a:off x="3750195" y="3890413"/>
-            <a:ext cx="1592820" cy="421065"/>
-          </a:xfrm>
-          <a:prstGeom prst="rect">
-            <a:avLst/>
+          <a:xfrm flipH="1" flipV="1">
+            <a:off x="2501048" y="2441094"/>
+            <a:ext cx="2724567" cy="1343989"/>
+          </a:xfrm>
+          <a:prstGeom prst="bentUpArrow">
+            <a:avLst>
+              <a:gd name="adj1" fmla="val 15579"/>
+              <a:gd name="adj2" fmla="val 27094"/>
+              <a:gd name="adj3" fmla="val 27093"/>
+            </a:avLst>
           </a:prstGeom>
           <a:solidFill>
-            <a:schemeClr val="bg1"/>
+            <a:srgbClr val="FFFF00"/>
           </a:solidFill>
-          <a:ln>
+          <a:ln cap="flat">
             <a:solidFill>
-              <a:schemeClr val="tx1">
-                <a:lumMod val="50000"/>
-              </a:schemeClr>
+              <a:schemeClr val="tx2"/>
             </a:solidFill>
+            <a:round/>
           </a:ln>
         </p:spPr>
         <p:style>
@@ -19089,12 +17953,181 @@
           </a:p>
         </p:txBody>
       </p:sp>
-      <p:sp>
-        <p:nvSpPr>
-          <p:cNvPr id="37" name="직사각형 36">
+      <p:pic>
+        <p:nvPicPr>
+          <p:cNvPr id="26" name="그림 25"/>
+          <p:cNvPicPr>
+            <a:picLocks noChangeAspect="1"/>
+          </p:cNvPicPr>
+          <p:nvPr/>
+        </p:nvPicPr>
+        <p:blipFill>
+          <a:blip r:embed="rId11" cstate="print">
+            <a:extLst>
+              <a:ext uri="{28A0092B-C50C-407E-A947-70E740481C1C}">
+                <a14:useLocalDpi xmlns:a14="http://schemas.microsoft.com/office/drawing/2010/main" val="0"/>
+              </a:ext>
+            </a:extLst>
+          </a:blip>
+          <a:stretch>
+            <a:fillRect/>
+          </a:stretch>
+        </p:blipFill>
+        <p:spPr>
+          <a:xfrm>
+            <a:off x="3542507" y="2736095"/>
+            <a:ext cx="871866" cy="871866"/>
+          </a:xfrm>
+          <a:prstGeom prst="rect">
+            <a:avLst/>
+          </a:prstGeom>
+        </p:spPr>
+      </p:pic>
+      <p:sp>
+        <p:nvSpPr>
+          <p:cNvPr id="27" name="TextBox 26"/>
+          <p:cNvSpPr txBox="1"/>
+          <p:nvPr/>
+        </p:nvSpPr>
+        <p:spPr>
+          <a:xfrm>
+            <a:off x="2897945" y="1728310"/>
+            <a:ext cx="2349305" cy="646331"/>
+          </a:xfrm>
+          <a:prstGeom prst="rect">
+            <a:avLst/>
+          </a:prstGeom>
+          <a:noFill/>
+        </p:spPr>
+        <p:txBody>
+          <a:bodyPr wrap="square" rtlCol="0">
+            <a:spAutoFit/>
+          </a:bodyPr>
+          <a:lstStyle/>
+          <a:p>
+            <a:r>
+              <a:rPr lang="ko-KR" altLang="en-US" dirty="0"/>
+              <a:t>데이터 </a:t>
+            </a:r>
+            <a:r>
+              <a:rPr lang="ko-KR" altLang="en-US" dirty="0" smtClean="0"/>
+              <a:t>차감을 </a:t>
+            </a:r>
+            <a:r>
+              <a:rPr lang="ko-KR" altLang="en-US" dirty="0"/>
+              <a:t>위해 패킷 감시 </a:t>
+            </a:r>
+          </a:p>
+        </p:txBody>
+      </p:sp>
+      <p:cxnSp>
+        <p:nvCxnSpPr>
+          <p:cNvPr id="29" name="직선 화살표 연결선 28"/>
+          <p:cNvCxnSpPr/>
+          <p:nvPr/>
+        </p:nvCxnSpPr>
+        <p:spPr>
+          <a:xfrm flipH="1">
+            <a:off x="6771127" y="4719389"/>
+            <a:ext cx="2356155" cy="20543"/>
+          </a:xfrm>
+          <a:prstGeom prst="straightConnector1">
+            <a:avLst/>
+          </a:prstGeom>
+          <a:ln w="25400">
+            <a:solidFill>
+              <a:schemeClr val="tx2"/>
+            </a:solidFill>
+            <a:tailEnd type="triangle"/>
+          </a:ln>
+        </p:spPr>
+        <p:style>
+          <a:lnRef idx="1">
+            <a:schemeClr val="accent1"/>
+          </a:lnRef>
+          <a:fillRef idx="0">
+            <a:schemeClr val="accent1"/>
+          </a:fillRef>
+          <a:effectRef idx="0">
+            <a:schemeClr val="accent1"/>
+          </a:effectRef>
+          <a:fontRef idx="minor">
+            <a:schemeClr val="tx1"/>
+          </a:fontRef>
+        </p:style>
+      </p:cxnSp>
+      <p:cxnSp>
+        <p:nvCxnSpPr>
+          <p:cNvPr id="28" name="직선 화살표 연결선 27"/>
+          <p:cNvCxnSpPr/>
+          <p:nvPr/>
+        </p:nvCxnSpPr>
+        <p:spPr>
+          <a:xfrm flipV="1">
+            <a:off x="2897945" y="3919258"/>
+            <a:ext cx="2225598" cy="20254"/>
+          </a:xfrm>
+          <a:prstGeom prst="straightConnector1">
+            <a:avLst/>
+          </a:prstGeom>
+          <a:ln w="25400">
+            <a:solidFill>
+              <a:schemeClr val="tx2"/>
+            </a:solidFill>
+            <a:tailEnd type="triangle"/>
+          </a:ln>
+        </p:spPr>
+        <p:style>
+          <a:lnRef idx="1">
+            <a:schemeClr val="accent1"/>
+          </a:lnRef>
+          <a:fillRef idx="0">
+            <a:schemeClr val="accent1"/>
+          </a:fillRef>
+          <a:effectRef idx="0">
+            <a:schemeClr val="accent1"/>
+          </a:effectRef>
+          <a:fontRef idx="minor">
+            <a:schemeClr val="tx1"/>
+          </a:fontRef>
+        </p:style>
+      </p:cxnSp>
+      <p:pic>
+        <p:nvPicPr>
+          <p:cNvPr id="35" name="그림 34"/>
+          <p:cNvPicPr>
+            <a:picLocks noChangeAspect="1"/>
+          </p:cNvPicPr>
+          <p:nvPr/>
+        </p:nvPicPr>
+        <p:blipFill>
+          <a:blip r:embed="rId12" cstate="print">
+            <a:extLst>
+              <a:ext uri="{28A0092B-C50C-407E-A947-70E740481C1C}">
+                <a14:useLocalDpi xmlns:a14="http://schemas.microsoft.com/office/drawing/2010/main" val="0"/>
+              </a:ext>
+            </a:extLst>
+          </a:blip>
+          <a:stretch>
+            <a:fillRect/>
+          </a:stretch>
+        </p:blipFill>
+        <p:spPr>
+          <a:xfrm>
+            <a:off x="5356863" y="3789353"/>
+            <a:ext cx="1188561" cy="1188561"/>
+          </a:xfrm>
+          <a:prstGeom prst="rect">
+            <a:avLst/>
+          </a:prstGeom>
+        </p:spPr>
+      </p:pic>
+      <p:sp>
+        <p:nvSpPr>
+          <p:cNvPr id="30" name="직사각형 29">
             <a:extLst>
               <a:ext uri="{FF2B5EF4-FFF2-40B4-BE49-F238E27FC236}">
-                <a16:creationId xmlns:a16="http://schemas.microsoft.com/office/drawing/2014/main" xmlns="" id="{94AA240F-ADEC-4B11-BE49-AD04BA5B2BC1}"/>
+                <a16:creationId xmlns="" xmlns:a16="http://schemas.microsoft.com/office/drawing/2014/main" id="{D6A04DA9-5DD3-482B-B98E-8434C9CBB4B5}"/>
               </a:ext>
             </a:extLst>
           </p:cNvPr>
@@ -19103,7 +18136,53 @@
         </p:nvSpPr>
         <p:spPr>
           <a:xfrm>
-            <a:off x="3691102" y="3890413"/>
+            <a:off x="2401460" y="5878316"/>
+            <a:ext cx="2933748" cy="421065"/>
+          </a:xfrm>
+          <a:prstGeom prst="rect">
+            <a:avLst/>
+          </a:prstGeom>
+        </p:spPr>
+        <p:style>
+          <a:lnRef idx="2">
+            <a:schemeClr val="dk1">
+              <a:shade val="50000"/>
+            </a:schemeClr>
+          </a:lnRef>
+          <a:fillRef idx="1">
+            <a:schemeClr val="dk1"/>
+          </a:fillRef>
+          <a:effectRef idx="0">
+            <a:schemeClr val="dk1"/>
+          </a:effectRef>
+          <a:fontRef idx="minor">
+            <a:schemeClr val="lt1"/>
+          </a:fontRef>
+        </p:style>
+        <p:txBody>
+          <a:bodyPr rtlCol="0" anchor="ctr"/>
+          <a:lstStyle/>
+          <a:p>
+            <a:pPr algn="ctr"/>
+            <a:endParaRPr lang="ko-KR" altLang="en-US"/>
+          </a:p>
+        </p:txBody>
+      </p:sp>
+      <p:sp>
+        <p:nvSpPr>
+          <p:cNvPr id="31" name="직사각형 30">
+            <a:extLst>
+              <a:ext uri="{FF2B5EF4-FFF2-40B4-BE49-F238E27FC236}">
+                <a16:creationId xmlns="" xmlns:a16="http://schemas.microsoft.com/office/drawing/2014/main" id="{0DD19B89-AA2D-456B-92A9-8A2621813A4E}"/>
+              </a:ext>
+            </a:extLst>
+          </p:cNvPr>
+          <p:cNvSpPr/>
+          <p:nvPr/>
+        </p:nvSpPr>
+        <p:spPr>
+          <a:xfrm>
+            <a:off x="2412410" y="5878316"/>
             <a:ext cx="825044" cy="421065"/>
           </a:xfrm>
           <a:prstGeom prst="rect">
@@ -19139,10 +18218,10 @@
       </p:sp>
       <p:sp>
         <p:nvSpPr>
-          <p:cNvPr id="38" name="직사각형 37">
+          <p:cNvPr id="32" name="직사각형 31">
             <a:extLst>
               <a:ext uri="{FF2B5EF4-FFF2-40B4-BE49-F238E27FC236}">
-                <a16:creationId xmlns:a16="http://schemas.microsoft.com/office/drawing/2014/main" xmlns="" id="{49C6B6ED-6993-4C83-B5C7-776B70D7C15B}"/>
+                <a16:creationId xmlns="" xmlns:a16="http://schemas.microsoft.com/office/drawing/2014/main" id="{3D4A91F6-4A10-4467-B33D-69CF739E7A5C}"/>
               </a:ext>
             </a:extLst>
           </p:cNvPr>
@@ -19151,8 +18230,8 @@
         </p:nvSpPr>
         <p:spPr>
           <a:xfrm>
-            <a:off x="4510464" y="3890413"/>
-            <a:ext cx="825044" cy="423264"/>
+            <a:off x="3246896" y="5878316"/>
+            <a:ext cx="825044" cy="421065"/>
           </a:xfrm>
           <a:prstGeom prst="rect">
             <a:avLst/>
@@ -19187,10 +18266,10 @@
       </p:sp>
       <p:sp>
         <p:nvSpPr>
-          <p:cNvPr id="23" name="직사각형 22">
+          <p:cNvPr id="33" name="직사각형 32">
             <a:extLst>
               <a:ext uri="{FF2B5EF4-FFF2-40B4-BE49-F238E27FC236}">
-                <a16:creationId xmlns:a16="http://schemas.microsoft.com/office/drawing/2014/main" xmlns="" id="{24501C3B-5C55-4471-8B03-F33B401EC59B}"/>
+                <a16:creationId xmlns="" xmlns:a16="http://schemas.microsoft.com/office/drawing/2014/main" id="{DF346D7F-48BA-44B8-82A6-71DC705D592B}"/>
               </a:ext>
             </a:extLst>
           </p:cNvPr>
@@ -19199,21 +18278,75 @@
         </p:nvSpPr>
         <p:spPr>
           <a:xfrm>
-            <a:off x="5343015" y="3759673"/>
-            <a:ext cx="2984631" cy="662278"/>
-          </a:xfrm>
-          <a:prstGeom prst="rect">
-            <a:avLst/>
+            <a:off x="4071940" y="5878316"/>
+            <a:ext cx="1284923" cy="421065"/>
+          </a:xfrm>
+          <a:prstGeom prst="rect">
+            <a:avLst/>
+          </a:prstGeom>
+        </p:spPr>
+        <p:style>
+          <a:lnRef idx="2">
+            <a:schemeClr val="dk1"/>
+          </a:lnRef>
+          <a:fillRef idx="1">
+            <a:schemeClr val="lt1"/>
+          </a:fillRef>
+          <a:effectRef idx="0">
+            <a:schemeClr val="dk1"/>
+          </a:effectRef>
+          <a:fontRef idx="minor">
+            <a:schemeClr val="dk1"/>
+          </a:fontRef>
+        </p:style>
+        <p:txBody>
+          <a:bodyPr rtlCol="0" anchor="ctr"/>
+          <a:lstStyle/>
+          <a:p>
+            <a:pPr algn="ctr"/>
+            <a:r>
+              <a:rPr lang="en-US" altLang="ko-KR" sz="2000" dirty="0"/>
+              <a:t>Data</a:t>
+            </a:r>
+            <a:endParaRPr lang="ko-KR" altLang="en-US" sz="2000" dirty="0"/>
+          </a:p>
+        </p:txBody>
+      </p:sp>
+      <p:sp>
+        <p:nvSpPr>
+          <p:cNvPr id="34" name="설명선 1 19">
+            <a:extLst>
+              <a:ext uri="{FF2B5EF4-FFF2-40B4-BE49-F238E27FC236}">
+                <a16:creationId xmlns="" xmlns:a16="http://schemas.microsoft.com/office/drawing/2014/main" id="{2B386178-BE8E-494A-8DC0-0B3E7646C9A9}"/>
+              </a:ext>
+            </a:extLst>
+          </p:cNvPr>
+          <p:cNvSpPr/>
+          <p:nvPr/>
+        </p:nvSpPr>
+        <p:spPr>
+          <a:xfrm>
+            <a:off x="452673" y="5561382"/>
+            <a:ext cx="5628493" cy="916235"/>
+          </a:xfrm>
+          <a:prstGeom prst="borderCallout1">
+            <a:avLst>
+              <a:gd name="adj1" fmla="val -13756"/>
+              <a:gd name="adj2" fmla="val 52127"/>
+              <a:gd name="adj3" fmla="val -135013"/>
+              <a:gd name="adj4" fmla="val 62359"/>
+            </a:avLst>
           </a:prstGeom>
           <a:solidFill>
-            <a:schemeClr val="bg1">
+            <a:schemeClr val="bg2">
+              <a:lumMod val="75000"/>
               <a:alpha val="10000"/>
             </a:schemeClr>
           </a:solidFill>
-          <a:ln w="25400">
+          <a:ln w="38100">
             <a:solidFill>
-              <a:schemeClr val="tx2">
-                <a:alpha val="50000"/>
+              <a:schemeClr val="bg2">
+                <a:lumMod val="50000"/>
               </a:schemeClr>
             </a:solidFill>
           </a:ln>
@@ -19245,10 +18378,10 @@
       </p:sp>
       <p:sp>
         <p:nvSpPr>
-          <p:cNvPr id="24" name="TextBox 23">
+          <p:cNvPr id="36" name="TextBox 35">
             <a:extLst>
               <a:ext uri="{FF2B5EF4-FFF2-40B4-BE49-F238E27FC236}">
-                <a16:creationId xmlns:a16="http://schemas.microsoft.com/office/drawing/2014/main" xmlns="" id="{00D7A62D-5354-40DD-AC3B-46BC8B7C199F}"/>
+                <a16:creationId xmlns="" xmlns:a16="http://schemas.microsoft.com/office/drawing/2014/main" id="{3680A2E2-BF04-40A3-A3D2-BD9A4DB4CAF9}"/>
               </a:ext>
             </a:extLst>
           </p:cNvPr>
@@ -19257,8 +18390,8 @@
         </p:nvSpPr>
         <p:spPr>
           <a:xfrm>
-            <a:off x="6132618" y="3582148"/>
-            <a:ext cx="1893381" cy="369332"/>
+            <a:off x="1729929" y="5270521"/>
+            <a:ext cx="3378776" cy="477054"/>
           </a:xfrm>
           <a:prstGeom prst="rect">
             <a:avLst/>
@@ -19272,16 +18405,30 @@
           <a:lstStyle/>
           <a:p>
             <a:r>
-              <a:rPr lang="en-US" altLang="ko-KR" b="1">
-                <a:solidFill>
-                  <a:srgbClr val="FF0000"/>
+              <a:rPr lang="en-US" altLang="ko-KR" sz="2500" b="1">
+                <a:solidFill>
+                  <a:schemeClr val="tx1">
+                    <a:lumMod val="50000"/>
+                  </a:schemeClr>
                 </a:solidFill>
               </a:rPr>
-              <a:t>Origin Packet</a:t>
-            </a:r>
-            <a:endParaRPr lang="ko-KR" altLang="en-US" b="1">
+              <a:t>Modified </a:t>
+            </a:r>
+            <a:r>
+              <a:rPr lang="en-US" altLang="ko-KR" sz="2500" b="1" dirty="0">
+                <a:solidFill>
+                  <a:schemeClr val="tx1">
+                    <a:lumMod val="50000"/>
+                  </a:schemeClr>
+                </a:solidFill>
+              </a:rPr>
+              <a:t>Packet</a:t>
+            </a:r>
+            <a:endParaRPr lang="ko-KR" altLang="en-US" sz="2500" b="1" dirty="0">
               <a:solidFill>
-                <a:srgbClr val="FF0000"/>
+                <a:schemeClr val="tx1">
+                  <a:lumMod val="50000"/>
+                </a:schemeClr>
               </a:solidFill>
             </a:endParaRPr>
           </a:p>
@@ -19289,10 +18436,10 @@
       </p:sp>
       <p:sp>
         <p:nvSpPr>
-          <p:cNvPr id="46" name="설명선: 굽은 이중선(테두리 및 강조선) 45">
+          <p:cNvPr id="2" name="직사각형 1">
             <a:extLst>
               <a:ext uri="{FF2B5EF4-FFF2-40B4-BE49-F238E27FC236}">
-                <a16:creationId xmlns:a16="http://schemas.microsoft.com/office/drawing/2014/main" xmlns="" id="{1A2C81FF-FD19-469A-86AD-A3BE74638C74}"/>
+                <a16:creationId xmlns="" xmlns:a16="http://schemas.microsoft.com/office/drawing/2014/main" id="{3384A5F0-C8BB-4201-B00B-B120EAE787AB}"/>
               </a:ext>
             </a:extLst>
           </p:cNvPr>
@@ -19300,28 +18447,23 @@
           <p:nvPr/>
         </p:nvSpPr>
         <p:spPr>
-          <a:xfrm rot="16200000">
-            <a:off x="3555459" y="1731811"/>
-            <a:ext cx="1015663" cy="1430100"/>
-          </a:xfrm>
-          <a:prstGeom prst="accentBorderCallout3">
-            <a:avLst>
-              <a:gd name="adj1" fmla="val 49137"/>
-              <a:gd name="adj2" fmla="val -9897"/>
-              <a:gd name="adj3" fmla="val 49778"/>
-              <a:gd name="adj4" fmla="val -48333"/>
-              <a:gd name="adj5" fmla="val 90141"/>
-              <a:gd name="adj6" fmla="val -49160"/>
-              <a:gd name="adj7" fmla="val 90349"/>
-              <a:gd name="adj8" fmla="val -127796"/>
-            </a:avLst>
+          <a:xfrm>
+            <a:off x="854628" y="5878315"/>
+            <a:ext cx="1592820" cy="421065"/>
+          </a:xfrm>
+          <a:prstGeom prst="rect">
+            <a:avLst/>
           </a:prstGeom>
           <a:solidFill>
-            <a:schemeClr val="bg2">
-              <a:lumMod val="25000"/>
-              <a:alpha val="20000"/>
-            </a:schemeClr>
+            <a:schemeClr val="bg1"/>
           </a:solidFill>
+          <a:ln>
+            <a:solidFill>
+              <a:schemeClr val="tx1">
+                <a:lumMod val="50000"/>
+              </a:schemeClr>
+            </a:solidFill>
+          </a:ln>
         </p:spPr>
         <p:style>
           <a:lnRef idx="2">
@@ -19350,66 +18492,10 @@
       </p:sp>
       <p:sp>
         <p:nvSpPr>
-          <p:cNvPr id="47" name="TextBox 46">
+          <p:cNvPr id="37" name="직사각형 36">
             <a:extLst>
               <a:ext uri="{FF2B5EF4-FFF2-40B4-BE49-F238E27FC236}">
-                <a16:creationId xmlns:a16="http://schemas.microsoft.com/office/drawing/2014/main" xmlns="" id="{00C57E51-0EC5-4B60-8ACD-E84B76E3961C}"/>
-              </a:ext>
-            </a:extLst>
-          </p:cNvPr>
-          <p:cNvSpPr txBox="1"/>
-          <p:nvPr/>
-        </p:nvSpPr>
-        <p:spPr>
-          <a:xfrm>
-            <a:off x="3305421" y="1939030"/>
-            <a:ext cx="1430101" cy="1015663"/>
-          </a:xfrm>
-          <a:prstGeom prst="rect">
-            <a:avLst/>
-          </a:prstGeom>
-          <a:noFill/>
-        </p:spPr>
-        <p:txBody>
-          <a:bodyPr wrap="square" rtlCol="0">
-            <a:spAutoFit/>
-          </a:bodyPr>
-          <a:lstStyle/>
-          <a:p>
-            <a:r>
-              <a:rPr lang="en-US" altLang="ko-KR" sz="1000"/>
-              <a:t>Seq Num : 1</a:t>
-            </a:r>
-          </a:p>
-          <a:p>
-            <a:r>
-              <a:rPr lang="en-US" altLang="ko-KR" sz="1000"/>
-              <a:t>Ack Num : 1</a:t>
-            </a:r>
-          </a:p>
-          <a:p>
-            <a:r>
-              <a:rPr lang="en-US" altLang="ko-KR" sz="1000"/>
-              <a:t>Src Port : User Choice</a:t>
-            </a:r>
-          </a:p>
-          <a:p>
-            <a:r>
-              <a:rPr lang="en-US" altLang="ko-KR" sz="1000"/>
-              <a:t>Dest Port : User Choice</a:t>
-            </a:r>
-          </a:p>
-          <a:p>
-            <a:endParaRPr lang="ko-KR" altLang="en-US" sz="1000"/>
-          </a:p>
-        </p:txBody>
-      </p:sp>
-      <p:sp>
-        <p:nvSpPr>
-          <p:cNvPr id="48" name="직사각형 47">
-            <a:extLst>
-              <a:ext uri="{FF2B5EF4-FFF2-40B4-BE49-F238E27FC236}">
-                <a16:creationId xmlns:a16="http://schemas.microsoft.com/office/drawing/2014/main" xmlns="" id="{85CB74B9-C716-4B10-A696-A219C834AB92}"/>
+                <a16:creationId xmlns="" xmlns:a16="http://schemas.microsoft.com/office/drawing/2014/main" id="{94AA240F-ADEC-4B11-BE49-AD04BA5B2BC1}"/>
               </a:ext>
             </a:extLst>
           </p:cNvPr>
@@ -19418,8 +18504,104 @@
         </p:nvSpPr>
         <p:spPr>
           <a:xfrm>
-            <a:off x="3691102" y="3757475"/>
-            <a:ext cx="1656634" cy="664476"/>
+            <a:off x="795535" y="5878315"/>
+            <a:ext cx="825044" cy="421065"/>
+          </a:xfrm>
+          <a:prstGeom prst="rect">
+            <a:avLst/>
+          </a:prstGeom>
+        </p:spPr>
+        <p:style>
+          <a:lnRef idx="2">
+            <a:schemeClr val="dk1"/>
+          </a:lnRef>
+          <a:fillRef idx="1">
+            <a:schemeClr val="lt1"/>
+          </a:fillRef>
+          <a:effectRef idx="0">
+            <a:schemeClr val="dk1"/>
+          </a:effectRef>
+          <a:fontRef idx="minor">
+            <a:schemeClr val="dk1"/>
+          </a:fontRef>
+        </p:style>
+        <p:txBody>
+          <a:bodyPr rtlCol="0" anchor="ctr"/>
+          <a:lstStyle/>
+          <a:p>
+            <a:pPr algn="ctr"/>
+            <a:r>
+              <a:rPr lang="en-US" altLang="ko-KR" sz="2000" dirty="0"/>
+              <a:t>IP</a:t>
+            </a:r>
+            <a:endParaRPr lang="ko-KR" altLang="en-US" sz="2000" dirty="0"/>
+          </a:p>
+        </p:txBody>
+      </p:sp>
+      <p:sp>
+        <p:nvSpPr>
+          <p:cNvPr id="38" name="직사각형 37">
+            <a:extLst>
+              <a:ext uri="{FF2B5EF4-FFF2-40B4-BE49-F238E27FC236}">
+                <a16:creationId xmlns="" xmlns:a16="http://schemas.microsoft.com/office/drawing/2014/main" id="{49C6B6ED-6993-4C83-B5C7-776B70D7C15B}"/>
+              </a:ext>
+            </a:extLst>
+          </p:cNvPr>
+          <p:cNvSpPr/>
+          <p:nvPr/>
+        </p:nvSpPr>
+        <p:spPr>
+          <a:xfrm>
+            <a:off x="1614897" y="5878315"/>
+            <a:ext cx="825044" cy="423264"/>
+          </a:xfrm>
+          <a:prstGeom prst="rect">
+            <a:avLst/>
+          </a:prstGeom>
+        </p:spPr>
+        <p:style>
+          <a:lnRef idx="2">
+            <a:schemeClr val="dk1"/>
+          </a:lnRef>
+          <a:fillRef idx="1">
+            <a:schemeClr val="lt1"/>
+          </a:fillRef>
+          <a:effectRef idx="0">
+            <a:schemeClr val="dk1"/>
+          </a:effectRef>
+          <a:fontRef idx="minor">
+            <a:schemeClr val="dk1"/>
+          </a:fontRef>
+        </p:style>
+        <p:txBody>
+          <a:bodyPr rtlCol="0" anchor="ctr"/>
+          <a:lstStyle/>
+          <a:p>
+            <a:pPr algn="ctr"/>
+            <a:r>
+              <a:rPr lang="en-US" altLang="ko-KR" sz="2000" dirty="0"/>
+              <a:t>TCP</a:t>
+            </a:r>
+            <a:endParaRPr lang="ko-KR" altLang="en-US" sz="2000" dirty="0"/>
+          </a:p>
+        </p:txBody>
+      </p:sp>
+      <p:sp>
+        <p:nvSpPr>
+          <p:cNvPr id="23" name="직사각형 22">
+            <a:extLst>
+              <a:ext uri="{FF2B5EF4-FFF2-40B4-BE49-F238E27FC236}">
+                <a16:creationId xmlns="" xmlns:a16="http://schemas.microsoft.com/office/drawing/2014/main" id="{24501C3B-5C55-4471-8B03-F33B401EC59B}"/>
+              </a:ext>
+            </a:extLst>
+          </p:cNvPr>
+          <p:cNvSpPr/>
+          <p:nvPr/>
+        </p:nvSpPr>
+        <p:spPr>
+          <a:xfrm>
+            <a:off x="2447448" y="5747575"/>
+            <a:ext cx="2984631" cy="662278"/>
           </a:xfrm>
           <a:prstGeom prst="rect">
             <a:avLst/>
@@ -19464,10 +18646,10 @@
       </p:sp>
       <p:sp>
         <p:nvSpPr>
-          <p:cNvPr id="49" name="TextBox 48">
+          <p:cNvPr id="24" name="TextBox 23">
             <a:extLst>
               <a:ext uri="{FF2B5EF4-FFF2-40B4-BE49-F238E27FC236}">
-                <a16:creationId xmlns:a16="http://schemas.microsoft.com/office/drawing/2014/main" xmlns="" id="{3C022F72-BA7C-4A97-8B2B-D62ED11959B2}"/>
+                <a16:creationId xmlns="" xmlns:a16="http://schemas.microsoft.com/office/drawing/2014/main" id="{00D7A62D-5354-40DD-AC3B-46BC8B7C199F}"/>
               </a:ext>
             </a:extLst>
           </p:cNvPr>
@@ -19476,8 +18658,8 @@
         </p:nvSpPr>
         <p:spPr>
           <a:xfrm>
-            <a:off x="3789972" y="3572809"/>
-            <a:ext cx="1539089" cy="369332"/>
+            <a:off x="3237051" y="5570050"/>
+            <a:ext cx="1893381" cy="369332"/>
           </a:xfrm>
           <a:prstGeom prst="rect">
             <a:avLst/>
@@ -19496,7 +18678,7 @@
                   <a:srgbClr val="FF0000"/>
                 </a:solidFill>
               </a:rPr>
-              <a:t>Fake Header</a:t>
+              <a:t>Origin Packet</a:t>
             </a:r>
             <a:endParaRPr lang="ko-KR" altLang="en-US" b="1">
               <a:solidFill>
@@ -19508,57 +18690,10 @@
       </p:sp>
       <p:sp>
         <p:nvSpPr>
-          <p:cNvPr id="51" name="TextBox 50">
+          <p:cNvPr id="46" name="설명선: 굽은 이중선(테두리 및 강조선) 45">
             <a:extLst>
               <a:ext uri="{FF2B5EF4-FFF2-40B4-BE49-F238E27FC236}">
-                <a16:creationId xmlns:a16="http://schemas.microsoft.com/office/drawing/2014/main" xmlns="" id="{B53A7E59-3A47-4470-87E8-C90E80985FFC}"/>
-              </a:ext>
-            </a:extLst>
-          </p:cNvPr>
-          <p:cNvSpPr txBox="1"/>
-          <p:nvPr/>
-        </p:nvSpPr>
-        <p:spPr>
-          <a:xfrm>
-            <a:off x="1585264" y="1948571"/>
-            <a:ext cx="1378649" cy="861774"/>
-          </a:xfrm>
-          <a:prstGeom prst="rect">
-            <a:avLst/>
-          </a:prstGeom>
-          <a:noFill/>
-        </p:spPr>
-        <p:txBody>
-          <a:bodyPr wrap="square" rtlCol="0">
-            <a:spAutoFit/>
-          </a:bodyPr>
-          <a:lstStyle/>
-          <a:p>
-            <a:r>
-              <a:rPr lang="en-US" altLang="ko-KR" sz="1000"/>
-              <a:t>Src IP :  Mobile IP</a:t>
-            </a:r>
-          </a:p>
-          <a:p>
-            <a:endParaRPr lang="en-US" altLang="ko-KR" sz="1000"/>
-          </a:p>
-          <a:p>
-            <a:r>
-              <a:rPr lang="en-US" altLang="ko-KR" sz="1000"/>
-              <a:t>Dest IP :  Tunneling Server IP</a:t>
-            </a:r>
-          </a:p>
-          <a:p>
-            <a:endParaRPr lang="ko-KR" altLang="en-US" sz="1000"/>
-          </a:p>
-        </p:txBody>
-      </p:sp>
-      <p:sp>
-        <p:nvSpPr>
-          <p:cNvPr id="12" name="직사각형 11">
-            <a:extLst>
-              <a:ext uri="{FF2B5EF4-FFF2-40B4-BE49-F238E27FC236}">
-                <a16:creationId xmlns:a16="http://schemas.microsoft.com/office/drawing/2014/main" xmlns="" id="{24143523-8FF2-436C-A862-8D8E26E6269B}"/>
+                <a16:creationId xmlns="" xmlns:a16="http://schemas.microsoft.com/office/drawing/2014/main" id="{1A2C81FF-FD19-469A-86AD-A3BE74638C74}"/>
               </a:ext>
             </a:extLst>
           </p:cNvPr>
@@ -19566,16 +18701,26 @@
           <p:nvPr/>
         </p:nvSpPr>
         <p:spPr>
-          <a:xfrm>
-            <a:off x="1439501" y="5187636"/>
-            <a:ext cx="9596673" cy="1339913"/>
-          </a:xfrm>
-          <a:prstGeom prst="rect">
-            <a:avLst/>
+          <a:xfrm rot="16200000">
+            <a:off x="441067" y="2597172"/>
+            <a:ext cx="1015663" cy="1430100"/>
+          </a:xfrm>
+          <a:prstGeom prst="accentBorderCallout3">
+            <a:avLst>
+              <a:gd name="adj1" fmla="val 49137"/>
+              <a:gd name="adj2" fmla="val -9897"/>
+              <a:gd name="adj3" fmla="val 52943"/>
+              <a:gd name="adj4" fmla="val -126775"/>
+              <a:gd name="adj5" fmla="val 116729"/>
+              <a:gd name="adj6" fmla="val -212283"/>
+              <a:gd name="adj7" fmla="val 115671"/>
+              <a:gd name="adj8" fmla="val -212478"/>
+            </a:avLst>
           </a:prstGeom>
           <a:solidFill>
-            <a:schemeClr val="tx1">
-              <a:alpha val="50000"/>
+            <a:schemeClr val="bg2">
+              <a:lumMod val="25000"/>
+              <a:alpha val="20000"/>
             </a:schemeClr>
           </a:solidFill>
         </p:spPr>
@@ -19600,113 +18745,219 @@
           <a:lstStyle/>
           <a:p>
             <a:pPr algn="ctr"/>
-            <a:r>
-              <a:rPr lang="ko-KR" altLang="en-US" dirty="0" smtClean="0"/>
-              <a:t>와이파이는 </a:t>
-            </a:r>
-            <a:r>
-              <a:rPr lang="ko-KR" altLang="en-US" dirty="0"/>
-              <a:t>실제로 서비스</a:t>
-            </a:r>
-            <a:r>
-              <a:rPr lang="en-US" altLang="ko-KR" dirty="0"/>
-              <a:t>(</a:t>
-            </a:r>
-            <a:r>
-              <a:rPr lang="en-US" altLang="ko-KR" dirty="0" err="1"/>
-              <a:t>Youtube</a:t>
-            </a:r>
-            <a:r>
-              <a:rPr lang="en-US" altLang="ko-KR" dirty="0"/>
-              <a:t>, </a:t>
-            </a:r>
-            <a:r>
-              <a:rPr lang="en-US" altLang="ko-KR" dirty="0" err="1"/>
-              <a:t>Naver</a:t>
-            </a:r>
-            <a:r>
-              <a:rPr lang="en-US" altLang="ko-KR" dirty="0"/>
-              <a:t> </a:t>
-            </a:r>
-            <a:r>
-              <a:rPr lang="ko-KR" altLang="en-US" dirty="0"/>
-              <a:t>등</a:t>
-            </a:r>
-            <a:r>
-              <a:rPr lang="en-US" altLang="ko-KR" dirty="0"/>
-              <a:t>)</a:t>
-            </a:r>
-            <a:r>
-              <a:rPr lang="ko-KR" altLang="en-US" dirty="0"/>
-              <a:t>과 직접 통신을 하는 것 같지만 실제로는 </a:t>
-            </a:r>
-            <a:r>
-              <a:rPr lang="en-US" altLang="ko-KR" dirty="0"/>
-              <a:t>Tunneling Server</a:t>
-            </a:r>
-            <a:r>
-              <a:rPr lang="ko-KR" altLang="en-US" dirty="0"/>
-              <a:t>와 통신을 하고 있고</a:t>
-            </a:r>
-            <a:r>
-              <a:rPr lang="en-US" altLang="ko-KR" dirty="0"/>
-              <a:t>, </a:t>
-            </a:r>
-            <a:r>
-              <a:rPr lang="ko-KR" altLang="en-US" dirty="0"/>
-              <a:t>통신사는 </a:t>
-            </a:r>
-            <a:r>
-              <a:rPr lang="en-US" altLang="ko-KR" dirty="0" smtClean="0"/>
-              <a:t>Server</a:t>
-            </a:r>
-            <a:r>
-              <a:rPr lang="ko-KR" altLang="en-US" dirty="0" smtClean="0"/>
-              <a:t>와 </a:t>
-            </a:r>
-            <a:r>
-              <a:rPr lang="ko-KR" altLang="en-US" dirty="0"/>
-              <a:t>통신하는 패킷의 </a:t>
-            </a:r>
-            <a:r>
-              <a:rPr lang="ko-KR" altLang="en-US" dirty="0" smtClean="0"/>
-              <a:t>내용</a:t>
-            </a:r>
-            <a:r>
-              <a:rPr lang="en-US" altLang="ko-KR" dirty="0" smtClean="0"/>
-              <a:t>(Modified Packet)</a:t>
-            </a:r>
-            <a:r>
-              <a:rPr lang="ko-KR" altLang="en-US" dirty="0" smtClean="0"/>
-              <a:t>으로 차감을 </a:t>
-            </a:r>
-            <a:r>
-              <a:rPr lang="ko-KR" altLang="en-US" dirty="0"/>
-              <a:t>하기 때문에 </a:t>
-            </a:r>
-            <a:r>
-              <a:rPr lang="ko-KR" altLang="en-US" dirty="0" smtClean="0"/>
-              <a:t>차감 </a:t>
-            </a:r>
-            <a:r>
-              <a:rPr lang="ko-KR" altLang="en-US" dirty="0"/>
-              <a:t>정책의 취약점을 이용해 데이터를 </a:t>
-            </a:r>
-            <a:r>
-              <a:rPr lang="ko-KR" altLang="en-US" dirty="0" smtClean="0"/>
-              <a:t>차감 </a:t>
-            </a:r>
-            <a:r>
-              <a:rPr lang="ko-KR" altLang="en-US" dirty="0"/>
-              <a:t>없이 사용 가능</a:t>
-            </a:r>
+            <a:endParaRPr lang="ko-KR" altLang="en-US"/>
+          </a:p>
+        </p:txBody>
+      </p:sp>
+      <p:sp>
+        <p:nvSpPr>
+          <p:cNvPr id="47" name="TextBox 46">
+            <a:extLst>
+              <a:ext uri="{FF2B5EF4-FFF2-40B4-BE49-F238E27FC236}">
+                <a16:creationId xmlns="" xmlns:a16="http://schemas.microsoft.com/office/drawing/2014/main" id="{00C57E51-0EC5-4B60-8ACD-E84B76E3961C}"/>
+              </a:ext>
+            </a:extLst>
+          </p:cNvPr>
+          <p:cNvSpPr txBox="1"/>
+          <p:nvPr/>
+        </p:nvSpPr>
+        <p:spPr>
+          <a:xfrm>
+            <a:off x="191029" y="2804391"/>
+            <a:ext cx="1430101" cy="1015663"/>
+          </a:xfrm>
+          <a:prstGeom prst="rect">
+            <a:avLst/>
+          </a:prstGeom>
+          <a:noFill/>
+        </p:spPr>
+        <p:txBody>
+          <a:bodyPr wrap="square" rtlCol="0">
+            <a:spAutoFit/>
+          </a:bodyPr>
+          <a:lstStyle/>
+          <a:p>
+            <a:r>
+              <a:rPr lang="en-US" altLang="ko-KR" sz="1000"/>
+              <a:t>Seq Num : 1</a:t>
+            </a:r>
+          </a:p>
+          <a:p>
+            <a:r>
+              <a:rPr lang="en-US" altLang="ko-KR" sz="1000"/>
+              <a:t>Ack Num : 1</a:t>
+            </a:r>
+          </a:p>
+          <a:p>
+            <a:r>
+              <a:rPr lang="en-US" altLang="ko-KR" sz="1000"/>
+              <a:t>Src Port : User Choice</a:t>
+            </a:r>
+          </a:p>
+          <a:p>
+            <a:r>
+              <a:rPr lang="en-US" altLang="ko-KR" sz="1000"/>
+              <a:t>Dest Port : User Choice</a:t>
+            </a:r>
+          </a:p>
+          <a:p>
+            <a:endParaRPr lang="ko-KR" altLang="en-US" sz="1000"/>
+          </a:p>
+        </p:txBody>
+      </p:sp>
+      <p:sp>
+        <p:nvSpPr>
+          <p:cNvPr id="48" name="직사각형 47">
+            <a:extLst>
+              <a:ext uri="{FF2B5EF4-FFF2-40B4-BE49-F238E27FC236}">
+                <a16:creationId xmlns="" xmlns:a16="http://schemas.microsoft.com/office/drawing/2014/main" id="{85CB74B9-C716-4B10-A696-A219C834AB92}"/>
+              </a:ext>
+            </a:extLst>
+          </p:cNvPr>
+          <p:cNvSpPr/>
+          <p:nvPr/>
+        </p:nvSpPr>
+        <p:spPr>
+          <a:xfrm>
+            <a:off x="795535" y="5745377"/>
+            <a:ext cx="1656634" cy="664476"/>
+          </a:xfrm>
+          <a:prstGeom prst="rect">
+            <a:avLst/>
+          </a:prstGeom>
+          <a:solidFill>
+            <a:schemeClr val="bg1">
+              <a:alpha val="10000"/>
+            </a:schemeClr>
+          </a:solidFill>
+          <a:ln w="25400">
+            <a:solidFill>
+              <a:schemeClr val="tx2">
+                <a:alpha val="50000"/>
+              </a:schemeClr>
+            </a:solidFill>
+          </a:ln>
+        </p:spPr>
+        <p:style>
+          <a:lnRef idx="2">
+            <a:schemeClr val="accent1">
+              <a:shade val="50000"/>
+            </a:schemeClr>
+          </a:lnRef>
+          <a:fillRef idx="1">
+            <a:schemeClr val="accent1"/>
+          </a:fillRef>
+          <a:effectRef idx="0">
+            <a:schemeClr val="accent1"/>
+          </a:effectRef>
+          <a:fontRef idx="minor">
+            <a:schemeClr val="lt1"/>
+          </a:fontRef>
+        </p:style>
+        <p:txBody>
+          <a:bodyPr rtlCol="0" anchor="ctr"/>
+          <a:lstStyle/>
+          <a:p>
+            <a:pPr algn="ctr"/>
+            <a:endParaRPr lang="ko-KR" altLang="en-US"/>
+          </a:p>
+        </p:txBody>
+      </p:sp>
+      <p:sp>
+        <p:nvSpPr>
+          <p:cNvPr id="49" name="TextBox 48">
+            <a:extLst>
+              <a:ext uri="{FF2B5EF4-FFF2-40B4-BE49-F238E27FC236}">
+                <a16:creationId xmlns="" xmlns:a16="http://schemas.microsoft.com/office/drawing/2014/main" id="{3C022F72-BA7C-4A97-8B2B-D62ED11959B2}"/>
+              </a:ext>
+            </a:extLst>
+          </p:cNvPr>
+          <p:cNvSpPr txBox="1"/>
+          <p:nvPr/>
+        </p:nvSpPr>
+        <p:spPr>
+          <a:xfrm>
+            <a:off x="894405" y="5560711"/>
+            <a:ext cx="1539089" cy="369332"/>
+          </a:xfrm>
+          <a:prstGeom prst="rect">
+            <a:avLst/>
+          </a:prstGeom>
+          <a:noFill/>
+        </p:spPr>
+        <p:txBody>
+          <a:bodyPr wrap="square" rtlCol="0">
+            <a:spAutoFit/>
+          </a:bodyPr>
+          <a:lstStyle/>
+          <a:p>
+            <a:r>
+              <a:rPr lang="en-US" altLang="ko-KR" b="1">
+                <a:solidFill>
+                  <a:srgbClr val="FF0000"/>
+                </a:solidFill>
+              </a:rPr>
+              <a:t>Fake Header</a:t>
+            </a:r>
+            <a:endParaRPr lang="ko-KR" altLang="en-US" b="1">
+              <a:solidFill>
+                <a:srgbClr val="FF0000"/>
+              </a:solidFill>
+            </a:endParaRPr>
+          </a:p>
+        </p:txBody>
+      </p:sp>
+      <p:sp>
+        <p:nvSpPr>
+          <p:cNvPr id="51" name="TextBox 50">
+            <a:extLst>
+              <a:ext uri="{FF2B5EF4-FFF2-40B4-BE49-F238E27FC236}">
+                <a16:creationId xmlns="" xmlns:a16="http://schemas.microsoft.com/office/drawing/2014/main" id="{B53A7E59-3A47-4470-87E8-C90E80985FFC}"/>
+              </a:ext>
+            </a:extLst>
+          </p:cNvPr>
+          <p:cNvSpPr txBox="1"/>
+          <p:nvPr/>
+        </p:nvSpPr>
+        <p:spPr>
+          <a:xfrm>
+            <a:off x="191029" y="1615155"/>
+            <a:ext cx="1378649" cy="861774"/>
+          </a:xfrm>
+          <a:prstGeom prst="rect">
+            <a:avLst/>
+          </a:prstGeom>
+          <a:noFill/>
+        </p:spPr>
+        <p:txBody>
+          <a:bodyPr wrap="square" rtlCol="0">
+            <a:spAutoFit/>
+          </a:bodyPr>
+          <a:lstStyle/>
+          <a:p>
+            <a:r>
+              <a:rPr lang="en-US" altLang="ko-KR" sz="1000"/>
+              <a:t>Src IP :  Mobile IP</a:t>
+            </a:r>
+          </a:p>
+          <a:p>
+            <a:endParaRPr lang="en-US" altLang="ko-KR" sz="1000"/>
+          </a:p>
+          <a:p>
+            <a:r>
+              <a:rPr lang="en-US" altLang="ko-KR" sz="1000"/>
+              <a:t>Dest IP :  Tunneling Server IP</a:t>
+            </a:r>
+          </a:p>
+          <a:p>
+            <a:endParaRPr lang="ko-KR" altLang="en-US" sz="1000"/>
           </a:p>
         </p:txBody>
       </p:sp>
     </p:spTree>
     <p:extLst>
       <p:ext uri="{BB962C8B-B14F-4D97-AF65-F5344CB8AC3E}">
-        <p14:creationId xmlns:p14="http://schemas.microsoft.com/office/powerpoint/2010/main" val="3693680707"/>
+        <p14:creationId xmlns:p14="http://schemas.microsoft.com/office/powerpoint/2010/main" val="1921752760"/>
       </p:ext>
     </p:extLst>
   </p:cSld>
@@ -19754,7 +19005,267 @@
       </p:grpSpPr>
       <p:sp>
         <p:nvSpPr>
-          <p:cNvPr id="2" name="Rectangle 6"/>
+          <p:cNvPr id="50" name="설명선: 굽은 이중선(테두리 및 강조선) 49">
+            <a:extLst>
+              <a:ext uri="{FF2B5EF4-FFF2-40B4-BE49-F238E27FC236}">
+                <a16:creationId xmlns="" xmlns:a16="http://schemas.microsoft.com/office/drawing/2014/main" id="{9CB3E1F7-59F3-4D3B-BCD0-889F7C6B2444}"/>
+              </a:ext>
+            </a:extLst>
+          </p:cNvPr>
+          <p:cNvSpPr/>
+          <p:nvPr/>
+        </p:nvSpPr>
+        <p:spPr>
+          <a:xfrm rot="16200000">
+            <a:off x="1785373" y="1731811"/>
+            <a:ext cx="1015663" cy="1430100"/>
+          </a:xfrm>
+          <a:prstGeom prst="accentBorderCallout3">
+            <a:avLst>
+              <a:gd name="adj1" fmla="val 49137"/>
+              <a:gd name="adj2" fmla="val -9897"/>
+              <a:gd name="adj3" fmla="val 49778"/>
+              <a:gd name="adj4" fmla="val -130340"/>
+              <a:gd name="adj5" fmla="val 149648"/>
+              <a:gd name="adj6" fmla="val -127601"/>
+              <a:gd name="adj7" fmla="val 149223"/>
+              <a:gd name="adj8" fmla="val -126013"/>
+            </a:avLst>
+          </a:prstGeom>
+          <a:solidFill>
+            <a:schemeClr val="bg2">
+              <a:lumMod val="25000"/>
+              <a:alpha val="20000"/>
+            </a:schemeClr>
+          </a:solidFill>
+        </p:spPr>
+        <p:style>
+          <a:lnRef idx="2">
+            <a:schemeClr val="accent1">
+              <a:shade val="50000"/>
+            </a:schemeClr>
+          </a:lnRef>
+          <a:fillRef idx="1">
+            <a:schemeClr val="accent1"/>
+          </a:fillRef>
+          <a:effectRef idx="0">
+            <a:schemeClr val="accent1"/>
+          </a:effectRef>
+          <a:fontRef idx="minor">
+            <a:schemeClr val="lt1"/>
+          </a:fontRef>
+        </p:style>
+        <p:txBody>
+          <a:bodyPr rtlCol="0" anchor="ctr"/>
+          <a:lstStyle/>
+          <a:p>
+            <a:pPr algn="ctr"/>
+            <a:endParaRPr lang="ko-KR" altLang="en-US"/>
+          </a:p>
+        </p:txBody>
+      </p:sp>
+      <p:sp>
+        <p:nvSpPr>
+          <p:cNvPr id="3" name="직사각형 2"/>
+          <p:cNvSpPr/>
+          <p:nvPr/>
+        </p:nvSpPr>
+        <p:spPr>
+          <a:xfrm>
+            <a:off x="0" y="1362807"/>
+            <a:ext cx="12192000" cy="79131"/>
+          </a:xfrm>
+          <a:prstGeom prst="rect">
+            <a:avLst/>
+          </a:prstGeom>
+          <a:blipFill>
+            <a:blip r:embed="rId2" cstate="print"/>
+            <a:tile tx="0" ty="0" sx="100000" sy="100000" flip="none" algn="tl"/>
+          </a:blipFill>
+          <a:ln>
+            <a:noFill/>
+          </a:ln>
+        </p:spPr>
+        <p:style>
+          <a:lnRef idx="2">
+            <a:schemeClr val="accent3">
+              <a:shade val="50000"/>
+            </a:schemeClr>
+          </a:lnRef>
+          <a:fillRef idx="1">
+            <a:schemeClr val="accent3"/>
+          </a:fillRef>
+          <a:effectRef idx="0">
+            <a:schemeClr val="accent3"/>
+          </a:effectRef>
+          <a:fontRef idx="minor">
+            <a:schemeClr val="lt1"/>
+          </a:fontRef>
+        </p:style>
+        <p:txBody>
+          <a:bodyPr rtlCol="0" anchor="ctr"/>
+          <a:lstStyle/>
+          <a:p>
+            <a:pPr algn="ctr"/>
+            <a:endParaRPr lang="ko-KR" altLang="en-US">
+              <a:latin typeface="함초롬돋움" panose="02030504000101010101" pitchFamily="18" charset="-127"/>
+              <a:ea typeface="함초롬돋움" panose="02030504000101010101" pitchFamily="18" charset="-127"/>
+              <a:cs typeface="함초롬돋움" panose="02030504000101010101" pitchFamily="18" charset="-127"/>
+            </a:endParaRPr>
+          </a:p>
+        </p:txBody>
+      </p:sp>
+      <p:sp>
+        <p:nvSpPr>
+          <p:cNvPr id="4" name="직사각형 3"/>
+          <p:cNvSpPr/>
+          <p:nvPr/>
+        </p:nvSpPr>
+        <p:spPr>
+          <a:xfrm>
+            <a:off x="0" y="1441938"/>
+            <a:ext cx="12192000" cy="79131"/>
+          </a:xfrm>
+          <a:prstGeom prst="rect">
+            <a:avLst/>
+          </a:prstGeom>
+          <a:blipFill>
+            <a:blip r:embed="rId3" cstate="print"/>
+            <a:tile tx="0" ty="0" sx="100000" sy="100000" flip="none" algn="tl"/>
+          </a:blipFill>
+          <a:ln>
+            <a:noFill/>
+          </a:ln>
+        </p:spPr>
+        <p:style>
+          <a:lnRef idx="2">
+            <a:schemeClr val="accent3">
+              <a:shade val="50000"/>
+            </a:schemeClr>
+          </a:lnRef>
+          <a:fillRef idx="1">
+            <a:schemeClr val="accent3"/>
+          </a:fillRef>
+          <a:effectRef idx="0">
+            <a:schemeClr val="accent3"/>
+          </a:effectRef>
+          <a:fontRef idx="minor">
+            <a:schemeClr val="lt1"/>
+          </a:fontRef>
+        </p:style>
+        <p:txBody>
+          <a:bodyPr rtlCol="0" anchor="ctr"/>
+          <a:lstStyle/>
+          <a:p>
+            <a:pPr algn="ctr"/>
+            <a:endParaRPr lang="ko-KR" altLang="en-US">
+              <a:latin typeface="함초롬돋움" panose="02030504000101010101" pitchFamily="18" charset="-127"/>
+              <a:ea typeface="함초롬돋움" panose="02030504000101010101" pitchFamily="18" charset="-127"/>
+              <a:cs typeface="함초롬돋움" panose="02030504000101010101" pitchFamily="18" charset="-127"/>
+            </a:endParaRPr>
+          </a:p>
+        </p:txBody>
+      </p:sp>
+      <p:pic>
+        <p:nvPicPr>
+          <p:cNvPr id="5" name="Picture 3"/>
+          <p:cNvPicPr>
+            <a:picLocks noChangeAspect="1" noChangeArrowheads="1"/>
+          </p:cNvPicPr>
+          <p:nvPr/>
+        </p:nvPicPr>
+        <p:blipFill>
+          <a:blip r:embed="rId4" cstate="print">
+            <a:extLst>
+              <a:ext uri="{28A0092B-C50C-407E-A947-70E740481C1C}">
+                <a14:useLocalDpi xmlns:a14="http://schemas.microsoft.com/office/drawing/2010/main" val="0"/>
+              </a:ext>
+            </a:extLst>
+          </a:blip>
+          <a:srcRect/>
+          <a:stretch>
+            <a:fillRect/>
+          </a:stretch>
+        </p:blipFill>
+        <p:spPr bwMode="auto">
+          <a:xfrm>
+            <a:off x="0" y="0"/>
+            <a:ext cx="12199938" cy="1403956"/>
+          </a:xfrm>
+          <a:prstGeom prst="rect">
+            <a:avLst/>
+          </a:prstGeom>
+          <a:noFill/>
+          <a:ln>
+            <a:noFill/>
+          </a:ln>
+          <a:extLst>
+            <a:ext uri="{909E8E84-426E-40DD-AFC4-6F175D3DCCD1}">
+              <a14:hiddenFill xmlns:a14="http://schemas.microsoft.com/office/drawing/2010/main">
+                <a:solidFill>
+                  <a:srgbClr val="FFFFFF"/>
+                </a:solidFill>
+              </a14:hiddenFill>
+            </a:ext>
+            <a:ext uri="{91240B29-F687-4F45-9708-019B960494DF}">
+              <a14:hiddenLine xmlns:a14="http://schemas.microsoft.com/office/drawing/2010/main" w="12700" algn="ctr">
+                <a:solidFill>
+                  <a:srgbClr val="000000"/>
+                </a:solidFill>
+                <a:miter lim="800000"/>
+                <a:headEnd/>
+                <a:tailEnd/>
+              </a14:hiddenLine>
+            </a:ext>
+          </a:extLst>
+        </p:spPr>
+      </p:pic>
+      <p:sp>
+        <p:nvSpPr>
+          <p:cNvPr id="6" name="Line 4"/>
+          <p:cNvSpPr>
+            <a:spLocks noChangeShapeType="1"/>
+          </p:cNvSpPr>
+          <p:nvPr/>
+        </p:nvSpPr>
+        <p:spPr bwMode="auto">
+          <a:xfrm>
+            <a:off x="2583180" y="1611102"/>
+            <a:ext cx="7431088" cy="0"/>
+          </a:xfrm>
+          <a:prstGeom prst="line">
+            <a:avLst/>
+          </a:prstGeom>
+          <a:noFill/>
+          <a:ln w="12700">
+            <a:solidFill>
+              <a:schemeClr val="bg2"/>
+            </a:solidFill>
+            <a:round/>
+            <a:headEnd/>
+            <a:tailEnd type="oval" w="lg" len="lg"/>
+          </a:ln>
+          <a:effectLst/>
+          <a:extLst/>
+        </p:spPr>
+        <p:txBody>
+          <a:bodyPr anchor="ctr"/>
+          <a:lstStyle/>
+          <a:p>
+            <a:pPr>
+              <a:defRPr/>
+            </a:pPr>
+            <a:endParaRPr lang="ko-KR" altLang="en-US">
+              <a:latin typeface="함초롬돋움" panose="02030504000101010101" pitchFamily="18" charset="-127"/>
+              <a:ea typeface="함초롬돋움" panose="02030504000101010101" pitchFamily="18" charset="-127"/>
+              <a:cs typeface="함초롬돋움" panose="02030504000101010101" pitchFamily="18" charset="-127"/>
+            </a:endParaRPr>
+          </a:p>
+        </p:txBody>
+      </p:sp>
+      <p:sp>
+        <p:nvSpPr>
+          <p:cNvPr id="7" name="Rectangle 6"/>
           <p:cNvSpPr>
             <a:spLocks noChangeArrowheads="1"/>
           </p:cNvSpPr>
@@ -19762,8 +19273,8 @@
         </p:nvSpPr>
         <p:spPr bwMode="auto">
           <a:xfrm>
-            <a:off x="0" y="1493519"/>
-            <a:ext cx="12192000" cy="3855721"/>
+            <a:off x="-7938" y="518160"/>
+            <a:ext cx="1952626" cy="604203"/>
           </a:xfrm>
           <a:prstGeom prst="rect">
             <a:avLst/>
@@ -19772,7 +19283,6 @@
             <a:schemeClr val="tx1">
               <a:lumMod val="65000"/>
               <a:lumOff val="35000"/>
-              <a:alpha val="70000"/>
             </a:schemeClr>
           </a:solidFill>
           <a:ln>
@@ -19809,7 +19319,7 @@
       </p:sp>
       <p:sp>
         <p:nvSpPr>
-          <p:cNvPr id="3" name="Text Box 7"/>
+          <p:cNvPr id="8" name="Text Box 7"/>
           <p:cNvSpPr txBox="1">
             <a:spLocks noChangeArrowheads="1"/>
           </p:cNvSpPr>
@@ -19817,8 +19327,8 @@
         </p:nvSpPr>
         <p:spPr bwMode="auto">
           <a:xfrm>
-            <a:off x="3990295" y="3128991"/>
-            <a:ext cx="4103503" cy="584775"/>
+            <a:off x="1369476" y="548640"/>
+            <a:ext cx="4211409" cy="584775"/>
           </a:xfrm>
           <a:prstGeom prst="rect">
             <a:avLst/>
@@ -19831,7 +19341,7 @@
           <a:extLst/>
         </p:spPr>
         <p:txBody>
-          <a:bodyPr wrap="square">
+          <a:bodyPr wrap="none">
             <a:spAutoFit/>
           </a:bodyPr>
           <a:lstStyle>
@@ -20002,7 +19512,7 @@
             </a:lvl9pPr>
           </a:lstStyle>
           <a:p>
-            <a:pPr algn="ctr" latinLnBrk="0">
+            <a:pPr latinLnBrk="0">
               <a:lnSpc>
                 <a:spcPct val="100000"/>
               </a:lnSpc>
@@ -20014,26 +19524,1027 @@
               <a:defRPr/>
             </a:pPr>
             <a:r>
-              <a:rPr lang="ko-KR" altLang="en-US" sz="3200">
+              <a:rPr lang="en-US" altLang="ko-KR" sz="3200" b="1" dirty="0">
                 <a:solidFill>
                   <a:schemeClr val="bg1"/>
                 </a:solidFill>
                 <a:latin typeface="HY견고딕" panose="02030600000101010101" pitchFamily="18" charset="-127"/>
                 <a:ea typeface="HY견고딕" panose="02030600000101010101" pitchFamily="18" charset="-127"/>
               </a:rPr>
-              <a:t>시연 영상</a:t>
-            </a:r>
-            <a:endParaRPr lang="en-US" altLang="ko-KR" sz="3200" dirty="0">
+              <a:t>3.</a:t>
+            </a:r>
+            <a:r>
+              <a:rPr lang="en-US" altLang="ko-KR" sz="3200" b="1" dirty="0" smtClean="0">
+                <a:latin typeface="HY견고딕" panose="02030600000101010101" pitchFamily="18" charset="-127"/>
+                <a:ea typeface="HY견고딕" panose="02030600000101010101" pitchFamily="18" charset="-127"/>
+              </a:rPr>
+              <a:t> </a:t>
+            </a:r>
+            <a:r>
+              <a:rPr lang="ko-KR" altLang="en-US" sz="3200" b="1" dirty="0">
+                <a:solidFill>
+                  <a:schemeClr val="bg1">
+                    <a:lumMod val="50000"/>
+                  </a:schemeClr>
+                </a:solidFill>
+                <a:latin typeface="HY견고딕" panose="02030600000101010101" pitchFamily="18" charset="-127"/>
+                <a:ea typeface="HY견고딕" panose="02030600000101010101" pitchFamily="18" charset="-127"/>
+              </a:rPr>
+              <a:t>프로그램 동작 원리</a:t>
+            </a:r>
+            <a:endParaRPr lang="en-US" altLang="ko-KR" sz="3200" b="1" dirty="0">
               <a:latin typeface="HY견고딕" panose="02030600000101010101" pitchFamily="18" charset="-127"/>
               <a:ea typeface="HY견고딕" panose="02030600000101010101" pitchFamily="18" charset="-127"/>
             </a:endParaRPr>
           </a:p>
         </p:txBody>
       </p:sp>
+      <p:sp>
+        <p:nvSpPr>
+          <p:cNvPr id="30" name="직사각형 29">
+            <a:extLst>
+              <a:ext uri="{FF2B5EF4-FFF2-40B4-BE49-F238E27FC236}">
+                <a16:creationId xmlns="" xmlns:a16="http://schemas.microsoft.com/office/drawing/2014/main" id="{D6A04DA9-5DD3-482B-B98E-8434C9CBB4B5}"/>
+              </a:ext>
+            </a:extLst>
+          </p:cNvPr>
+          <p:cNvSpPr/>
+          <p:nvPr/>
+        </p:nvSpPr>
+        <p:spPr>
+          <a:xfrm>
+            <a:off x="5297027" y="3890414"/>
+            <a:ext cx="2933748" cy="421065"/>
+          </a:xfrm>
+          <a:prstGeom prst="rect">
+            <a:avLst/>
+          </a:prstGeom>
+        </p:spPr>
+        <p:style>
+          <a:lnRef idx="2">
+            <a:schemeClr val="dk1">
+              <a:shade val="50000"/>
+            </a:schemeClr>
+          </a:lnRef>
+          <a:fillRef idx="1">
+            <a:schemeClr val="dk1"/>
+          </a:fillRef>
+          <a:effectRef idx="0">
+            <a:schemeClr val="dk1"/>
+          </a:effectRef>
+          <a:fontRef idx="minor">
+            <a:schemeClr val="lt1"/>
+          </a:fontRef>
+        </p:style>
+        <p:txBody>
+          <a:bodyPr rtlCol="0" anchor="ctr"/>
+          <a:lstStyle/>
+          <a:p>
+            <a:pPr algn="ctr"/>
+            <a:endParaRPr lang="ko-KR" altLang="en-US"/>
+          </a:p>
+        </p:txBody>
+      </p:sp>
+      <p:sp>
+        <p:nvSpPr>
+          <p:cNvPr id="31" name="직사각형 30">
+            <a:extLst>
+              <a:ext uri="{FF2B5EF4-FFF2-40B4-BE49-F238E27FC236}">
+                <a16:creationId xmlns="" xmlns:a16="http://schemas.microsoft.com/office/drawing/2014/main" id="{0DD19B89-AA2D-456B-92A9-8A2621813A4E}"/>
+              </a:ext>
+            </a:extLst>
+          </p:cNvPr>
+          <p:cNvSpPr/>
+          <p:nvPr/>
+        </p:nvSpPr>
+        <p:spPr>
+          <a:xfrm>
+            <a:off x="5307977" y="3890414"/>
+            <a:ext cx="825044" cy="421065"/>
+          </a:xfrm>
+          <a:prstGeom prst="rect">
+            <a:avLst/>
+          </a:prstGeom>
+        </p:spPr>
+        <p:style>
+          <a:lnRef idx="2">
+            <a:schemeClr val="dk1"/>
+          </a:lnRef>
+          <a:fillRef idx="1">
+            <a:schemeClr val="lt1"/>
+          </a:fillRef>
+          <a:effectRef idx="0">
+            <a:schemeClr val="dk1"/>
+          </a:effectRef>
+          <a:fontRef idx="minor">
+            <a:schemeClr val="dk1"/>
+          </a:fontRef>
+        </p:style>
+        <p:txBody>
+          <a:bodyPr rtlCol="0" anchor="ctr"/>
+          <a:lstStyle/>
+          <a:p>
+            <a:pPr algn="ctr"/>
+            <a:r>
+              <a:rPr lang="en-US" altLang="ko-KR" sz="2000" dirty="0"/>
+              <a:t>IP</a:t>
+            </a:r>
+            <a:endParaRPr lang="ko-KR" altLang="en-US" sz="2000" dirty="0"/>
+          </a:p>
+        </p:txBody>
+      </p:sp>
+      <p:sp>
+        <p:nvSpPr>
+          <p:cNvPr id="32" name="직사각형 31">
+            <a:extLst>
+              <a:ext uri="{FF2B5EF4-FFF2-40B4-BE49-F238E27FC236}">
+                <a16:creationId xmlns="" xmlns:a16="http://schemas.microsoft.com/office/drawing/2014/main" id="{3D4A91F6-4A10-4467-B33D-69CF739E7A5C}"/>
+              </a:ext>
+            </a:extLst>
+          </p:cNvPr>
+          <p:cNvSpPr/>
+          <p:nvPr/>
+        </p:nvSpPr>
+        <p:spPr>
+          <a:xfrm>
+            <a:off x="6142463" y="3890414"/>
+            <a:ext cx="825044" cy="421065"/>
+          </a:xfrm>
+          <a:prstGeom prst="rect">
+            <a:avLst/>
+          </a:prstGeom>
+        </p:spPr>
+        <p:style>
+          <a:lnRef idx="2">
+            <a:schemeClr val="dk1"/>
+          </a:lnRef>
+          <a:fillRef idx="1">
+            <a:schemeClr val="lt1"/>
+          </a:fillRef>
+          <a:effectRef idx="0">
+            <a:schemeClr val="dk1"/>
+          </a:effectRef>
+          <a:fontRef idx="minor">
+            <a:schemeClr val="dk1"/>
+          </a:fontRef>
+        </p:style>
+        <p:txBody>
+          <a:bodyPr rtlCol="0" anchor="ctr"/>
+          <a:lstStyle/>
+          <a:p>
+            <a:pPr algn="ctr"/>
+            <a:r>
+              <a:rPr lang="en-US" altLang="ko-KR" sz="2000" dirty="0"/>
+              <a:t>TCP</a:t>
+            </a:r>
+            <a:endParaRPr lang="ko-KR" altLang="en-US" sz="2000" dirty="0"/>
+          </a:p>
+        </p:txBody>
+      </p:sp>
+      <p:sp>
+        <p:nvSpPr>
+          <p:cNvPr id="33" name="직사각형 32">
+            <a:extLst>
+              <a:ext uri="{FF2B5EF4-FFF2-40B4-BE49-F238E27FC236}">
+                <a16:creationId xmlns="" xmlns:a16="http://schemas.microsoft.com/office/drawing/2014/main" id="{DF346D7F-48BA-44B8-82A6-71DC705D592B}"/>
+              </a:ext>
+            </a:extLst>
+          </p:cNvPr>
+          <p:cNvSpPr/>
+          <p:nvPr/>
+        </p:nvSpPr>
+        <p:spPr>
+          <a:xfrm>
+            <a:off x="6967507" y="3890414"/>
+            <a:ext cx="1284923" cy="421065"/>
+          </a:xfrm>
+          <a:prstGeom prst="rect">
+            <a:avLst/>
+          </a:prstGeom>
+        </p:spPr>
+        <p:style>
+          <a:lnRef idx="2">
+            <a:schemeClr val="dk1"/>
+          </a:lnRef>
+          <a:fillRef idx="1">
+            <a:schemeClr val="lt1"/>
+          </a:fillRef>
+          <a:effectRef idx="0">
+            <a:schemeClr val="dk1"/>
+          </a:effectRef>
+          <a:fontRef idx="minor">
+            <a:schemeClr val="dk1"/>
+          </a:fontRef>
+        </p:style>
+        <p:txBody>
+          <a:bodyPr rtlCol="0" anchor="ctr"/>
+          <a:lstStyle/>
+          <a:p>
+            <a:pPr algn="ctr"/>
+            <a:r>
+              <a:rPr lang="en-US" altLang="ko-KR" sz="2000" dirty="0"/>
+              <a:t>Data</a:t>
+            </a:r>
+            <a:endParaRPr lang="ko-KR" altLang="en-US" sz="2000" dirty="0"/>
+          </a:p>
+        </p:txBody>
+      </p:sp>
+      <p:sp>
+        <p:nvSpPr>
+          <p:cNvPr id="34" name="설명선 1 19">
+            <a:extLst>
+              <a:ext uri="{FF2B5EF4-FFF2-40B4-BE49-F238E27FC236}">
+                <a16:creationId xmlns="" xmlns:a16="http://schemas.microsoft.com/office/drawing/2014/main" id="{2B386178-BE8E-494A-8DC0-0B3E7646C9A9}"/>
+              </a:ext>
+            </a:extLst>
+          </p:cNvPr>
+          <p:cNvSpPr/>
+          <p:nvPr/>
+        </p:nvSpPr>
+        <p:spPr>
+          <a:xfrm>
+            <a:off x="3348240" y="3573480"/>
+            <a:ext cx="5628493" cy="916235"/>
+          </a:xfrm>
+          <a:prstGeom prst="borderCallout1">
+            <a:avLst>
+              <a:gd name="adj1" fmla="val -910"/>
+              <a:gd name="adj2" fmla="val 95075"/>
+              <a:gd name="adj3" fmla="val -629"/>
+              <a:gd name="adj4" fmla="val 94851"/>
+            </a:avLst>
+          </a:prstGeom>
+          <a:solidFill>
+            <a:schemeClr val="bg2">
+              <a:lumMod val="75000"/>
+              <a:alpha val="10000"/>
+            </a:schemeClr>
+          </a:solidFill>
+          <a:ln w="38100">
+            <a:solidFill>
+              <a:schemeClr val="bg2">
+                <a:lumMod val="50000"/>
+              </a:schemeClr>
+            </a:solidFill>
+          </a:ln>
+        </p:spPr>
+        <p:style>
+          <a:lnRef idx="2">
+            <a:schemeClr val="accent1">
+              <a:shade val="50000"/>
+            </a:schemeClr>
+          </a:lnRef>
+          <a:fillRef idx="1">
+            <a:schemeClr val="accent1"/>
+          </a:fillRef>
+          <a:effectRef idx="0">
+            <a:schemeClr val="accent1"/>
+          </a:effectRef>
+          <a:fontRef idx="minor">
+            <a:schemeClr val="lt1"/>
+          </a:fontRef>
+        </p:style>
+        <p:txBody>
+          <a:bodyPr rtlCol="0" anchor="ctr"/>
+          <a:lstStyle/>
+          <a:p>
+            <a:pPr algn="ctr"/>
+            <a:endParaRPr lang="ko-KR" altLang="en-US"/>
+          </a:p>
+        </p:txBody>
+      </p:sp>
+      <p:sp>
+        <p:nvSpPr>
+          <p:cNvPr id="36" name="TextBox 35">
+            <a:extLst>
+              <a:ext uri="{FF2B5EF4-FFF2-40B4-BE49-F238E27FC236}">
+                <a16:creationId xmlns="" xmlns:a16="http://schemas.microsoft.com/office/drawing/2014/main" id="{3680A2E2-BF04-40A3-A3D2-BD9A4DB4CAF9}"/>
+              </a:ext>
+            </a:extLst>
+          </p:cNvPr>
+          <p:cNvSpPr txBox="1"/>
+          <p:nvPr/>
+        </p:nvSpPr>
+        <p:spPr>
+          <a:xfrm>
+            <a:off x="4625496" y="3282619"/>
+            <a:ext cx="3378776" cy="477054"/>
+          </a:xfrm>
+          <a:prstGeom prst="rect">
+            <a:avLst/>
+          </a:prstGeom>
+          <a:noFill/>
+        </p:spPr>
+        <p:txBody>
+          <a:bodyPr wrap="square" rtlCol="0">
+            <a:spAutoFit/>
+          </a:bodyPr>
+          <a:lstStyle/>
+          <a:p>
+            <a:r>
+              <a:rPr lang="en-US" altLang="ko-KR" sz="2500" b="1">
+                <a:solidFill>
+                  <a:schemeClr val="tx1">
+                    <a:lumMod val="50000"/>
+                  </a:schemeClr>
+                </a:solidFill>
+              </a:rPr>
+              <a:t>Modified </a:t>
+            </a:r>
+            <a:r>
+              <a:rPr lang="en-US" altLang="ko-KR" sz="2500" b="1" dirty="0">
+                <a:solidFill>
+                  <a:schemeClr val="tx1">
+                    <a:lumMod val="50000"/>
+                  </a:schemeClr>
+                </a:solidFill>
+              </a:rPr>
+              <a:t>Packet</a:t>
+            </a:r>
+            <a:endParaRPr lang="ko-KR" altLang="en-US" sz="2500" b="1" dirty="0">
+              <a:solidFill>
+                <a:schemeClr val="tx1">
+                  <a:lumMod val="50000"/>
+                </a:schemeClr>
+              </a:solidFill>
+            </a:endParaRPr>
+          </a:p>
+        </p:txBody>
+      </p:sp>
+      <p:sp>
+        <p:nvSpPr>
+          <p:cNvPr id="2" name="직사각형 1">
+            <a:extLst>
+              <a:ext uri="{FF2B5EF4-FFF2-40B4-BE49-F238E27FC236}">
+                <a16:creationId xmlns="" xmlns:a16="http://schemas.microsoft.com/office/drawing/2014/main" id="{3384A5F0-C8BB-4201-B00B-B120EAE787AB}"/>
+              </a:ext>
+            </a:extLst>
+          </p:cNvPr>
+          <p:cNvSpPr/>
+          <p:nvPr/>
+        </p:nvSpPr>
+        <p:spPr>
+          <a:xfrm>
+            <a:off x="3750195" y="3890413"/>
+            <a:ext cx="1592820" cy="421065"/>
+          </a:xfrm>
+          <a:prstGeom prst="rect">
+            <a:avLst/>
+          </a:prstGeom>
+          <a:solidFill>
+            <a:schemeClr val="bg1"/>
+          </a:solidFill>
+          <a:ln>
+            <a:solidFill>
+              <a:schemeClr val="tx1">
+                <a:lumMod val="50000"/>
+              </a:schemeClr>
+            </a:solidFill>
+          </a:ln>
+        </p:spPr>
+        <p:style>
+          <a:lnRef idx="2">
+            <a:schemeClr val="accent1">
+              <a:shade val="50000"/>
+            </a:schemeClr>
+          </a:lnRef>
+          <a:fillRef idx="1">
+            <a:schemeClr val="accent1"/>
+          </a:fillRef>
+          <a:effectRef idx="0">
+            <a:schemeClr val="accent1"/>
+          </a:effectRef>
+          <a:fontRef idx="minor">
+            <a:schemeClr val="lt1"/>
+          </a:fontRef>
+        </p:style>
+        <p:txBody>
+          <a:bodyPr rtlCol="0" anchor="ctr"/>
+          <a:lstStyle/>
+          <a:p>
+            <a:pPr algn="ctr"/>
+            <a:endParaRPr lang="ko-KR" altLang="en-US"/>
+          </a:p>
+        </p:txBody>
+      </p:sp>
+      <p:sp>
+        <p:nvSpPr>
+          <p:cNvPr id="37" name="직사각형 36">
+            <a:extLst>
+              <a:ext uri="{FF2B5EF4-FFF2-40B4-BE49-F238E27FC236}">
+                <a16:creationId xmlns="" xmlns:a16="http://schemas.microsoft.com/office/drawing/2014/main" id="{94AA240F-ADEC-4B11-BE49-AD04BA5B2BC1}"/>
+              </a:ext>
+            </a:extLst>
+          </p:cNvPr>
+          <p:cNvSpPr/>
+          <p:nvPr/>
+        </p:nvSpPr>
+        <p:spPr>
+          <a:xfrm>
+            <a:off x="3691102" y="3890413"/>
+            <a:ext cx="825044" cy="421065"/>
+          </a:xfrm>
+          <a:prstGeom prst="rect">
+            <a:avLst/>
+          </a:prstGeom>
+        </p:spPr>
+        <p:style>
+          <a:lnRef idx="2">
+            <a:schemeClr val="dk1"/>
+          </a:lnRef>
+          <a:fillRef idx="1">
+            <a:schemeClr val="lt1"/>
+          </a:fillRef>
+          <a:effectRef idx="0">
+            <a:schemeClr val="dk1"/>
+          </a:effectRef>
+          <a:fontRef idx="minor">
+            <a:schemeClr val="dk1"/>
+          </a:fontRef>
+        </p:style>
+        <p:txBody>
+          <a:bodyPr rtlCol="0" anchor="ctr"/>
+          <a:lstStyle/>
+          <a:p>
+            <a:pPr algn="ctr"/>
+            <a:r>
+              <a:rPr lang="en-US" altLang="ko-KR" sz="2000" dirty="0"/>
+              <a:t>IP</a:t>
+            </a:r>
+            <a:endParaRPr lang="ko-KR" altLang="en-US" sz="2000" dirty="0"/>
+          </a:p>
+        </p:txBody>
+      </p:sp>
+      <p:sp>
+        <p:nvSpPr>
+          <p:cNvPr id="38" name="직사각형 37">
+            <a:extLst>
+              <a:ext uri="{FF2B5EF4-FFF2-40B4-BE49-F238E27FC236}">
+                <a16:creationId xmlns="" xmlns:a16="http://schemas.microsoft.com/office/drawing/2014/main" id="{49C6B6ED-6993-4C83-B5C7-776B70D7C15B}"/>
+              </a:ext>
+            </a:extLst>
+          </p:cNvPr>
+          <p:cNvSpPr/>
+          <p:nvPr/>
+        </p:nvSpPr>
+        <p:spPr>
+          <a:xfrm>
+            <a:off x="4510464" y="3890413"/>
+            <a:ext cx="825044" cy="423264"/>
+          </a:xfrm>
+          <a:prstGeom prst="rect">
+            <a:avLst/>
+          </a:prstGeom>
+        </p:spPr>
+        <p:style>
+          <a:lnRef idx="2">
+            <a:schemeClr val="dk1"/>
+          </a:lnRef>
+          <a:fillRef idx="1">
+            <a:schemeClr val="lt1"/>
+          </a:fillRef>
+          <a:effectRef idx="0">
+            <a:schemeClr val="dk1"/>
+          </a:effectRef>
+          <a:fontRef idx="minor">
+            <a:schemeClr val="dk1"/>
+          </a:fontRef>
+        </p:style>
+        <p:txBody>
+          <a:bodyPr rtlCol="0" anchor="ctr"/>
+          <a:lstStyle/>
+          <a:p>
+            <a:pPr algn="ctr"/>
+            <a:r>
+              <a:rPr lang="en-US" altLang="ko-KR" sz="2000" dirty="0"/>
+              <a:t>TCP</a:t>
+            </a:r>
+            <a:endParaRPr lang="ko-KR" altLang="en-US" sz="2000" dirty="0"/>
+          </a:p>
+        </p:txBody>
+      </p:sp>
+      <p:sp>
+        <p:nvSpPr>
+          <p:cNvPr id="23" name="직사각형 22">
+            <a:extLst>
+              <a:ext uri="{FF2B5EF4-FFF2-40B4-BE49-F238E27FC236}">
+                <a16:creationId xmlns="" xmlns:a16="http://schemas.microsoft.com/office/drawing/2014/main" id="{24501C3B-5C55-4471-8B03-F33B401EC59B}"/>
+              </a:ext>
+            </a:extLst>
+          </p:cNvPr>
+          <p:cNvSpPr/>
+          <p:nvPr/>
+        </p:nvSpPr>
+        <p:spPr>
+          <a:xfrm>
+            <a:off x="5343015" y="3759673"/>
+            <a:ext cx="2984631" cy="662278"/>
+          </a:xfrm>
+          <a:prstGeom prst="rect">
+            <a:avLst/>
+          </a:prstGeom>
+          <a:solidFill>
+            <a:schemeClr val="bg1">
+              <a:alpha val="10000"/>
+            </a:schemeClr>
+          </a:solidFill>
+          <a:ln w="25400">
+            <a:solidFill>
+              <a:schemeClr val="tx2">
+                <a:alpha val="50000"/>
+              </a:schemeClr>
+            </a:solidFill>
+          </a:ln>
+        </p:spPr>
+        <p:style>
+          <a:lnRef idx="2">
+            <a:schemeClr val="accent1">
+              <a:shade val="50000"/>
+            </a:schemeClr>
+          </a:lnRef>
+          <a:fillRef idx="1">
+            <a:schemeClr val="accent1"/>
+          </a:fillRef>
+          <a:effectRef idx="0">
+            <a:schemeClr val="accent1"/>
+          </a:effectRef>
+          <a:fontRef idx="minor">
+            <a:schemeClr val="lt1"/>
+          </a:fontRef>
+        </p:style>
+        <p:txBody>
+          <a:bodyPr rtlCol="0" anchor="ctr"/>
+          <a:lstStyle/>
+          <a:p>
+            <a:pPr algn="ctr"/>
+            <a:endParaRPr lang="ko-KR" altLang="en-US"/>
+          </a:p>
+        </p:txBody>
+      </p:sp>
+      <p:sp>
+        <p:nvSpPr>
+          <p:cNvPr id="24" name="TextBox 23">
+            <a:extLst>
+              <a:ext uri="{FF2B5EF4-FFF2-40B4-BE49-F238E27FC236}">
+                <a16:creationId xmlns="" xmlns:a16="http://schemas.microsoft.com/office/drawing/2014/main" id="{00D7A62D-5354-40DD-AC3B-46BC8B7C199F}"/>
+              </a:ext>
+            </a:extLst>
+          </p:cNvPr>
+          <p:cNvSpPr txBox="1"/>
+          <p:nvPr/>
+        </p:nvSpPr>
+        <p:spPr>
+          <a:xfrm>
+            <a:off x="6132618" y="3582148"/>
+            <a:ext cx="1893381" cy="369332"/>
+          </a:xfrm>
+          <a:prstGeom prst="rect">
+            <a:avLst/>
+          </a:prstGeom>
+          <a:noFill/>
+        </p:spPr>
+        <p:txBody>
+          <a:bodyPr wrap="square" rtlCol="0">
+            <a:spAutoFit/>
+          </a:bodyPr>
+          <a:lstStyle/>
+          <a:p>
+            <a:r>
+              <a:rPr lang="en-US" altLang="ko-KR" b="1">
+                <a:solidFill>
+                  <a:srgbClr val="FF0000"/>
+                </a:solidFill>
+              </a:rPr>
+              <a:t>Origin Packet</a:t>
+            </a:r>
+            <a:endParaRPr lang="ko-KR" altLang="en-US" b="1">
+              <a:solidFill>
+                <a:srgbClr val="FF0000"/>
+              </a:solidFill>
+            </a:endParaRPr>
+          </a:p>
+        </p:txBody>
+      </p:sp>
+      <p:sp>
+        <p:nvSpPr>
+          <p:cNvPr id="46" name="설명선: 굽은 이중선(테두리 및 강조선) 45">
+            <a:extLst>
+              <a:ext uri="{FF2B5EF4-FFF2-40B4-BE49-F238E27FC236}">
+                <a16:creationId xmlns="" xmlns:a16="http://schemas.microsoft.com/office/drawing/2014/main" id="{1A2C81FF-FD19-469A-86AD-A3BE74638C74}"/>
+              </a:ext>
+            </a:extLst>
+          </p:cNvPr>
+          <p:cNvSpPr/>
+          <p:nvPr/>
+        </p:nvSpPr>
+        <p:spPr>
+          <a:xfrm rot="16200000">
+            <a:off x="3555459" y="1731811"/>
+            <a:ext cx="1015663" cy="1430100"/>
+          </a:xfrm>
+          <a:prstGeom prst="accentBorderCallout3">
+            <a:avLst>
+              <a:gd name="adj1" fmla="val 49137"/>
+              <a:gd name="adj2" fmla="val -9897"/>
+              <a:gd name="adj3" fmla="val 49778"/>
+              <a:gd name="adj4" fmla="val -48333"/>
+              <a:gd name="adj5" fmla="val 90141"/>
+              <a:gd name="adj6" fmla="val -49160"/>
+              <a:gd name="adj7" fmla="val 90349"/>
+              <a:gd name="adj8" fmla="val -127796"/>
+            </a:avLst>
+          </a:prstGeom>
+          <a:solidFill>
+            <a:schemeClr val="bg2">
+              <a:lumMod val="25000"/>
+              <a:alpha val="20000"/>
+            </a:schemeClr>
+          </a:solidFill>
+        </p:spPr>
+        <p:style>
+          <a:lnRef idx="2">
+            <a:schemeClr val="accent1">
+              <a:shade val="50000"/>
+            </a:schemeClr>
+          </a:lnRef>
+          <a:fillRef idx="1">
+            <a:schemeClr val="accent1"/>
+          </a:fillRef>
+          <a:effectRef idx="0">
+            <a:schemeClr val="accent1"/>
+          </a:effectRef>
+          <a:fontRef idx="minor">
+            <a:schemeClr val="lt1"/>
+          </a:fontRef>
+        </p:style>
+        <p:txBody>
+          <a:bodyPr rtlCol="0" anchor="ctr"/>
+          <a:lstStyle/>
+          <a:p>
+            <a:pPr algn="ctr"/>
+            <a:endParaRPr lang="ko-KR" altLang="en-US"/>
+          </a:p>
+        </p:txBody>
+      </p:sp>
+      <p:sp>
+        <p:nvSpPr>
+          <p:cNvPr id="47" name="TextBox 46">
+            <a:extLst>
+              <a:ext uri="{FF2B5EF4-FFF2-40B4-BE49-F238E27FC236}">
+                <a16:creationId xmlns="" xmlns:a16="http://schemas.microsoft.com/office/drawing/2014/main" id="{00C57E51-0EC5-4B60-8ACD-E84B76E3961C}"/>
+              </a:ext>
+            </a:extLst>
+          </p:cNvPr>
+          <p:cNvSpPr txBox="1"/>
+          <p:nvPr/>
+        </p:nvSpPr>
+        <p:spPr>
+          <a:xfrm>
+            <a:off x="3305421" y="1939030"/>
+            <a:ext cx="1430101" cy="1015663"/>
+          </a:xfrm>
+          <a:prstGeom prst="rect">
+            <a:avLst/>
+          </a:prstGeom>
+          <a:noFill/>
+        </p:spPr>
+        <p:txBody>
+          <a:bodyPr wrap="square" rtlCol="0">
+            <a:spAutoFit/>
+          </a:bodyPr>
+          <a:lstStyle/>
+          <a:p>
+            <a:r>
+              <a:rPr lang="en-US" altLang="ko-KR" sz="1000"/>
+              <a:t>Seq Num : 1</a:t>
+            </a:r>
+          </a:p>
+          <a:p>
+            <a:r>
+              <a:rPr lang="en-US" altLang="ko-KR" sz="1000"/>
+              <a:t>Ack Num : 1</a:t>
+            </a:r>
+          </a:p>
+          <a:p>
+            <a:r>
+              <a:rPr lang="en-US" altLang="ko-KR" sz="1000"/>
+              <a:t>Src Port : User Choice</a:t>
+            </a:r>
+          </a:p>
+          <a:p>
+            <a:r>
+              <a:rPr lang="en-US" altLang="ko-KR" sz="1000"/>
+              <a:t>Dest Port : User Choice</a:t>
+            </a:r>
+          </a:p>
+          <a:p>
+            <a:endParaRPr lang="ko-KR" altLang="en-US" sz="1000"/>
+          </a:p>
+        </p:txBody>
+      </p:sp>
+      <p:sp>
+        <p:nvSpPr>
+          <p:cNvPr id="48" name="직사각형 47">
+            <a:extLst>
+              <a:ext uri="{FF2B5EF4-FFF2-40B4-BE49-F238E27FC236}">
+                <a16:creationId xmlns="" xmlns:a16="http://schemas.microsoft.com/office/drawing/2014/main" id="{85CB74B9-C716-4B10-A696-A219C834AB92}"/>
+              </a:ext>
+            </a:extLst>
+          </p:cNvPr>
+          <p:cNvSpPr/>
+          <p:nvPr/>
+        </p:nvSpPr>
+        <p:spPr>
+          <a:xfrm>
+            <a:off x="3691102" y="3757475"/>
+            <a:ext cx="1656634" cy="664476"/>
+          </a:xfrm>
+          <a:prstGeom prst="rect">
+            <a:avLst/>
+          </a:prstGeom>
+          <a:solidFill>
+            <a:schemeClr val="bg1">
+              <a:alpha val="10000"/>
+            </a:schemeClr>
+          </a:solidFill>
+          <a:ln w="25400">
+            <a:solidFill>
+              <a:schemeClr val="tx2">
+                <a:alpha val="50000"/>
+              </a:schemeClr>
+            </a:solidFill>
+          </a:ln>
+        </p:spPr>
+        <p:style>
+          <a:lnRef idx="2">
+            <a:schemeClr val="accent1">
+              <a:shade val="50000"/>
+            </a:schemeClr>
+          </a:lnRef>
+          <a:fillRef idx="1">
+            <a:schemeClr val="accent1"/>
+          </a:fillRef>
+          <a:effectRef idx="0">
+            <a:schemeClr val="accent1"/>
+          </a:effectRef>
+          <a:fontRef idx="minor">
+            <a:schemeClr val="lt1"/>
+          </a:fontRef>
+        </p:style>
+        <p:txBody>
+          <a:bodyPr rtlCol="0" anchor="ctr"/>
+          <a:lstStyle/>
+          <a:p>
+            <a:pPr algn="ctr"/>
+            <a:endParaRPr lang="ko-KR" altLang="en-US"/>
+          </a:p>
+        </p:txBody>
+      </p:sp>
+      <p:sp>
+        <p:nvSpPr>
+          <p:cNvPr id="49" name="TextBox 48">
+            <a:extLst>
+              <a:ext uri="{FF2B5EF4-FFF2-40B4-BE49-F238E27FC236}">
+                <a16:creationId xmlns="" xmlns:a16="http://schemas.microsoft.com/office/drawing/2014/main" id="{3C022F72-BA7C-4A97-8B2B-D62ED11959B2}"/>
+              </a:ext>
+            </a:extLst>
+          </p:cNvPr>
+          <p:cNvSpPr txBox="1"/>
+          <p:nvPr/>
+        </p:nvSpPr>
+        <p:spPr>
+          <a:xfrm>
+            <a:off x="3789972" y="3572809"/>
+            <a:ext cx="1539089" cy="369332"/>
+          </a:xfrm>
+          <a:prstGeom prst="rect">
+            <a:avLst/>
+          </a:prstGeom>
+          <a:noFill/>
+        </p:spPr>
+        <p:txBody>
+          <a:bodyPr wrap="square" rtlCol="0">
+            <a:spAutoFit/>
+          </a:bodyPr>
+          <a:lstStyle/>
+          <a:p>
+            <a:r>
+              <a:rPr lang="en-US" altLang="ko-KR" b="1">
+                <a:solidFill>
+                  <a:srgbClr val="FF0000"/>
+                </a:solidFill>
+              </a:rPr>
+              <a:t>Fake Header</a:t>
+            </a:r>
+            <a:endParaRPr lang="ko-KR" altLang="en-US" b="1">
+              <a:solidFill>
+                <a:srgbClr val="FF0000"/>
+              </a:solidFill>
+            </a:endParaRPr>
+          </a:p>
+        </p:txBody>
+      </p:sp>
+      <p:sp>
+        <p:nvSpPr>
+          <p:cNvPr id="51" name="TextBox 50">
+            <a:extLst>
+              <a:ext uri="{FF2B5EF4-FFF2-40B4-BE49-F238E27FC236}">
+                <a16:creationId xmlns="" xmlns:a16="http://schemas.microsoft.com/office/drawing/2014/main" id="{B53A7E59-3A47-4470-87E8-C90E80985FFC}"/>
+              </a:ext>
+            </a:extLst>
+          </p:cNvPr>
+          <p:cNvSpPr txBox="1"/>
+          <p:nvPr/>
+        </p:nvSpPr>
+        <p:spPr>
+          <a:xfrm>
+            <a:off x="1585264" y="1948571"/>
+            <a:ext cx="1378649" cy="861774"/>
+          </a:xfrm>
+          <a:prstGeom prst="rect">
+            <a:avLst/>
+          </a:prstGeom>
+          <a:noFill/>
+        </p:spPr>
+        <p:txBody>
+          <a:bodyPr wrap="square" rtlCol="0">
+            <a:spAutoFit/>
+          </a:bodyPr>
+          <a:lstStyle/>
+          <a:p>
+            <a:r>
+              <a:rPr lang="en-US" altLang="ko-KR" sz="1000"/>
+              <a:t>Src IP :  Mobile IP</a:t>
+            </a:r>
+          </a:p>
+          <a:p>
+            <a:endParaRPr lang="en-US" altLang="ko-KR" sz="1000"/>
+          </a:p>
+          <a:p>
+            <a:r>
+              <a:rPr lang="en-US" altLang="ko-KR" sz="1000"/>
+              <a:t>Dest IP :  Tunneling Server IP</a:t>
+            </a:r>
+          </a:p>
+          <a:p>
+            <a:endParaRPr lang="ko-KR" altLang="en-US" sz="1000"/>
+          </a:p>
+        </p:txBody>
+      </p:sp>
+      <p:sp>
+        <p:nvSpPr>
+          <p:cNvPr id="12" name="직사각형 11">
+            <a:extLst>
+              <a:ext uri="{FF2B5EF4-FFF2-40B4-BE49-F238E27FC236}">
+                <a16:creationId xmlns="" xmlns:a16="http://schemas.microsoft.com/office/drawing/2014/main" id="{24143523-8FF2-436C-A862-8D8E26E6269B}"/>
+              </a:ext>
+            </a:extLst>
+          </p:cNvPr>
+          <p:cNvSpPr/>
+          <p:nvPr/>
+        </p:nvSpPr>
+        <p:spPr>
+          <a:xfrm>
+            <a:off x="1439501" y="5187636"/>
+            <a:ext cx="9596673" cy="1339913"/>
+          </a:xfrm>
+          <a:prstGeom prst="rect">
+            <a:avLst/>
+          </a:prstGeom>
+          <a:solidFill>
+            <a:schemeClr val="tx1">
+              <a:alpha val="50000"/>
+            </a:schemeClr>
+          </a:solidFill>
+        </p:spPr>
+        <p:style>
+          <a:lnRef idx="2">
+            <a:schemeClr val="accent1">
+              <a:shade val="50000"/>
+            </a:schemeClr>
+          </a:lnRef>
+          <a:fillRef idx="1">
+            <a:schemeClr val="accent1"/>
+          </a:fillRef>
+          <a:effectRef idx="0">
+            <a:schemeClr val="accent1"/>
+          </a:effectRef>
+          <a:fontRef idx="minor">
+            <a:schemeClr val="lt1"/>
+          </a:fontRef>
+        </p:style>
+        <p:txBody>
+          <a:bodyPr rtlCol="0" anchor="ctr"/>
+          <a:lstStyle/>
+          <a:p>
+            <a:pPr algn="ctr"/>
+            <a:r>
+              <a:rPr lang="ko-KR" altLang="en-US" dirty="0" smtClean="0"/>
+              <a:t>와이파이는 </a:t>
+            </a:r>
+            <a:r>
+              <a:rPr lang="ko-KR" altLang="en-US" dirty="0"/>
+              <a:t>실제로 서비스</a:t>
+            </a:r>
+            <a:r>
+              <a:rPr lang="en-US" altLang="ko-KR" dirty="0"/>
+              <a:t>(</a:t>
+            </a:r>
+            <a:r>
+              <a:rPr lang="en-US" altLang="ko-KR" dirty="0" err="1"/>
+              <a:t>Youtube</a:t>
+            </a:r>
+            <a:r>
+              <a:rPr lang="en-US" altLang="ko-KR" dirty="0"/>
+              <a:t>, </a:t>
+            </a:r>
+            <a:r>
+              <a:rPr lang="en-US" altLang="ko-KR" dirty="0" err="1"/>
+              <a:t>Naver</a:t>
+            </a:r>
+            <a:r>
+              <a:rPr lang="en-US" altLang="ko-KR" dirty="0"/>
+              <a:t> </a:t>
+            </a:r>
+            <a:r>
+              <a:rPr lang="ko-KR" altLang="en-US" dirty="0"/>
+              <a:t>등</a:t>
+            </a:r>
+            <a:r>
+              <a:rPr lang="en-US" altLang="ko-KR" dirty="0"/>
+              <a:t>)</a:t>
+            </a:r>
+            <a:r>
+              <a:rPr lang="ko-KR" altLang="en-US" dirty="0"/>
+              <a:t>과 직접 통신을 하는 것 같지만 실제로는 </a:t>
+            </a:r>
+            <a:r>
+              <a:rPr lang="en-US" altLang="ko-KR" dirty="0"/>
+              <a:t>Tunneling Server</a:t>
+            </a:r>
+            <a:r>
+              <a:rPr lang="ko-KR" altLang="en-US" dirty="0"/>
+              <a:t>와 통신을 하고 있고</a:t>
+            </a:r>
+            <a:r>
+              <a:rPr lang="en-US" altLang="ko-KR" dirty="0"/>
+              <a:t>, </a:t>
+            </a:r>
+            <a:r>
+              <a:rPr lang="ko-KR" altLang="en-US" dirty="0"/>
+              <a:t>통신사는 </a:t>
+            </a:r>
+            <a:r>
+              <a:rPr lang="en-US" altLang="ko-KR" dirty="0" smtClean="0"/>
+              <a:t>Server</a:t>
+            </a:r>
+            <a:r>
+              <a:rPr lang="ko-KR" altLang="en-US" dirty="0" smtClean="0"/>
+              <a:t>와 </a:t>
+            </a:r>
+            <a:r>
+              <a:rPr lang="ko-KR" altLang="en-US" dirty="0"/>
+              <a:t>통신하는 패킷의 </a:t>
+            </a:r>
+            <a:r>
+              <a:rPr lang="ko-KR" altLang="en-US" dirty="0" smtClean="0"/>
+              <a:t>내용</a:t>
+            </a:r>
+            <a:r>
+              <a:rPr lang="en-US" altLang="ko-KR" dirty="0" smtClean="0"/>
+              <a:t>(Modified Packet)</a:t>
+            </a:r>
+            <a:r>
+              <a:rPr lang="ko-KR" altLang="en-US" dirty="0" smtClean="0"/>
+              <a:t>으로 차감을 </a:t>
+            </a:r>
+            <a:r>
+              <a:rPr lang="ko-KR" altLang="en-US" dirty="0"/>
+              <a:t>하기 때문에 </a:t>
+            </a:r>
+            <a:r>
+              <a:rPr lang="ko-KR" altLang="en-US" dirty="0" smtClean="0"/>
+              <a:t>차감 </a:t>
+            </a:r>
+            <a:r>
+              <a:rPr lang="ko-KR" altLang="en-US" dirty="0"/>
+              <a:t>정책의 취약점을 이용해 데이터를 </a:t>
+            </a:r>
+            <a:r>
+              <a:rPr lang="ko-KR" altLang="en-US" dirty="0" smtClean="0"/>
+              <a:t>차감 </a:t>
+            </a:r>
+            <a:r>
+              <a:rPr lang="ko-KR" altLang="en-US" dirty="0"/>
+              <a:t>없이 사용 가능</a:t>
+            </a:r>
+          </a:p>
+        </p:txBody>
+      </p:sp>
     </p:spTree>
     <p:extLst>
       <p:ext uri="{BB962C8B-B14F-4D97-AF65-F5344CB8AC3E}">
-        <p14:creationId xmlns:p14="http://schemas.microsoft.com/office/powerpoint/2010/main" val="1661668448"/>
+        <p14:creationId xmlns:p14="http://schemas.microsoft.com/office/powerpoint/2010/main" val="3693680707"/>
       </p:ext>
     </p:extLst>
   </p:cSld>
@@ -20081,206 +20592,7 @@
       </p:grpSpPr>
       <p:sp>
         <p:nvSpPr>
-          <p:cNvPr id="3" name="직사각형 2"/>
-          <p:cNvSpPr/>
-          <p:nvPr/>
-        </p:nvSpPr>
-        <p:spPr>
-          <a:xfrm>
-            <a:off x="0" y="1362807"/>
-            <a:ext cx="12192000" cy="79131"/>
-          </a:xfrm>
-          <a:prstGeom prst="rect">
-            <a:avLst/>
-          </a:prstGeom>
-          <a:blipFill>
-            <a:blip r:embed="rId3" cstate="print"/>
-            <a:tile tx="0" ty="0" sx="100000" sy="100000" flip="none" algn="tl"/>
-          </a:blipFill>
-          <a:ln>
-            <a:noFill/>
-          </a:ln>
-        </p:spPr>
-        <p:style>
-          <a:lnRef idx="2">
-            <a:schemeClr val="accent3">
-              <a:shade val="50000"/>
-            </a:schemeClr>
-          </a:lnRef>
-          <a:fillRef idx="1">
-            <a:schemeClr val="accent3"/>
-          </a:fillRef>
-          <a:effectRef idx="0">
-            <a:schemeClr val="accent3"/>
-          </a:effectRef>
-          <a:fontRef idx="minor">
-            <a:schemeClr val="lt1"/>
-          </a:fontRef>
-        </p:style>
-        <p:txBody>
-          <a:bodyPr rtlCol="0" anchor="ctr"/>
-          <a:lstStyle/>
-          <a:p>
-            <a:pPr algn="ctr"/>
-            <a:endParaRPr lang="ko-KR" altLang="en-US">
-              <a:latin typeface="함초롬돋움" panose="02030504000101010101" pitchFamily="18" charset="-127"/>
-              <a:ea typeface="함초롬돋움" panose="02030504000101010101" pitchFamily="18" charset="-127"/>
-              <a:cs typeface="함초롬돋움" panose="02030504000101010101" pitchFamily="18" charset="-127"/>
-            </a:endParaRPr>
-          </a:p>
-        </p:txBody>
-      </p:sp>
-      <p:sp>
-        <p:nvSpPr>
-          <p:cNvPr id="4" name="직사각형 3"/>
-          <p:cNvSpPr/>
-          <p:nvPr/>
-        </p:nvSpPr>
-        <p:spPr>
-          <a:xfrm>
-            <a:off x="0" y="1441938"/>
-            <a:ext cx="12192000" cy="79131"/>
-          </a:xfrm>
-          <a:prstGeom prst="rect">
-            <a:avLst/>
-          </a:prstGeom>
-          <a:blipFill>
-            <a:blip r:embed="rId4" cstate="print"/>
-            <a:tile tx="0" ty="0" sx="100000" sy="100000" flip="none" algn="tl"/>
-          </a:blipFill>
-          <a:ln>
-            <a:noFill/>
-          </a:ln>
-        </p:spPr>
-        <p:style>
-          <a:lnRef idx="2">
-            <a:schemeClr val="accent3">
-              <a:shade val="50000"/>
-            </a:schemeClr>
-          </a:lnRef>
-          <a:fillRef idx="1">
-            <a:schemeClr val="accent3"/>
-          </a:fillRef>
-          <a:effectRef idx="0">
-            <a:schemeClr val="accent3"/>
-          </a:effectRef>
-          <a:fontRef idx="minor">
-            <a:schemeClr val="lt1"/>
-          </a:fontRef>
-        </p:style>
-        <p:txBody>
-          <a:bodyPr rtlCol="0" anchor="ctr"/>
-          <a:lstStyle/>
-          <a:p>
-            <a:pPr algn="ctr"/>
-            <a:endParaRPr lang="ko-KR" altLang="en-US">
-              <a:latin typeface="함초롬돋움" panose="02030504000101010101" pitchFamily="18" charset="-127"/>
-              <a:ea typeface="함초롬돋움" panose="02030504000101010101" pitchFamily="18" charset="-127"/>
-              <a:cs typeface="함초롬돋움" panose="02030504000101010101" pitchFamily="18" charset="-127"/>
-            </a:endParaRPr>
-          </a:p>
-        </p:txBody>
-      </p:sp>
-      <p:pic>
-        <p:nvPicPr>
-          <p:cNvPr id="5" name="Picture 3"/>
-          <p:cNvPicPr>
-            <a:picLocks noChangeAspect="1" noChangeArrowheads="1"/>
-          </p:cNvPicPr>
-          <p:nvPr/>
-        </p:nvPicPr>
-        <p:blipFill>
-          <a:blip r:embed="rId5" cstate="print">
-            <a:extLst>
-              <a:ext uri="{28A0092B-C50C-407E-A947-70E740481C1C}">
-                <a14:useLocalDpi xmlns:a14="http://schemas.microsoft.com/office/drawing/2010/main" val="0"/>
-              </a:ext>
-            </a:extLst>
-          </a:blip>
-          <a:srcRect/>
-          <a:stretch>
-            <a:fillRect/>
-          </a:stretch>
-        </p:blipFill>
-        <p:spPr bwMode="auto">
-          <a:xfrm>
-            <a:off x="-7937" y="-30769"/>
-            <a:ext cx="12199938" cy="1403956"/>
-          </a:xfrm>
-          <a:prstGeom prst="rect">
-            <a:avLst/>
-          </a:prstGeom>
-          <a:noFill/>
-          <a:ln>
-            <a:noFill/>
-          </a:ln>
-          <a:extLst>
-            <a:ext uri="{909E8E84-426E-40DD-AFC4-6F175D3DCCD1}">
-              <a14:hiddenFill xmlns:a14="http://schemas.microsoft.com/office/drawing/2010/main">
-                <a:solidFill>
-                  <a:srgbClr val="FFFFFF"/>
-                </a:solidFill>
-              </a14:hiddenFill>
-            </a:ext>
-            <a:ext uri="{91240B29-F687-4F45-9708-019B960494DF}">
-              <a14:hiddenLine xmlns:a14="http://schemas.microsoft.com/office/drawing/2010/main" w="12700" algn="ctr">
-                <a:solidFill>
-                  <a:srgbClr val="000000"/>
-                </a:solidFill>
-                <a:miter lim="800000"/>
-                <a:headEnd/>
-                <a:tailEnd/>
-              </a14:hiddenLine>
-            </a:ext>
-          </a:extLst>
-        </p:spPr>
-      </p:pic>
-      <p:sp>
-        <p:nvSpPr>
-          <p:cNvPr id="6" name="Line 4"/>
-          <p:cNvSpPr>
-            <a:spLocks noChangeShapeType="1"/>
-          </p:cNvSpPr>
-          <p:nvPr/>
-        </p:nvSpPr>
-        <p:spPr bwMode="auto">
-          <a:xfrm>
-            <a:off x="2583180" y="1611102"/>
-            <a:ext cx="7431088" cy="0"/>
-          </a:xfrm>
-          <a:prstGeom prst="line">
-            <a:avLst/>
-          </a:prstGeom>
-          <a:noFill/>
-          <a:ln w="12700">
-            <a:solidFill>
-              <a:schemeClr val="bg2"/>
-            </a:solidFill>
-            <a:round/>
-            <a:headEnd/>
-            <a:tailEnd type="oval" w="lg" len="lg"/>
-          </a:ln>
-          <a:effectLst/>
-          <a:extLst/>
-        </p:spPr>
-        <p:txBody>
-          <a:bodyPr anchor="ctr"/>
-          <a:lstStyle/>
-          <a:p>
-            <a:pPr>
-              <a:defRPr/>
-            </a:pPr>
-            <a:endParaRPr lang="ko-KR" altLang="en-US">
-              <a:latin typeface="함초롬돋움" panose="02030504000101010101" pitchFamily="18" charset="-127"/>
-              <a:ea typeface="함초롬돋움" panose="02030504000101010101" pitchFamily="18" charset="-127"/>
-              <a:cs typeface="함초롬돋움" panose="02030504000101010101" pitchFamily="18" charset="-127"/>
-            </a:endParaRPr>
-          </a:p>
-        </p:txBody>
-      </p:sp>
-      <p:sp>
-        <p:nvSpPr>
-          <p:cNvPr id="7" name="Rectangle 6"/>
+          <p:cNvPr id="2" name="Rectangle 6"/>
           <p:cNvSpPr>
             <a:spLocks noChangeArrowheads="1"/>
           </p:cNvSpPr>
@@ -20288,8 +20600,8 @@
         </p:nvSpPr>
         <p:spPr bwMode="auto">
           <a:xfrm>
-            <a:off x="-7938" y="518160"/>
-            <a:ext cx="1952626" cy="604203"/>
+            <a:off x="0" y="1493519"/>
+            <a:ext cx="12192000" cy="3855721"/>
           </a:xfrm>
           <a:prstGeom prst="rect">
             <a:avLst/>
@@ -20298,6 +20610,7 @@
             <a:schemeClr val="tx1">
               <a:lumMod val="65000"/>
               <a:lumOff val="35000"/>
+              <a:alpha val="70000"/>
             </a:schemeClr>
           </a:solidFill>
           <a:ln>
@@ -20334,7 +20647,7 @@
       </p:sp>
       <p:sp>
         <p:nvSpPr>
-          <p:cNvPr id="8" name="Text Box 7"/>
+          <p:cNvPr id="3" name="Text Box 7"/>
           <p:cNvSpPr txBox="1">
             <a:spLocks noChangeArrowheads="1"/>
           </p:cNvSpPr>
@@ -20342,8 +20655,8 @@
         </p:nvSpPr>
         <p:spPr bwMode="auto">
           <a:xfrm>
-            <a:off x="1369476" y="548640"/>
-            <a:ext cx="2467342" cy="584775"/>
+            <a:off x="3990295" y="3128991"/>
+            <a:ext cx="4103503" cy="584775"/>
           </a:xfrm>
           <a:prstGeom prst="rect">
             <a:avLst/>
@@ -20356,7 +20669,7 @@
           <a:extLst/>
         </p:spPr>
         <p:txBody>
-          <a:bodyPr wrap="none">
+          <a:bodyPr wrap="square">
             <a:spAutoFit/>
           </a:bodyPr>
           <a:lstStyle>
@@ -20527,7 +20840,7 @@
             </a:lvl9pPr>
           </a:lstStyle>
           <a:p>
-            <a:pPr latinLnBrk="0">
+            <a:pPr algn="ctr" latinLnBrk="0">
               <a:lnSpc>
                 <a:spcPct val="100000"/>
               </a:lnSpc>
@@ -20539,71 +20852,26 @@
               <a:defRPr/>
             </a:pPr>
             <a:r>
-              <a:rPr lang="en-US" altLang="ko-KR" sz="3200" b="1" dirty="0" smtClean="0">
+              <a:rPr lang="ko-KR" altLang="en-US" sz="3200">
                 <a:solidFill>
                   <a:schemeClr val="bg1"/>
-                </a:solidFill>
-                <a:latin typeface="HY견고딕" panose="02030600000101010101" pitchFamily="18" charset="-127"/>
-                <a:ea typeface="HY견고딕" panose="02030600000101010101" pitchFamily="18" charset="-127"/>
-              </a:rPr>
-              <a:t>4.</a:t>
-            </a:r>
-            <a:r>
-              <a:rPr lang="en-US" altLang="ko-KR" sz="3200" b="1" dirty="0" smtClean="0">
-                <a:latin typeface="HY견고딕" panose="02030600000101010101" pitchFamily="18" charset="-127"/>
-                <a:ea typeface="HY견고딕" panose="02030600000101010101" pitchFamily="18" charset="-127"/>
-              </a:rPr>
-              <a:t> </a:t>
-            </a:r>
-            <a:r>
-              <a:rPr lang="ko-KR" altLang="en-US" sz="3200" b="1" dirty="0">
-                <a:solidFill>
-                  <a:schemeClr val="bg1">
-                    <a:lumMod val="50000"/>
-                  </a:schemeClr>
                 </a:solidFill>
                 <a:latin typeface="HY견고딕" panose="02030600000101010101" pitchFamily="18" charset="-127"/>
                 <a:ea typeface="HY견고딕" panose="02030600000101010101" pitchFamily="18" charset="-127"/>
               </a:rPr>
               <a:t>시연 영상</a:t>
             </a:r>
-            <a:endParaRPr lang="en-US" altLang="ko-KR" sz="3200" b="1" dirty="0">
+            <a:endParaRPr lang="en-US" altLang="ko-KR" sz="3200" dirty="0">
               <a:latin typeface="HY견고딕" panose="02030600000101010101" pitchFamily="18" charset="-127"/>
               <a:ea typeface="HY견고딕" panose="02030600000101010101" pitchFamily="18" charset="-127"/>
             </a:endParaRPr>
           </a:p>
         </p:txBody>
       </p:sp>
-      <p:pic>
-        <p:nvPicPr>
-          <p:cNvPr id="2" name="SCGMB-ftdCM"/>
-          <p:cNvPicPr>
-            <a:picLocks noRot="1" noChangeAspect="1"/>
-          </p:cNvPicPr>
-          <p:nvPr>
-            <a:videoFile r:link="rId1"/>
-          </p:nvPr>
-        </p:nvPicPr>
-        <p:blipFill>
-          <a:blip r:embed="rId6"/>
-          <a:stretch>
-            <a:fillRect/>
-          </a:stretch>
-        </p:blipFill>
-        <p:spPr>
-          <a:xfrm>
-            <a:off x="2821605" y="1928728"/>
-            <a:ext cx="6540853" cy="3679230"/>
-          </a:xfrm>
-          <a:prstGeom prst="rect">
-            <a:avLst/>
-          </a:prstGeom>
-        </p:spPr>
-      </p:pic>
     </p:spTree>
     <p:extLst>
       <p:ext uri="{BB962C8B-B14F-4D97-AF65-F5344CB8AC3E}">
-        <p14:creationId xmlns:p14="http://schemas.microsoft.com/office/powerpoint/2010/main" val="3328204749"/>
+        <p14:creationId xmlns:p14="http://schemas.microsoft.com/office/powerpoint/2010/main" val="1661668448"/>
       </p:ext>
     </p:extLst>
   </p:cSld>
@@ -20651,7 +20919,206 @@
       </p:grpSpPr>
       <p:sp>
         <p:nvSpPr>
-          <p:cNvPr id="2" name="Rectangle 6"/>
+          <p:cNvPr id="3" name="직사각형 2"/>
+          <p:cNvSpPr/>
+          <p:nvPr/>
+        </p:nvSpPr>
+        <p:spPr>
+          <a:xfrm>
+            <a:off x="0" y="1362807"/>
+            <a:ext cx="12192000" cy="79131"/>
+          </a:xfrm>
+          <a:prstGeom prst="rect">
+            <a:avLst/>
+          </a:prstGeom>
+          <a:blipFill>
+            <a:blip r:embed="rId3" cstate="print"/>
+            <a:tile tx="0" ty="0" sx="100000" sy="100000" flip="none" algn="tl"/>
+          </a:blipFill>
+          <a:ln>
+            <a:noFill/>
+          </a:ln>
+        </p:spPr>
+        <p:style>
+          <a:lnRef idx="2">
+            <a:schemeClr val="accent3">
+              <a:shade val="50000"/>
+            </a:schemeClr>
+          </a:lnRef>
+          <a:fillRef idx="1">
+            <a:schemeClr val="accent3"/>
+          </a:fillRef>
+          <a:effectRef idx="0">
+            <a:schemeClr val="accent3"/>
+          </a:effectRef>
+          <a:fontRef idx="minor">
+            <a:schemeClr val="lt1"/>
+          </a:fontRef>
+        </p:style>
+        <p:txBody>
+          <a:bodyPr rtlCol="0" anchor="ctr"/>
+          <a:lstStyle/>
+          <a:p>
+            <a:pPr algn="ctr"/>
+            <a:endParaRPr lang="ko-KR" altLang="en-US">
+              <a:latin typeface="함초롬돋움" panose="02030504000101010101" pitchFamily="18" charset="-127"/>
+              <a:ea typeface="함초롬돋움" panose="02030504000101010101" pitchFamily="18" charset="-127"/>
+              <a:cs typeface="함초롬돋움" panose="02030504000101010101" pitchFamily="18" charset="-127"/>
+            </a:endParaRPr>
+          </a:p>
+        </p:txBody>
+      </p:sp>
+      <p:sp>
+        <p:nvSpPr>
+          <p:cNvPr id="4" name="직사각형 3"/>
+          <p:cNvSpPr/>
+          <p:nvPr/>
+        </p:nvSpPr>
+        <p:spPr>
+          <a:xfrm>
+            <a:off x="0" y="1441938"/>
+            <a:ext cx="12192000" cy="79131"/>
+          </a:xfrm>
+          <a:prstGeom prst="rect">
+            <a:avLst/>
+          </a:prstGeom>
+          <a:blipFill>
+            <a:blip r:embed="rId4" cstate="print"/>
+            <a:tile tx="0" ty="0" sx="100000" sy="100000" flip="none" algn="tl"/>
+          </a:blipFill>
+          <a:ln>
+            <a:noFill/>
+          </a:ln>
+        </p:spPr>
+        <p:style>
+          <a:lnRef idx="2">
+            <a:schemeClr val="accent3">
+              <a:shade val="50000"/>
+            </a:schemeClr>
+          </a:lnRef>
+          <a:fillRef idx="1">
+            <a:schemeClr val="accent3"/>
+          </a:fillRef>
+          <a:effectRef idx="0">
+            <a:schemeClr val="accent3"/>
+          </a:effectRef>
+          <a:fontRef idx="minor">
+            <a:schemeClr val="lt1"/>
+          </a:fontRef>
+        </p:style>
+        <p:txBody>
+          <a:bodyPr rtlCol="0" anchor="ctr"/>
+          <a:lstStyle/>
+          <a:p>
+            <a:pPr algn="ctr"/>
+            <a:endParaRPr lang="ko-KR" altLang="en-US">
+              <a:latin typeface="함초롬돋움" panose="02030504000101010101" pitchFamily="18" charset="-127"/>
+              <a:ea typeface="함초롬돋움" panose="02030504000101010101" pitchFamily="18" charset="-127"/>
+              <a:cs typeface="함초롬돋움" panose="02030504000101010101" pitchFamily="18" charset="-127"/>
+            </a:endParaRPr>
+          </a:p>
+        </p:txBody>
+      </p:sp>
+      <p:pic>
+        <p:nvPicPr>
+          <p:cNvPr id="5" name="Picture 3"/>
+          <p:cNvPicPr>
+            <a:picLocks noChangeAspect="1" noChangeArrowheads="1"/>
+          </p:cNvPicPr>
+          <p:nvPr/>
+        </p:nvPicPr>
+        <p:blipFill>
+          <a:blip r:embed="rId5" cstate="print">
+            <a:extLst>
+              <a:ext uri="{28A0092B-C50C-407E-A947-70E740481C1C}">
+                <a14:useLocalDpi xmlns:a14="http://schemas.microsoft.com/office/drawing/2010/main" val="0"/>
+              </a:ext>
+            </a:extLst>
+          </a:blip>
+          <a:srcRect/>
+          <a:stretch>
+            <a:fillRect/>
+          </a:stretch>
+        </p:blipFill>
+        <p:spPr bwMode="auto">
+          <a:xfrm>
+            <a:off x="-7937" y="-30769"/>
+            <a:ext cx="12199938" cy="1403956"/>
+          </a:xfrm>
+          <a:prstGeom prst="rect">
+            <a:avLst/>
+          </a:prstGeom>
+          <a:noFill/>
+          <a:ln>
+            <a:noFill/>
+          </a:ln>
+          <a:extLst>
+            <a:ext uri="{909E8E84-426E-40DD-AFC4-6F175D3DCCD1}">
+              <a14:hiddenFill xmlns:a14="http://schemas.microsoft.com/office/drawing/2010/main">
+                <a:solidFill>
+                  <a:srgbClr val="FFFFFF"/>
+                </a:solidFill>
+              </a14:hiddenFill>
+            </a:ext>
+            <a:ext uri="{91240B29-F687-4F45-9708-019B960494DF}">
+              <a14:hiddenLine xmlns:a14="http://schemas.microsoft.com/office/drawing/2010/main" w="12700" algn="ctr">
+                <a:solidFill>
+                  <a:srgbClr val="000000"/>
+                </a:solidFill>
+                <a:miter lim="800000"/>
+                <a:headEnd/>
+                <a:tailEnd/>
+              </a14:hiddenLine>
+            </a:ext>
+          </a:extLst>
+        </p:spPr>
+      </p:pic>
+      <p:sp>
+        <p:nvSpPr>
+          <p:cNvPr id="6" name="Line 4"/>
+          <p:cNvSpPr>
+            <a:spLocks noChangeShapeType="1"/>
+          </p:cNvSpPr>
+          <p:nvPr/>
+        </p:nvSpPr>
+        <p:spPr bwMode="auto">
+          <a:xfrm>
+            <a:off x="2583180" y="1611102"/>
+            <a:ext cx="7431088" cy="0"/>
+          </a:xfrm>
+          <a:prstGeom prst="line">
+            <a:avLst/>
+          </a:prstGeom>
+          <a:noFill/>
+          <a:ln w="12700">
+            <a:solidFill>
+              <a:schemeClr val="bg2"/>
+            </a:solidFill>
+            <a:round/>
+            <a:headEnd/>
+            <a:tailEnd type="oval" w="lg" len="lg"/>
+          </a:ln>
+          <a:effectLst/>
+          <a:extLst/>
+        </p:spPr>
+        <p:txBody>
+          <a:bodyPr anchor="ctr"/>
+          <a:lstStyle/>
+          <a:p>
+            <a:pPr>
+              <a:defRPr/>
+            </a:pPr>
+            <a:endParaRPr lang="ko-KR" altLang="en-US">
+              <a:latin typeface="함초롬돋움" panose="02030504000101010101" pitchFamily="18" charset="-127"/>
+              <a:ea typeface="함초롬돋움" panose="02030504000101010101" pitchFamily="18" charset="-127"/>
+              <a:cs typeface="함초롬돋움" panose="02030504000101010101" pitchFamily="18" charset="-127"/>
+            </a:endParaRPr>
+          </a:p>
+        </p:txBody>
+      </p:sp>
+      <p:sp>
+        <p:nvSpPr>
+          <p:cNvPr id="7" name="Rectangle 6"/>
           <p:cNvSpPr>
             <a:spLocks noChangeArrowheads="1"/>
           </p:cNvSpPr>
@@ -20659,8 +21126,8 @@
         </p:nvSpPr>
         <p:spPr bwMode="auto">
           <a:xfrm>
-            <a:off x="0" y="1493519"/>
-            <a:ext cx="12192000" cy="3855721"/>
+            <a:off x="-7938" y="518160"/>
+            <a:ext cx="1952626" cy="604203"/>
           </a:xfrm>
           <a:prstGeom prst="rect">
             <a:avLst/>
@@ -20669,7 +21136,6 @@
             <a:schemeClr val="tx1">
               <a:lumMod val="65000"/>
               <a:lumOff val="35000"/>
-              <a:alpha val="70000"/>
             </a:schemeClr>
           </a:solidFill>
           <a:ln>
@@ -20706,7 +21172,7 @@
       </p:sp>
       <p:sp>
         <p:nvSpPr>
-          <p:cNvPr id="3" name="Text Box 7"/>
+          <p:cNvPr id="8" name="Text Box 7"/>
           <p:cNvSpPr txBox="1">
             <a:spLocks noChangeArrowheads="1"/>
           </p:cNvSpPr>
@@ -20714,8 +21180,8 @@
         </p:nvSpPr>
         <p:spPr bwMode="auto">
           <a:xfrm>
-            <a:off x="3149520" y="3128991"/>
-            <a:ext cx="5892960" cy="584775"/>
+            <a:off x="1369476" y="548640"/>
+            <a:ext cx="2467342" cy="584775"/>
           </a:xfrm>
           <a:prstGeom prst="rect">
             <a:avLst/>
@@ -20911,56 +21377,71 @@
               <a:defRPr/>
             </a:pPr>
             <a:r>
-              <a:rPr lang="ko-KR" altLang="en-US" sz="3200">
+              <a:rPr lang="en-US" altLang="ko-KR" sz="3200" b="1" dirty="0" smtClean="0">
                 <a:solidFill>
                   <a:schemeClr val="bg1"/>
                 </a:solidFill>
                 <a:latin typeface="HY견고딕" panose="02030600000101010101" pitchFamily="18" charset="-127"/>
                 <a:ea typeface="HY견고딕" panose="02030600000101010101" pitchFamily="18" charset="-127"/>
               </a:rPr>
-              <a:t>향후 계획</a:t>
-            </a:r>
-            <a:r>
-              <a:rPr lang="en-US" altLang="ko-KR" sz="3200">
-                <a:solidFill>
-                  <a:schemeClr val="bg1"/>
-                </a:solidFill>
+              <a:t>4.</a:t>
+            </a:r>
+            <a:r>
+              <a:rPr lang="en-US" altLang="ko-KR" sz="3200" b="1" dirty="0" smtClean="0">
                 <a:latin typeface="HY견고딕" panose="02030600000101010101" pitchFamily="18" charset="-127"/>
                 <a:ea typeface="HY견고딕" panose="02030600000101010101" pitchFamily="18" charset="-127"/>
               </a:rPr>
-              <a:t>(</a:t>
-            </a:r>
-            <a:r>
-              <a:rPr lang="ko-KR" altLang="en-US" sz="3200">
-                <a:solidFill>
-                  <a:schemeClr val="bg1"/>
+              <a:t> </a:t>
+            </a:r>
+            <a:r>
+              <a:rPr lang="ko-KR" altLang="en-US" sz="3200" b="1" dirty="0">
+                <a:solidFill>
+                  <a:schemeClr val="bg1">
+                    <a:lumMod val="50000"/>
+                  </a:schemeClr>
                 </a:solidFill>
                 <a:latin typeface="HY견고딕" panose="02030600000101010101" pitchFamily="18" charset="-127"/>
                 <a:ea typeface="HY견고딕" panose="02030600000101010101" pitchFamily="18" charset="-127"/>
               </a:rPr>
-              <a:t>취약점에 대한 패치</a:t>
-            </a:r>
-            <a:r>
-              <a:rPr lang="en-US" altLang="ko-KR" sz="3200">
-                <a:solidFill>
-                  <a:schemeClr val="bg1"/>
-                </a:solidFill>
-                <a:latin typeface="HY견고딕" panose="02030600000101010101" pitchFamily="18" charset="-127"/>
-                <a:ea typeface="HY견고딕" panose="02030600000101010101" pitchFamily="18" charset="-127"/>
-              </a:rPr>
-              <a:t>)</a:t>
-            </a:r>
-            <a:endParaRPr lang="en-US" altLang="ko-KR" sz="3200" dirty="0">
+              <a:t>시연 영상</a:t>
+            </a:r>
+            <a:endParaRPr lang="en-US" altLang="ko-KR" sz="3200" b="1" dirty="0">
               <a:latin typeface="HY견고딕" panose="02030600000101010101" pitchFamily="18" charset="-127"/>
               <a:ea typeface="HY견고딕" panose="02030600000101010101" pitchFamily="18" charset="-127"/>
             </a:endParaRPr>
           </a:p>
         </p:txBody>
       </p:sp>
+      <p:pic>
+        <p:nvPicPr>
+          <p:cNvPr id="2" name="SCGMB-ftdCM"/>
+          <p:cNvPicPr>
+            <a:picLocks noRot="1" noChangeAspect="1"/>
+          </p:cNvPicPr>
+          <p:nvPr>
+            <a:videoFile r:link="rId1"/>
+          </p:nvPr>
+        </p:nvPicPr>
+        <p:blipFill>
+          <a:blip r:embed="rId6"/>
+          <a:stretch>
+            <a:fillRect/>
+          </a:stretch>
+        </p:blipFill>
+        <p:spPr>
+          <a:xfrm>
+            <a:off x="2821605" y="1928728"/>
+            <a:ext cx="6540853" cy="3679230"/>
+          </a:xfrm>
+          <a:prstGeom prst="rect">
+            <a:avLst/>
+          </a:prstGeom>
+        </p:spPr>
+      </p:pic>
     </p:spTree>
     <p:extLst>
       <p:ext uri="{BB962C8B-B14F-4D97-AF65-F5344CB8AC3E}">
-        <p14:creationId xmlns:p14="http://schemas.microsoft.com/office/powerpoint/2010/main" val="836221685"/>
+        <p14:creationId xmlns:p14="http://schemas.microsoft.com/office/powerpoint/2010/main" val="3328204749"/>
       </p:ext>
     </p:extLst>
   </p:cSld>
@@ -21008,206 +21489,7 @@
       </p:grpSpPr>
       <p:sp>
         <p:nvSpPr>
-          <p:cNvPr id="3" name="직사각형 2"/>
-          <p:cNvSpPr/>
-          <p:nvPr/>
-        </p:nvSpPr>
-        <p:spPr>
-          <a:xfrm>
-            <a:off x="0" y="1362807"/>
-            <a:ext cx="12192000" cy="79131"/>
-          </a:xfrm>
-          <a:prstGeom prst="rect">
-            <a:avLst/>
-          </a:prstGeom>
-          <a:blipFill>
-            <a:blip r:embed="rId2" cstate="print"/>
-            <a:tile tx="0" ty="0" sx="100000" sy="100000" flip="none" algn="tl"/>
-          </a:blipFill>
-          <a:ln>
-            <a:noFill/>
-          </a:ln>
-        </p:spPr>
-        <p:style>
-          <a:lnRef idx="2">
-            <a:schemeClr val="accent3">
-              <a:shade val="50000"/>
-            </a:schemeClr>
-          </a:lnRef>
-          <a:fillRef idx="1">
-            <a:schemeClr val="accent3"/>
-          </a:fillRef>
-          <a:effectRef idx="0">
-            <a:schemeClr val="accent3"/>
-          </a:effectRef>
-          <a:fontRef idx="minor">
-            <a:schemeClr val="lt1"/>
-          </a:fontRef>
-        </p:style>
-        <p:txBody>
-          <a:bodyPr rtlCol="0" anchor="ctr"/>
-          <a:lstStyle/>
-          <a:p>
-            <a:pPr algn="ctr"/>
-            <a:endParaRPr lang="ko-KR" altLang="en-US">
-              <a:latin typeface="함초롬돋움" panose="02030504000101010101" pitchFamily="18" charset="-127"/>
-              <a:ea typeface="함초롬돋움" panose="02030504000101010101" pitchFamily="18" charset="-127"/>
-              <a:cs typeface="함초롬돋움" panose="02030504000101010101" pitchFamily="18" charset="-127"/>
-            </a:endParaRPr>
-          </a:p>
-        </p:txBody>
-      </p:sp>
-      <p:sp>
-        <p:nvSpPr>
-          <p:cNvPr id="4" name="직사각형 3"/>
-          <p:cNvSpPr/>
-          <p:nvPr/>
-        </p:nvSpPr>
-        <p:spPr>
-          <a:xfrm>
-            <a:off x="0" y="1441938"/>
-            <a:ext cx="12192000" cy="79131"/>
-          </a:xfrm>
-          <a:prstGeom prst="rect">
-            <a:avLst/>
-          </a:prstGeom>
-          <a:blipFill>
-            <a:blip r:embed="rId3" cstate="print"/>
-            <a:tile tx="0" ty="0" sx="100000" sy="100000" flip="none" algn="tl"/>
-          </a:blipFill>
-          <a:ln>
-            <a:noFill/>
-          </a:ln>
-        </p:spPr>
-        <p:style>
-          <a:lnRef idx="2">
-            <a:schemeClr val="accent3">
-              <a:shade val="50000"/>
-            </a:schemeClr>
-          </a:lnRef>
-          <a:fillRef idx="1">
-            <a:schemeClr val="accent3"/>
-          </a:fillRef>
-          <a:effectRef idx="0">
-            <a:schemeClr val="accent3"/>
-          </a:effectRef>
-          <a:fontRef idx="minor">
-            <a:schemeClr val="lt1"/>
-          </a:fontRef>
-        </p:style>
-        <p:txBody>
-          <a:bodyPr rtlCol="0" anchor="ctr"/>
-          <a:lstStyle/>
-          <a:p>
-            <a:pPr algn="ctr"/>
-            <a:endParaRPr lang="ko-KR" altLang="en-US">
-              <a:latin typeface="함초롬돋움" panose="02030504000101010101" pitchFamily="18" charset="-127"/>
-              <a:ea typeface="함초롬돋움" panose="02030504000101010101" pitchFamily="18" charset="-127"/>
-              <a:cs typeface="함초롬돋움" panose="02030504000101010101" pitchFamily="18" charset="-127"/>
-            </a:endParaRPr>
-          </a:p>
-        </p:txBody>
-      </p:sp>
-      <p:pic>
-        <p:nvPicPr>
-          <p:cNvPr id="5" name="Picture 3"/>
-          <p:cNvPicPr>
-            <a:picLocks noChangeAspect="1" noChangeArrowheads="1"/>
-          </p:cNvPicPr>
-          <p:nvPr/>
-        </p:nvPicPr>
-        <p:blipFill>
-          <a:blip r:embed="rId4" cstate="print">
-            <a:extLst>
-              <a:ext uri="{28A0092B-C50C-407E-A947-70E740481C1C}">
-                <a14:useLocalDpi xmlns:a14="http://schemas.microsoft.com/office/drawing/2010/main" val="0"/>
-              </a:ext>
-            </a:extLst>
-          </a:blip>
-          <a:srcRect/>
-          <a:stretch>
-            <a:fillRect/>
-          </a:stretch>
-        </p:blipFill>
-        <p:spPr bwMode="auto">
-          <a:xfrm>
-            <a:off x="-7937" y="-30769"/>
-            <a:ext cx="12199938" cy="1403956"/>
-          </a:xfrm>
-          <a:prstGeom prst="rect">
-            <a:avLst/>
-          </a:prstGeom>
-          <a:noFill/>
-          <a:ln>
-            <a:noFill/>
-          </a:ln>
-          <a:extLst>
-            <a:ext uri="{909E8E84-426E-40DD-AFC4-6F175D3DCCD1}">
-              <a14:hiddenFill xmlns:a14="http://schemas.microsoft.com/office/drawing/2010/main">
-                <a:solidFill>
-                  <a:srgbClr val="FFFFFF"/>
-                </a:solidFill>
-              </a14:hiddenFill>
-            </a:ext>
-            <a:ext uri="{91240B29-F687-4F45-9708-019B960494DF}">
-              <a14:hiddenLine xmlns:a14="http://schemas.microsoft.com/office/drawing/2010/main" w="12700" algn="ctr">
-                <a:solidFill>
-                  <a:srgbClr val="000000"/>
-                </a:solidFill>
-                <a:miter lim="800000"/>
-                <a:headEnd/>
-                <a:tailEnd/>
-              </a14:hiddenLine>
-            </a:ext>
-          </a:extLst>
-        </p:spPr>
-      </p:pic>
-      <p:sp>
-        <p:nvSpPr>
-          <p:cNvPr id="6" name="Line 4"/>
-          <p:cNvSpPr>
-            <a:spLocks noChangeShapeType="1"/>
-          </p:cNvSpPr>
-          <p:nvPr/>
-        </p:nvSpPr>
-        <p:spPr bwMode="auto">
-          <a:xfrm>
-            <a:off x="2583180" y="1611102"/>
-            <a:ext cx="7431088" cy="0"/>
-          </a:xfrm>
-          <a:prstGeom prst="line">
-            <a:avLst/>
-          </a:prstGeom>
-          <a:noFill/>
-          <a:ln w="12700">
-            <a:solidFill>
-              <a:schemeClr val="bg2"/>
-            </a:solidFill>
-            <a:round/>
-            <a:headEnd/>
-            <a:tailEnd type="oval" w="lg" len="lg"/>
-          </a:ln>
-          <a:effectLst/>
-          <a:extLst/>
-        </p:spPr>
-        <p:txBody>
-          <a:bodyPr anchor="ctr"/>
-          <a:lstStyle/>
-          <a:p>
-            <a:pPr>
-              <a:defRPr/>
-            </a:pPr>
-            <a:endParaRPr lang="ko-KR" altLang="en-US">
-              <a:latin typeface="함초롬돋움" panose="02030504000101010101" pitchFamily="18" charset="-127"/>
-              <a:ea typeface="함초롬돋움" panose="02030504000101010101" pitchFamily="18" charset="-127"/>
-              <a:cs typeface="함초롬돋움" panose="02030504000101010101" pitchFamily="18" charset="-127"/>
-            </a:endParaRPr>
-          </a:p>
-        </p:txBody>
-      </p:sp>
-      <p:sp>
-        <p:nvSpPr>
-          <p:cNvPr id="7" name="Rectangle 6"/>
+          <p:cNvPr id="2" name="Rectangle 6"/>
           <p:cNvSpPr>
             <a:spLocks noChangeArrowheads="1"/>
           </p:cNvSpPr>
@@ -21215,8 +21497,8 @@
         </p:nvSpPr>
         <p:spPr bwMode="auto">
           <a:xfrm>
-            <a:off x="-7938" y="518160"/>
-            <a:ext cx="1952626" cy="604203"/>
+            <a:off x="0" y="1493519"/>
+            <a:ext cx="12192000" cy="3855721"/>
           </a:xfrm>
           <a:prstGeom prst="rect">
             <a:avLst/>
@@ -21225,6 +21507,7 @@
             <a:schemeClr val="tx1">
               <a:lumMod val="65000"/>
               <a:lumOff val="35000"/>
+              <a:alpha val="70000"/>
             </a:schemeClr>
           </a:solidFill>
           <a:ln>
@@ -21261,7 +21544,7 @@
       </p:sp>
       <p:sp>
         <p:nvSpPr>
-          <p:cNvPr id="8" name="Text Box 7"/>
+          <p:cNvPr id="3" name="Text Box 7"/>
           <p:cNvSpPr txBox="1">
             <a:spLocks noChangeArrowheads="1"/>
           </p:cNvSpPr>
@@ -21269,8 +21552,8 @@
         </p:nvSpPr>
         <p:spPr bwMode="auto">
           <a:xfrm>
-            <a:off x="1369476" y="548640"/>
-            <a:ext cx="2467342" cy="584775"/>
+            <a:off x="3149520" y="3128991"/>
+            <a:ext cx="5892960" cy="584775"/>
           </a:xfrm>
           <a:prstGeom prst="rect">
             <a:avLst/>
@@ -21466,446 +21749,56 @@
               <a:defRPr/>
             </a:pPr>
             <a:r>
-              <a:rPr lang="en-US" altLang="ko-KR" sz="3200" b="1" dirty="0" smtClean="0">
+              <a:rPr lang="ko-KR" altLang="en-US" sz="3200">
                 <a:solidFill>
                   <a:schemeClr val="bg1"/>
-                </a:solidFill>
-                <a:latin typeface="HY견고딕" panose="02030600000101010101" pitchFamily="18" charset="-127"/>
-                <a:ea typeface="HY견고딕" panose="02030600000101010101" pitchFamily="18" charset="-127"/>
-              </a:rPr>
-              <a:t>5.</a:t>
-            </a:r>
-            <a:r>
-              <a:rPr lang="en-US" altLang="ko-KR" sz="3200" b="1" dirty="0" smtClean="0">
-                <a:latin typeface="HY견고딕" panose="02030600000101010101" pitchFamily="18" charset="-127"/>
-                <a:ea typeface="HY견고딕" panose="02030600000101010101" pitchFamily="18" charset="-127"/>
-              </a:rPr>
-              <a:t> </a:t>
-            </a:r>
-            <a:r>
-              <a:rPr lang="ko-KR" altLang="en-US" sz="3200" b="1" dirty="0">
-                <a:solidFill>
-                  <a:schemeClr val="bg1">
-                    <a:lumMod val="50000"/>
-                  </a:schemeClr>
                 </a:solidFill>
                 <a:latin typeface="HY견고딕" panose="02030600000101010101" pitchFamily="18" charset="-127"/>
                 <a:ea typeface="HY견고딕" panose="02030600000101010101" pitchFamily="18" charset="-127"/>
               </a:rPr>
               <a:t>향후 계획</a:t>
             </a:r>
-            <a:endParaRPr lang="en-US" altLang="ko-KR" sz="3200" b="1" dirty="0">
+            <a:r>
+              <a:rPr lang="en-US" altLang="ko-KR" sz="3200">
+                <a:solidFill>
+                  <a:schemeClr val="bg1"/>
+                </a:solidFill>
+                <a:latin typeface="HY견고딕" panose="02030600000101010101" pitchFamily="18" charset="-127"/>
+                <a:ea typeface="HY견고딕" panose="02030600000101010101" pitchFamily="18" charset="-127"/>
+              </a:rPr>
+              <a:t>(</a:t>
+            </a:r>
+            <a:r>
+              <a:rPr lang="ko-KR" altLang="en-US" sz="3200">
+                <a:solidFill>
+                  <a:schemeClr val="bg1"/>
+                </a:solidFill>
+                <a:latin typeface="HY견고딕" panose="02030600000101010101" pitchFamily="18" charset="-127"/>
+                <a:ea typeface="HY견고딕" panose="02030600000101010101" pitchFamily="18" charset="-127"/>
+              </a:rPr>
+              <a:t>취약점에 대한 패치</a:t>
+            </a:r>
+            <a:r>
+              <a:rPr lang="en-US" altLang="ko-KR" sz="3200">
+                <a:solidFill>
+                  <a:schemeClr val="bg1"/>
+                </a:solidFill>
+                <a:latin typeface="HY견고딕" panose="02030600000101010101" pitchFamily="18" charset="-127"/>
+                <a:ea typeface="HY견고딕" panose="02030600000101010101" pitchFamily="18" charset="-127"/>
+              </a:rPr>
+              <a:t>)</a:t>
+            </a:r>
+            <a:endParaRPr lang="en-US" altLang="ko-KR" sz="3200" dirty="0">
               <a:latin typeface="HY견고딕" panose="02030600000101010101" pitchFamily="18" charset="-127"/>
               <a:ea typeface="HY견고딕" panose="02030600000101010101" pitchFamily="18" charset="-127"/>
             </a:endParaRPr>
           </a:p>
         </p:txBody>
       </p:sp>
-      <p:sp>
-        <p:nvSpPr>
-          <p:cNvPr id="2" name="TextBox 1"/>
-          <p:cNvSpPr txBox="1"/>
-          <p:nvPr/>
-        </p:nvSpPr>
-        <p:spPr>
-          <a:xfrm>
-            <a:off x="1179341" y="1611102"/>
-            <a:ext cx="9833317" cy="5078313"/>
-          </a:xfrm>
-          <a:prstGeom prst="rect">
-            <a:avLst/>
-          </a:prstGeom>
-          <a:noFill/>
-        </p:spPr>
-        <p:txBody>
-          <a:bodyPr wrap="square" rtlCol="0">
-            <a:spAutoFit/>
-          </a:bodyPr>
-          <a:lstStyle/>
-          <a:p>
-            <a:pPr marL="742950" lvl="1" indent="-285750">
-              <a:buFont typeface="Wingdings" panose="05000000000000000000" pitchFamily="2" charset="2"/>
-              <a:buChar char="Ø"/>
-            </a:pPr>
-            <a:endParaRPr lang="en-US" altLang="ko-KR" dirty="0"/>
-          </a:p>
-          <a:p>
-            <a:pPr marL="742950" lvl="1" indent="-285750">
-              <a:buFont typeface="Wingdings" panose="05000000000000000000" pitchFamily="2" charset="2"/>
-              <a:buChar char="Ø"/>
-            </a:pPr>
-            <a:endParaRPr lang="en-US" altLang="ko-KR" dirty="0"/>
-          </a:p>
-          <a:p>
-            <a:pPr marL="742950" lvl="1" indent="-285750">
-              <a:buFont typeface="Wingdings" panose="05000000000000000000" pitchFamily="2" charset="2"/>
-              <a:buChar char="Ø"/>
-            </a:pPr>
-            <a:r>
-              <a:rPr lang="ko-KR" altLang="en-US" dirty="0">
-                <a:solidFill>
-                  <a:schemeClr val="tx2"/>
-                </a:solidFill>
-              </a:rPr>
-              <a:t>처음 이 취약점을 접했을 때는 이미 논문으로 발표된 상태</a:t>
-            </a:r>
-            <a:endParaRPr lang="en-US" altLang="ko-KR" dirty="0">
-              <a:solidFill>
-                <a:schemeClr val="tx2"/>
-              </a:solidFill>
-            </a:endParaRPr>
-          </a:p>
-          <a:p>
-            <a:pPr lvl="3"/>
-            <a:r>
-              <a:rPr lang="en-US" altLang="ko-KR" dirty="0">
-                <a:solidFill>
-                  <a:schemeClr val="tx2"/>
-                </a:solidFill>
-              </a:rPr>
-              <a:t>※</a:t>
-            </a:r>
-            <a:r>
-              <a:rPr lang="ko-KR" altLang="en-US" dirty="0">
-                <a:solidFill>
-                  <a:schemeClr val="tx2"/>
-                </a:solidFill>
-              </a:rPr>
-              <a:t>논문 발표일 </a:t>
-            </a:r>
-            <a:r>
-              <a:rPr lang="en-US" altLang="ko-KR" dirty="0">
-                <a:solidFill>
-                  <a:schemeClr val="tx2"/>
-                </a:solidFill>
-              </a:rPr>
-              <a:t>: </a:t>
-            </a:r>
-            <a:r>
-              <a:rPr lang="ko-KR" altLang="en-US" dirty="0">
-                <a:solidFill>
-                  <a:schemeClr val="tx2"/>
-                </a:solidFill>
-              </a:rPr>
-              <a:t> </a:t>
-            </a:r>
-            <a:r>
-              <a:rPr lang="en-US" altLang="ko-KR" dirty="0">
-                <a:solidFill>
-                  <a:schemeClr val="tx2"/>
-                </a:solidFill>
-              </a:rPr>
-              <a:t>2013</a:t>
-            </a:r>
-            <a:r>
-              <a:rPr lang="ko-KR" altLang="en-US">
-                <a:solidFill>
-                  <a:schemeClr val="tx2"/>
-                </a:solidFill>
-              </a:rPr>
-              <a:t>년 </a:t>
-            </a:r>
-            <a:r>
-              <a:rPr lang="en-US" altLang="ko-KR" smtClean="0">
-                <a:solidFill>
-                  <a:schemeClr val="tx2"/>
-                </a:solidFill>
-              </a:rPr>
-              <a:t>KAIST </a:t>
-            </a:r>
-            <a:r>
-              <a:rPr lang="ko-KR" altLang="en-US" smtClean="0">
-                <a:solidFill>
-                  <a:schemeClr val="tx2"/>
-                </a:solidFill>
-              </a:rPr>
-              <a:t>김용대 교수</a:t>
-            </a:r>
-            <a:endParaRPr lang="en-US" altLang="ko-KR" dirty="0">
-              <a:solidFill>
-                <a:schemeClr val="tx2"/>
-              </a:solidFill>
-            </a:endParaRPr>
-          </a:p>
-          <a:p>
-            <a:pPr lvl="3"/>
-            <a:endParaRPr lang="en-US" altLang="ko-KR" dirty="0">
-              <a:solidFill>
-                <a:schemeClr val="tx2"/>
-              </a:solidFill>
-            </a:endParaRPr>
-          </a:p>
-          <a:p>
-            <a:pPr marL="742950" lvl="1" indent="-285750">
-              <a:buFont typeface="Wingdings" panose="05000000000000000000" pitchFamily="2" charset="2"/>
-              <a:buChar char="Ø"/>
-            </a:pPr>
-            <a:r>
-              <a:rPr lang="ko-KR" altLang="en-US" dirty="0">
-                <a:solidFill>
-                  <a:schemeClr val="tx2"/>
-                </a:solidFill>
-              </a:rPr>
-              <a:t>논문을 발표한 교수진</a:t>
-            </a:r>
-            <a:r>
-              <a:rPr lang="en-US" altLang="ko-KR" dirty="0">
-                <a:solidFill>
-                  <a:schemeClr val="tx2"/>
-                </a:solidFill>
-              </a:rPr>
-              <a:t>(</a:t>
-            </a:r>
-            <a:r>
-              <a:rPr lang="ko-KR" altLang="en-US" dirty="0">
-                <a:solidFill>
-                  <a:schemeClr val="tx2"/>
-                </a:solidFill>
-              </a:rPr>
-              <a:t>석</a:t>
-            </a:r>
-            <a:r>
-              <a:rPr lang="en-US" altLang="ko-KR" dirty="0">
-                <a:solidFill>
-                  <a:schemeClr val="tx2"/>
-                </a:solidFill>
-              </a:rPr>
-              <a:t>,</a:t>
-            </a:r>
-            <a:r>
-              <a:rPr lang="ko-KR" altLang="en-US" dirty="0">
-                <a:solidFill>
-                  <a:schemeClr val="tx2"/>
-                </a:solidFill>
-              </a:rPr>
-              <a:t>박사</a:t>
-            </a:r>
-            <a:r>
-              <a:rPr lang="en-US" altLang="ko-KR" dirty="0">
-                <a:solidFill>
-                  <a:schemeClr val="tx2"/>
-                </a:solidFill>
-              </a:rPr>
-              <a:t>)</a:t>
-            </a:r>
-            <a:r>
-              <a:rPr lang="ko-KR" altLang="en-US" dirty="0">
-                <a:solidFill>
-                  <a:schemeClr val="tx2"/>
-                </a:solidFill>
-              </a:rPr>
-              <a:t>들이 이미 해당 취약점에 대한 분석 시스템 및 보안 대책을 제출 </a:t>
-            </a:r>
-            <a:endParaRPr lang="en-US" altLang="ko-KR" dirty="0">
-              <a:solidFill>
-                <a:schemeClr val="tx2"/>
-              </a:solidFill>
-            </a:endParaRPr>
-          </a:p>
-          <a:p>
-            <a:pPr marL="742950" lvl="1" indent="-285750">
-              <a:buFont typeface="Wingdings" panose="05000000000000000000" pitchFamily="2" charset="2"/>
-              <a:buChar char="Ø"/>
-            </a:pPr>
-            <a:endParaRPr lang="en-US" altLang="ko-KR" dirty="0"/>
-          </a:p>
-          <a:p>
-            <a:pPr marL="742950" lvl="1" indent="-285750">
-              <a:buFont typeface="Wingdings" panose="05000000000000000000" pitchFamily="2" charset="2"/>
-              <a:buChar char="Ø"/>
-            </a:pPr>
-            <a:r>
-              <a:rPr lang="ko-KR" altLang="en-US" dirty="0">
-                <a:solidFill>
-                  <a:schemeClr val="tx2"/>
-                </a:solidFill>
-              </a:rPr>
-              <a:t>비용이나 시스템 운영 문제로 인해 </a:t>
-            </a:r>
-            <a:r>
-              <a:rPr lang="ko-KR" altLang="en-US" dirty="0">
-                <a:solidFill>
-                  <a:srgbClr val="FF0000"/>
-                </a:solidFill>
-              </a:rPr>
-              <a:t>사실상 보안 대책 적용이 어려움</a:t>
-            </a:r>
-            <a:endParaRPr lang="en-US" altLang="ko-KR" dirty="0">
-              <a:solidFill>
-                <a:srgbClr val="FF0000"/>
-              </a:solidFill>
-            </a:endParaRPr>
-          </a:p>
-          <a:p>
-            <a:pPr marL="742950" lvl="1" indent="-285750">
-              <a:buFont typeface="Wingdings" panose="05000000000000000000" pitchFamily="2" charset="2"/>
-              <a:buChar char="Ø"/>
-            </a:pPr>
-            <a:endParaRPr lang="en-US" altLang="ko-KR" dirty="0">
-              <a:solidFill>
-                <a:srgbClr val="FF0000"/>
-              </a:solidFill>
-            </a:endParaRPr>
-          </a:p>
-          <a:p>
-            <a:pPr marL="742950" lvl="1" indent="-285750">
-              <a:buFont typeface="Wingdings" panose="05000000000000000000" pitchFamily="2" charset="2"/>
-              <a:buChar char="Ø"/>
-            </a:pPr>
-            <a:r>
-              <a:rPr lang="en-US" altLang="ko-KR" dirty="0">
-                <a:solidFill>
-                  <a:srgbClr val="FF0000"/>
-                </a:solidFill>
-              </a:rPr>
-              <a:t>4</a:t>
-            </a:r>
-            <a:r>
-              <a:rPr lang="ko-KR" altLang="en-US" dirty="0">
-                <a:solidFill>
-                  <a:srgbClr val="FF0000"/>
-                </a:solidFill>
-              </a:rPr>
-              <a:t>년</a:t>
-            </a:r>
-            <a:r>
-              <a:rPr lang="ko-KR" altLang="en-US" dirty="0">
-                <a:solidFill>
-                  <a:schemeClr val="tx2"/>
-                </a:solidFill>
-              </a:rPr>
-              <a:t>이</a:t>
-            </a:r>
-            <a:r>
-              <a:rPr lang="ko-KR" altLang="en-US" dirty="0">
-                <a:solidFill>
-                  <a:srgbClr val="FF0000"/>
-                </a:solidFill>
-              </a:rPr>
-              <a:t> </a:t>
-            </a:r>
-            <a:r>
-              <a:rPr lang="ko-KR" altLang="en-US" dirty="0">
-                <a:solidFill>
-                  <a:schemeClr val="tx2"/>
-                </a:solidFill>
-              </a:rPr>
-              <a:t>지난 지금 </a:t>
-            </a:r>
-            <a:r>
-              <a:rPr lang="ko-KR" altLang="en-US" dirty="0">
-                <a:solidFill>
-                  <a:srgbClr val="FF0000"/>
-                </a:solidFill>
-              </a:rPr>
-              <a:t>여전히 취약점이 존재</a:t>
-            </a:r>
-            <a:r>
-              <a:rPr lang="en-US" altLang="ko-KR" dirty="0">
-                <a:solidFill>
-                  <a:schemeClr val="tx2"/>
-                </a:solidFill>
-              </a:rPr>
-              <a:t>(</a:t>
-            </a:r>
-            <a:r>
-              <a:rPr lang="ko-KR" altLang="en-US" dirty="0">
-                <a:solidFill>
-                  <a:schemeClr val="tx2"/>
-                </a:solidFill>
-              </a:rPr>
-              <a:t>국내에서는 앞으로도 이러한 취약점이 존재 할 것 으로 예상</a:t>
-            </a:r>
-            <a:r>
-              <a:rPr lang="en-US" altLang="ko-KR" dirty="0" smtClean="0">
-                <a:solidFill>
-                  <a:schemeClr val="tx2"/>
-                </a:solidFill>
-              </a:rPr>
-              <a:t>)</a:t>
-            </a:r>
-          </a:p>
-          <a:p>
-            <a:pPr marL="742950" lvl="1" indent="-285750">
-              <a:buFont typeface="Wingdings" panose="05000000000000000000" pitchFamily="2" charset="2"/>
-              <a:buChar char="Ø"/>
-            </a:pPr>
-            <a:endParaRPr lang="en-US" altLang="ko-KR" dirty="0" smtClean="0">
-              <a:solidFill>
-                <a:schemeClr val="tx2"/>
-              </a:solidFill>
-            </a:endParaRPr>
-          </a:p>
-          <a:p>
-            <a:pPr marL="742950" lvl="1" indent="-285750">
-              <a:buFont typeface="Wingdings" panose="05000000000000000000" pitchFamily="2" charset="2"/>
-              <a:buChar char="Ø"/>
-            </a:pPr>
-            <a:r>
-              <a:rPr lang="ko-KR" altLang="en-US" dirty="0" smtClean="0">
-                <a:solidFill>
-                  <a:srgbClr val="FF0000"/>
-                </a:solidFill>
-              </a:rPr>
-              <a:t>취약점 패치를 위해 </a:t>
-            </a:r>
-            <a:r>
-              <a:rPr lang="ko-KR" altLang="en-US" dirty="0" smtClean="0">
-                <a:solidFill>
-                  <a:schemeClr val="tx2"/>
-                </a:solidFill>
-              </a:rPr>
-              <a:t>해당 동영상 및 누구나 공짜로 사용할 수 있는 와이파이 </a:t>
-            </a:r>
-            <a:r>
-              <a:rPr lang="en-US" altLang="ko-KR" dirty="0" smtClean="0">
-                <a:solidFill>
-                  <a:schemeClr val="tx2"/>
-                </a:solidFill>
-              </a:rPr>
-              <a:t>Zone</a:t>
-            </a:r>
-            <a:r>
-              <a:rPr lang="ko-KR" altLang="en-US" dirty="0" smtClean="0">
-                <a:solidFill>
-                  <a:schemeClr val="tx2"/>
-                </a:solidFill>
-              </a:rPr>
-              <a:t>을 만들 수 있다는 점을 홍보 제작하여 </a:t>
-            </a:r>
-            <a:endParaRPr lang="en-US" altLang="ko-KR" dirty="0">
-              <a:solidFill>
-                <a:schemeClr val="tx2"/>
-              </a:solidFill>
-            </a:endParaRPr>
-          </a:p>
-          <a:p>
-            <a:pPr marL="742950" lvl="1" indent="-285750">
-              <a:buFont typeface="Wingdings" panose="05000000000000000000" pitchFamily="2" charset="2"/>
-              <a:buChar char="u"/>
-            </a:pPr>
-            <a:endParaRPr lang="en-US" altLang="ko-KR" dirty="0" smtClean="0"/>
-          </a:p>
-          <a:p>
-            <a:pPr marL="742950" lvl="1" indent="-285750">
-              <a:buFont typeface="Wingdings" panose="05000000000000000000" pitchFamily="2" charset="2"/>
-              <a:buChar char="u"/>
-            </a:pPr>
-            <a:endParaRPr lang="en-US" altLang="ko-KR" dirty="0"/>
-          </a:p>
-          <a:p>
-            <a:pPr marL="742950" lvl="1" indent="-285750">
-              <a:buFont typeface="Wingdings" panose="05000000000000000000" pitchFamily="2" charset="2"/>
-              <a:buChar char="u"/>
-            </a:pPr>
-            <a:endParaRPr lang="en-US" altLang="ko-KR" dirty="0"/>
-          </a:p>
-        </p:txBody>
-      </p:sp>
     </p:spTree>
     <p:extLst>
       <p:ext uri="{BB962C8B-B14F-4D97-AF65-F5344CB8AC3E}">
-        <p14:creationId xmlns:p14="http://schemas.microsoft.com/office/powerpoint/2010/main" val="531529626"/>
+        <p14:creationId xmlns:p14="http://schemas.microsoft.com/office/powerpoint/2010/main" val="836221685"/>
       </p:ext>
     </p:extLst>
   </p:cSld>
@@ -21953,6 +21846,951 @@
       </p:grpSpPr>
       <p:sp>
         <p:nvSpPr>
+          <p:cNvPr id="3" name="직사각형 2"/>
+          <p:cNvSpPr/>
+          <p:nvPr/>
+        </p:nvSpPr>
+        <p:spPr>
+          <a:xfrm>
+            <a:off x="0" y="1362807"/>
+            <a:ext cx="12192000" cy="79131"/>
+          </a:xfrm>
+          <a:prstGeom prst="rect">
+            <a:avLst/>
+          </a:prstGeom>
+          <a:blipFill>
+            <a:blip r:embed="rId2" cstate="print"/>
+            <a:tile tx="0" ty="0" sx="100000" sy="100000" flip="none" algn="tl"/>
+          </a:blipFill>
+          <a:ln>
+            <a:noFill/>
+          </a:ln>
+        </p:spPr>
+        <p:style>
+          <a:lnRef idx="2">
+            <a:schemeClr val="accent3">
+              <a:shade val="50000"/>
+            </a:schemeClr>
+          </a:lnRef>
+          <a:fillRef idx="1">
+            <a:schemeClr val="accent3"/>
+          </a:fillRef>
+          <a:effectRef idx="0">
+            <a:schemeClr val="accent3"/>
+          </a:effectRef>
+          <a:fontRef idx="minor">
+            <a:schemeClr val="lt1"/>
+          </a:fontRef>
+        </p:style>
+        <p:txBody>
+          <a:bodyPr rtlCol="0" anchor="ctr"/>
+          <a:lstStyle/>
+          <a:p>
+            <a:pPr algn="ctr"/>
+            <a:endParaRPr lang="ko-KR" altLang="en-US">
+              <a:latin typeface="함초롬돋움" panose="02030504000101010101" pitchFamily="18" charset="-127"/>
+              <a:ea typeface="함초롬돋움" panose="02030504000101010101" pitchFamily="18" charset="-127"/>
+              <a:cs typeface="함초롬돋움" panose="02030504000101010101" pitchFamily="18" charset="-127"/>
+            </a:endParaRPr>
+          </a:p>
+        </p:txBody>
+      </p:sp>
+      <p:sp>
+        <p:nvSpPr>
+          <p:cNvPr id="4" name="직사각형 3"/>
+          <p:cNvSpPr/>
+          <p:nvPr/>
+        </p:nvSpPr>
+        <p:spPr>
+          <a:xfrm>
+            <a:off x="0" y="1441938"/>
+            <a:ext cx="12192000" cy="79131"/>
+          </a:xfrm>
+          <a:prstGeom prst="rect">
+            <a:avLst/>
+          </a:prstGeom>
+          <a:blipFill>
+            <a:blip r:embed="rId3" cstate="print"/>
+            <a:tile tx="0" ty="0" sx="100000" sy="100000" flip="none" algn="tl"/>
+          </a:blipFill>
+          <a:ln>
+            <a:noFill/>
+          </a:ln>
+        </p:spPr>
+        <p:style>
+          <a:lnRef idx="2">
+            <a:schemeClr val="accent3">
+              <a:shade val="50000"/>
+            </a:schemeClr>
+          </a:lnRef>
+          <a:fillRef idx="1">
+            <a:schemeClr val="accent3"/>
+          </a:fillRef>
+          <a:effectRef idx="0">
+            <a:schemeClr val="accent3"/>
+          </a:effectRef>
+          <a:fontRef idx="minor">
+            <a:schemeClr val="lt1"/>
+          </a:fontRef>
+        </p:style>
+        <p:txBody>
+          <a:bodyPr rtlCol="0" anchor="ctr"/>
+          <a:lstStyle/>
+          <a:p>
+            <a:pPr algn="ctr"/>
+            <a:endParaRPr lang="ko-KR" altLang="en-US">
+              <a:latin typeface="함초롬돋움" panose="02030504000101010101" pitchFamily="18" charset="-127"/>
+              <a:ea typeface="함초롬돋움" panose="02030504000101010101" pitchFamily="18" charset="-127"/>
+              <a:cs typeface="함초롬돋움" panose="02030504000101010101" pitchFamily="18" charset="-127"/>
+            </a:endParaRPr>
+          </a:p>
+        </p:txBody>
+      </p:sp>
+      <p:pic>
+        <p:nvPicPr>
+          <p:cNvPr id="5" name="Picture 3"/>
+          <p:cNvPicPr>
+            <a:picLocks noChangeAspect="1" noChangeArrowheads="1"/>
+          </p:cNvPicPr>
+          <p:nvPr/>
+        </p:nvPicPr>
+        <p:blipFill>
+          <a:blip r:embed="rId4" cstate="print">
+            <a:extLst>
+              <a:ext uri="{28A0092B-C50C-407E-A947-70E740481C1C}">
+                <a14:useLocalDpi xmlns:a14="http://schemas.microsoft.com/office/drawing/2010/main" val="0"/>
+              </a:ext>
+            </a:extLst>
+          </a:blip>
+          <a:srcRect/>
+          <a:stretch>
+            <a:fillRect/>
+          </a:stretch>
+        </p:blipFill>
+        <p:spPr bwMode="auto">
+          <a:xfrm>
+            <a:off x="-7937" y="-30769"/>
+            <a:ext cx="12199938" cy="1403956"/>
+          </a:xfrm>
+          <a:prstGeom prst="rect">
+            <a:avLst/>
+          </a:prstGeom>
+          <a:noFill/>
+          <a:ln>
+            <a:noFill/>
+          </a:ln>
+          <a:extLst>
+            <a:ext uri="{909E8E84-426E-40DD-AFC4-6F175D3DCCD1}">
+              <a14:hiddenFill xmlns:a14="http://schemas.microsoft.com/office/drawing/2010/main">
+                <a:solidFill>
+                  <a:srgbClr val="FFFFFF"/>
+                </a:solidFill>
+              </a14:hiddenFill>
+            </a:ext>
+            <a:ext uri="{91240B29-F687-4F45-9708-019B960494DF}">
+              <a14:hiddenLine xmlns:a14="http://schemas.microsoft.com/office/drawing/2010/main" w="12700" algn="ctr">
+                <a:solidFill>
+                  <a:srgbClr val="000000"/>
+                </a:solidFill>
+                <a:miter lim="800000"/>
+                <a:headEnd/>
+                <a:tailEnd/>
+              </a14:hiddenLine>
+            </a:ext>
+          </a:extLst>
+        </p:spPr>
+      </p:pic>
+      <p:sp>
+        <p:nvSpPr>
+          <p:cNvPr id="6" name="Line 4"/>
+          <p:cNvSpPr>
+            <a:spLocks noChangeShapeType="1"/>
+          </p:cNvSpPr>
+          <p:nvPr/>
+        </p:nvSpPr>
+        <p:spPr bwMode="auto">
+          <a:xfrm>
+            <a:off x="2583180" y="1611102"/>
+            <a:ext cx="7431088" cy="0"/>
+          </a:xfrm>
+          <a:prstGeom prst="line">
+            <a:avLst/>
+          </a:prstGeom>
+          <a:noFill/>
+          <a:ln w="12700">
+            <a:solidFill>
+              <a:schemeClr val="bg2"/>
+            </a:solidFill>
+            <a:round/>
+            <a:headEnd/>
+            <a:tailEnd type="oval" w="lg" len="lg"/>
+          </a:ln>
+          <a:effectLst/>
+          <a:extLst/>
+        </p:spPr>
+        <p:txBody>
+          <a:bodyPr anchor="ctr"/>
+          <a:lstStyle/>
+          <a:p>
+            <a:pPr>
+              <a:defRPr/>
+            </a:pPr>
+            <a:endParaRPr lang="ko-KR" altLang="en-US">
+              <a:latin typeface="함초롬돋움" panose="02030504000101010101" pitchFamily="18" charset="-127"/>
+              <a:ea typeface="함초롬돋움" panose="02030504000101010101" pitchFamily="18" charset="-127"/>
+              <a:cs typeface="함초롬돋움" panose="02030504000101010101" pitchFamily="18" charset="-127"/>
+            </a:endParaRPr>
+          </a:p>
+        </p:txBody>
+      </p:sp>
+      <p:sp>
+        <p:nvSpPr>
+          <p:cNvPr id="7" name="Rectangle 6"/>
+          <p:cNvSpPr>
+            <a:spLocks noChangeArrowheads="1"/>
+          </p:cNvSpPr>
+          <p:nvPr/>
+        </p:nvSpPr>
+        <p:spPr bwMode="auto">
+          <a:xfrm>
+            <a:off x="-7938" y="518160"/>
+            <a:ext cx="1952626" cy="604203"/>
+          </a:xfrm>
+          <a:prstGeom prst="rect">
+            <a:avLst/>
+          </a:prstGeom>
+          <a:solidFill>
+            <a:schemeClr val="tx1">
+              <a:lumMod val="65000"/>
+              <a:lumOff val="35000"/>
+            </a:schemeClr>
+          </a:solidFill>
+          <a:ln>
+            <a:noFill/>
+          </a:ln>
+          <a:effectLst/>
+          <a:extLst/>
+        </p:spPr>
+        <p:txBody>
+          <a:bodyPr wrap="none" anchor="ctr"/>
+          <a:lstStyle/>
+          <a:p>
+            <a:pPr algn="ctr">
+              <a:lnSpc>
+                <a:spcPct val="90000"/>
+              </a:lnSpc>
+              <a:spcBef>
+                <a:spcPct val="30000"/>
+              </a:spcBef>
+              <a:buFont typeface="Wingdings" panose="05000000000000000000" pitchFamily="2" charset="2"/>
+              <a:buNone/>
+              <a:defRPr/>
+            </a:pPr>
+            <a:endParaRPr lang="ko-KR" altLang="ko-KR" b="1">
+              <a:solidFill>
+                <a:schemeClr val="bg1"/>
+              </a:solidFill>
+              <a:latin typeface="+mj-ea"/>
+              <a:ea typeface="+mj-ea"/>
+              <a:cs typeface="Arial" panose="020B0604020202020204" pitchFamily="34" charset="0"/>
+            </a:endParaRPr>
+          </a:p>
+        </p:txBody>
+      </p:sp>
+      <p:sp>
+        <p:nvSpPr>
+          <p:cNvPr id="8" name="Text Box 7"/>
+          <p:cNvSpPr txBox="1">
+            <a:spLocks noChangeArrowheads="1"/>
+          </p:cNvSpPr>
+          <p:nvPr/>
+        </p:nvSpPr>
+        <p:spPr bwMode="auto">
+          <a:xfrm>
+            <a:off x="1369476" y="548640"/>
+            <a:ext cx="2467342" cy="584775"/>
+          </a:xfrm>
+          <a:prstGeom prst="rect">
+            <a:avLst/>
+          </a:prstGeom>
+          <a:noFill/>
+          <a:ln>
+            <a:noFill/>
+          </a:ln>
+          <a:effectLst/>
+          <a:extLst/>
+        </p:spPr>
+        <p:txBody>
+          <a:bodyPr wrap="none">
+            <a:spAutoFit/>
+          </a:bodyPr>
+          <a:lstStyle>
+            <a:lvl1pPr latinLnBrk="1">
+              <a:lnSpc>
+                <a:spcPct val="90000"/>
+              </a:lnSpc>
+              <a:spcBef>
+                <a:spcPts val="1000"/>
+              </a:spcBef>
+              <a:buFont typeface="Arial" panose="020B0604020202020204" pitchFamily="34" charset="0"/>
+              <a:buChar char="•"/>
+              <a:defRPr sz="2800">
+                <a:solidFill>
+                  <a:schemeClr val="tx1"/>
+                </a:solidFill>
+                <a:latin typeface="Calibri" panose="020F0502020204030204" pitchFamily="34" charset="0"/>
+                <a:ea typeface="맑은 고딕" panose="020B0503020000020004" pitchFamily="50" charset="-127"/>
+              </a:defRPr>
+            </a:lvl1pPr>
+            <a:lvl2pPr marL="742950" indent="-285750" latinLnBrk="1">
+              <a:lnSpc>
+                <a:spcPct val="90000"/>
+              </a:lnSpc>
+              <a:spcBef>
+                <a:spcPts val="500"/>
+              </a:spcBef>
+              <a:buFont typeface="Arial" panose="020B0604020202020204" pitchFamily="34" charset="0"/>
+              <a:buChar char="•"/>
+              <a:defRPr sz="2400">
+                <a:solidFill>
+                  <a:schemeClr val="tx1"/>
+                </a:solidFill>
+                <a:latin typeface="Calibri" panose="020F0502020204030204" pitchFamily="34" charset="0"/>
+                <a:ea typeface="맑은 고딕" panose="020B0503020000020004" pitchFamily="50" charset="-127"/>
+              </a:defRPr>
+            </a:lvl2pPr>
+            <a:lvl3pPr marL="1143000" indent="-228600" latinLnBrk="1">
+              <a:lnSpc>
+                <a:spcPct val="90000"/>
+              </a:lnSpc>
+              <a:spcBef>
+                <a:spcPts val="500"/>
+              </a:spcBef>
+              <a:buFont typeface="Arial" panose="020B0604020202020204" pitchFamily="34" charset="0"/>
+              <a:buChar char="•"/>
+              <a:defRPr sz="2000">
+                <a:solidFill>
+                  <a:schemeClr val="tx1"/>
+                </a:solidFill>
+                <a:latin typeface="Calibri" panose="020F0502020204030204" pitchFamily="34" charset="0"/>
+                <a:ea typeface="맑은 고딕" panose="020B0503020000020004" pitchFamily="50" charset="-127"/>
+              </a:defRPr>
+            </a:lvl3pPr>
+            <a:lvl4pPr marL="1600200" indent="-228600" latinLnBrk="1">
+              <a:lnSpc>
+                <a:spcPct val="90000"/>
+              </a:lnSpc>
+              <a:spcBef>
+                <a:spcPts val="500"/>
+              </a:spcBef>
+              <a:buFont typeface="Arial" panose="020B0604020202020204" pitchFamily="34" charset="0"/>
+              <a:buChar char="•"/>
+              <a:defRPr>
+                <a:solidFill>
+                  <a:schemeClr val="tx1"/>
+                </a:solidFill>
+                <a:latin typeface="Calibri" panose="020F0502020204030204" pitchFamily="34" charset="0"/>
+                <a:ea typeface="맑은 고딕" panose="020B0503020000020004" pitchFamily="50" charset="-127"/>
+              </a:defRPr>
+            </a:lvl4pPr>
+            <a:lvl5pPr marL="2057400" indent="-228600" latinLnBrk="1">
+              <a:lnSpc>
+                <a:spcPct val="90000"/>
+              </a:lnSpc>
+              <a:spcBef>
+                <a:spcPts val="500"/>
+              </a:spcBef>
+              <a:buFont typeface="Arial" panose="020B0604020202020204" pitchFamily="34" charset="0"/>
+              <a:buChar char="•"/>
+              <a:defRPr>
+                <a:solidFill>
+                  <a:schemeClr val="tx1"/>
+                </a:solidFill>
+                <a:latin typeface="Calibri" panose="020F0502020204030204" pitchFamily="34" charset="0"/>
+                <a:ea typeface="맑은 고딕" panose="020B0503020000020004" pitchFamily="50" charset="-127"/>
+              </a:defRPr>
+            </a:lvl5pPr>
+            <a:lvl6pPr marL="2514600" indent="-228600" eaLnBrk="0" fontAlgn="base" hangingPunct="0">
+              <a:lnSpc>
+                <a:spcPct val="90000"/>
+              </a:lnSpc>
+              <a:spcBef>
+                <a:spcPts val="500"/>
+              </a:spcBef>
+              <a:spcAft>
+                <a:spcPct val="0"/>
+              </a:spcAft>
+              <a:buFont typeface="Arial" panose="020B0604020202020204" pitchFamily="34" charset="0"/>
+              <a:buChar char="•"/>
+              <a:defRPr>
+                <a:solidFill>
+                  <a:schemeClr val="tx1"/>
+                </a:solidFill>
+                <a:latin typeface="Calibri" panose="020F0502020204030204" pitchFamily="34" charset="0"/>
+                <a:ea typeface="맑은 고딕" panose="020B0503020000020004" pitchFamily="50" charset="-127"/>
+              </a:defRPr>
+            </a:lvl6pPr>
+            <a:lvl7pPr marL="2971800" indent="-228600" eaLnBrk="0" fontAlgn="base" hangingPunct="0">
+              <a:lnSpc>
+                <a:spcPct val="90000"/>
+              </a:lnSpc>
+              <a:spcBef>
+                <a:spcPts val="500"/>
+              </a:spcBef>
+              <a:spcAft>
+                <a:spcPct val="0"/>
+              </a:spcAft>
+              <a:buFont typeface="Arial" panose="020B0604020202020204" pitchFamily="34" charset="0"/>
+              <a:buChar char="•"/>
+              <a:defRPr>
+                <a:solidFill>
+                  <a:schemeClr val="tx1"/>
+                </a:solidFill>
+                <a:latin typeface="Calibri" panose="020F0502020204030204" pitchFamily="34" charset="0"/>
+                <a:ea typeface="맑은 고딕" panose="020B0503020000020004" pitchFamily="50" charset="-127"/>
+              </a:defRPr>
+            </a:lvl7pPr>
+            <a:lvl8pPr marL="3429000" indent="-228600" eaLnBrk="0" fontAlgn="base" hangingPunct="0">
+              <a:lnSpc>
+                <a:spcPct val="90000"/>
+              </a:lnSpc>
+              <a:spcBef>
+                <a:spcPts val="500"/>
+              </a:spcBef>
+              <a:spcAft>
+                <a:spcPct val="0"/>
+              </a:spcAft>
+              <a:buFont typeface="Arial" panose="020B0604020202020204" pitchFamily="34" charset="0"/>
+              <a:buChar char="•"/>
+              <a:defRPr>
+                <a:solidFill>
+                  <a:schemeClr val="tx1"/>
+                </a:solidFill>
+                <a:latin typeface="Calibri" panose="020F0502020204030204" pitchFamily="34" charset="0"/>
+                <a:ea typeface="맑은 고딕" panose="020B0503020000020004" pitchFamily="50" charset="-127"/>
+              </a:defRPr>
+            </a:lvl8pPr>
+            <a:lvl9pPr marL="3886200" indent="-228600" eaLnBrk="0" fontAlgn="base" hangingPunct="0">
+              <a:lnSpc>
+                <a:spcPct val="90000"/>
+              </a:lnSpc>
+              <a:spcBef>
+                <a:spcPts val="500"/>
+              </a:spcBef>
+              <a:spcAft>
+                <a:spcPct val="0"/>
+              </a:spcAft>
+              <a:buFont typeface="Arial" panose="020B0604020202020204" pitchFamily="34" charset="0"/>
+              <a:buChar char="•"/>
+              <a:defRPr>
+                <a:solidFill>
+                  <a:schemeClr val="tx1"/>
+                </a:solidFill>
+                <a:latin typeface="Calibri" panose="020F0502020204030204" pitchFamily="34" charset="0"/>
+                <a:ea typeface="맑은 고딕" panose="020B0503020000020004" pitchFamily="50" charset="-127"/>
+              </a:defRPr>
+            </a:lvl9pPr>
+          </a:lstStyle>
+          <a:p>
+            <a:pPr latinLnBrk="0">
+              <a:lnSpc>
+                <a:spcPct val="100000"/>
+              </a:lnSpc>
+              <a:spcBef>
+                <a:spcPct val="0"/>
+              </a:spcBef>
+              <a:buFontTx/>
+              <a:buNone/>
+              <a:defRPr/>
+            </a:pPr>
+            <a:r>
+              <a:rPr lang="en-US" altLang="ko-KR" sz="3200" b="1" dirty="0" smtClean="0">
+                <a:solidFill>
+                  <a:schemeClr val="bg1"/>
+                </a:solidFill>
+                <a:latin typeface="HY견고딕" panose="02030600000101010101" pitchFamily="18" charset="-127"/>
+                <a:ea typeface="HY견고딕" panose="02030600000101010101" pitchFamily="18" charset="-127"/>
+              </a:rPr>
+              <a:t>5.</a:t>
+            </a:r>
+            <a:r>
+              <a:rPr lang="en-US" altLang="ko-KR" sz="3200" b="1" dirty="0" smtClean="0">
+                <a:latin typeface="HY견고딕" panose="02030600000101010101" pitchFamily="18" charset="-127"/>
+                <a:ea typeface="HY견고딕" panose="02030600000101010101" pitchFamily="18" charset="-127"/>
+              </a:rPr>
+              <a:t> </a:t>
+            </a:r>
+            <a:r>
+              <a:rPr lang="ko-KR" altLang="en-US" sz="3200" b="1" dirty="0">
+                <a:solidFill>
+                  <a:schemeClr val="bg1">
+                    <a:lumMod val="50000"/>
+                  </a:schemeClr>
+                </a:solidFill>
+                <a:latin typeface="HY견고딕" panose="02030600000101010101" pitchFamily="18" charset="-127"/>
+                <a:ea typeface="HY견고딕" panose="02030600000101010101" pitchFamily="18" charset="-127"/>
+              </a:rPr>
+              <a:t>향후 계획</a:t>
+            </a:r>
+            <a:endParaRPr lang="en-US" altLang="ko-KR" sz="3200" b="1" dirty="0">
+              <a:latin typeface="HY견고딕" panose="02030600000101010101" pitchFamily="18" charset="-127"/>
+              <a:ea typeface="HY견고딕" panose="02030600000101010101" pitchFamily="18" charset="-127"/>
+            </a:endParaRPr>
+          </a:p>
+        </p:txBody>
+      </p:sp>
+      <p:sp>
+        <p:nvSpPr>
+          <p:cNvPr id="2" name="TextBox 1"/>
+          <p:cNvSpPr txBox="1"/>
+          <p:nvPr/>
+        </p:nvSpPr>
+        <p:spPr>
+          <a:xfrm>
+            <a:off x="1179341" y="1611102"/>
+            <a:ext cx="9833317" cy="5078313"/>
+          </a:xfrm>
+          <a:prstGeom prst="rect">
+            <a:avLst/>
+          </a:prstGeom>
+          <a:noFill/>
+        </p:spPr>
+        <p:txBody>
+          <a:bodyPr wrap="square" rtlCol="0">
+            <a:spAutoFit/>
+          </a:bodyPr>
+          <a:lstStyle/>
+          <a:p>
+            <a:pPr marL="742950" lvl="1" indent="-285750">
+              <a:buFont typeface="Wingdings" panose="05000000000000000000" pitchFamily="2" charset="2"/>
+              <a:buChar char="Ø"/>
+            </a:pPr>
+            <a:endParaRPr lang="en-US" altLang="ko-KR" dirty="0"/>
+          </a:p>
+          <a:p>
+            <a:pPr marL="742950" lvl="1" indent="-285750">
+              <a:buFont typeface="Wingdings" panose="05000000000000000000" pitchFamily="2" charset="2"/>
+              <a:buChar char="Ø"/>
+            </a:pPr>
+            <a:endParaRPr lang="en-US" altLang="ko-KR" dirty="0"/>
+          </a:p>
+          <a:p>
+            <a:pPr marL="742950" lvl="1" indent="-285750">
+              <a:buFont typeface="Wingdings" panose="05000000000000000000" pitchFamily="2" charset="2"/>
+              <a:buChar char="Ø"/>
+            </a:pPr>
+            <a:r>
+              <a:rPr lang="ko-KR" altLang="en-US" dirty="0">
+                <a:solidFill>
+                  <a:schemeClr val="tx2"/>
+                </a:solidFill>
+              </a:rPr>
+              <a:t>처음 이 취약점을 접했을 때는 이미 논문으로 발표된 상태</a:t>
+            </a:r>
+            <a:endParaRPr lang="en-US" altLang="ko-KR" dirty="0">
+              <a:solidFill>
+                <a:schemeClr val="tx2"/>
+              </a:solidFill>
+            </a:endParaRPr>
+          </a:p>
+          <a:p>
+            <a:pPr lvl="3"/>
+            <a:r>
+              <a:rPr lang="en-US" altLang="ko-KR" dirty="0">
+                <a:solidFill>
+                  <a:schemeClr val="tx2"/>
+                </a:solidFill>
+              </a:rPr>
+              <a:t>※</a:t>
+            </a:r>
+            <a:r>
+              <a:rPr lang="ko-KR" altLang="en-US" dirty="0">
+                <a:solidFill>
+                  <a:schemeClr val="tx2"/>
+                </a:solidFill>
+              </a:rPr>
+              <a:t>논문 발표일 </a:t>
+            </a:r>
+            <a:r>
+              <a:rPr lang="en-US" altLang="ko-KR" dirty="0">
+                <a:solidFill>
+                  <a:schemeClr val="tx2"/>
+                </a:solidFill>
+              </a:rPr>
+              <a:t>: </a:t>
+            </a:r>
+            <a:r>
+              <a:rPr lang="ko-KR" altLang="en-US" dirty="0">
+                <a:solidFill>
+                  <a:schemeClr val="tx2"/>
+                </a:solidFill>
+              </a:rPr>
+              <a:t> </a:t>
+            </a:r>
+            <a:r>
+              <a:rPr lang="en-US" altLang="ko-KR" dirty="0">
+                <a:solidFill>
+                  <a:schemeClr val="tx2"/>
+                </a:solidFill>
+              </a:rPr>
+              <a:t>2013</a:t>
+            </a:r>
+            <a:r>
+              <a:rPr lang="ko-KR" altLang="en-US" dirty="0">
+                <a:solidFill>
+                  <a:schemeClr val="tx2"/>
+                </a:solidFill>
+              </a:rPr>
+              <a:t>년 </a:t>
+            </a:r>
+            <a:r>
+              <a:rPr lang="en-US" altLang="ko-KR" dirty="0" smtClean="0">
+                <a:solidFill>
+                  <a:schemeClr val="tx2"/>
+                </a:solidFill>
+              </a:rPr>
+              <a:t>KAIST </a:t>
+            </a:r>
+            <a:r>
+              <a:rPr lang="ko-KR" altLang="en-US" dirty="0" smtClean="0">
+                <a:solidFill>
+                  <a:schemeClr val="tx2"/>
+                </a:solidFill>
+              </a:rPr>
+              <a:t>김용대 교수</a:t>
+            </a:r>
+            <a:endParaRPr lang="en-US" altLang="ko-KR" dirty="0">
+              <a:solidFill>
+                <a:schemeClr val="tx2"/>
+              </a:solidFill>
+            </a:endParaRPr>
+          </a:p>
+          <a:p>
+            <a:pPr lvl="3"/>
+            <a:endParaRPr lang="en-US" altLang="ko-KR" dirty="0">
+              <a:solidFill>
+                <a:schemeClr val="tx2"/>
+              </a:solidFill>
+            </a:endParaRPr>
+          </a:p>
+          <a:p>
+            <a:pPr marL="742950" lvl="1" indent="-285750">
+              <a:buFont typeface="Wingdings" panose="05000000000000000000" pitchFamily="2" charset="2"/>
+              <a:buChar char="Ø"/>
+            </a:pPr>
+            <a:r>
+              <a:rPr lang="ko-KR" altLang="en-US" dirty="0">
+                <a:solidFill>
+                  <a:schemeClr val="tx2"/>
+                </a:solidFill>
+              </a:rPr>
+              <a:t>논문을 발표한 교수진</a:t>
+            </a:r>
+            <a:r>
+              <a:rPr lang="en-US" altLang="ko-KR" dirty="0">
+                <a:solidFill>
+                  <a:schemeClr val="tx2"/>
+                </a:solidFill>
+              </a:rPr>
+              <a:t>(</a:t>
+            </a:r>
+            <a:r>
+              <a:rPr lang="ko-KR" altLang="en-US" dirty="0">
+                <a:solidFill>
+                  <a:schemeClr val="tx2"/>
+                </a:solidFill>
+              </a:rPr>
+              <a:t>석</a:t>
+            </a:r>
+            <a:r>
+              <a:rPr lang="en-US" altLang="ko-KR" dirty="0">
+                <a:solidFill>
+                  <a:schemeClr val="tx2"/>
+                </a:solidFill>
+              </a:rPr>
+              <a:t>,</a:t>
+            </a:r>
+            <a:r>
+              <a:rPr lang="ko-KR" altLang="en-US" dirty="0">
+                <a:solidFill>
+                  <a:schemeClr val="tx2"/>
+                </a:solidFill>
+              </a:rPr>
+              <a:t>박사</a:t>
+            </a:r>
+            <a:r>
+              <a:rPr lang="en-US" altLang="ko-KR" dirty="0">
+                <a:solidFill>
+                  <a:schemeClr val="tx2"/>
+                </a:solidFill>
+              </a:rPr>
+              <a:t>)</a:t>
+            </a:r>
+            <a:r>
+              <a:rPr lang="ko-KR" altLang="en-US" dirty="0">
+                <a:solidFill>
+                  <a:schemeClr val="tx2"/>
+                </a:solidFill>
+              </a:rPr>
+              <a:t>들이 이미 해당 취약점에 대한 분석 시스템 및 보안 대책을 제출 </a:t>
+            </a:r>
+            <a:endParaRPr lang="en-US" altLang="ko-KR" dirty="0">
+              <a:solidFill>
+                <a:schemeClr val="tx2"/>
+              </a:solidFill>
+            </a:endParaRPr>
+          </a:p>
+          <a:p>
+            <a:pPr marL="742950" lvl="1" indent="-285750">
+              <a:buFont typeface="Wingdings" panose="05000000000000000000" pitchFamily="2" charset="2"/>
+              <a:buChar char="Ø"/>
+            </a:pPr>
+            <a:endParaRPr lang="en-US" altLang="ko-KR" dirty="0"/>
+          </a:p>
+          <a:p>
+            <a:pPr marL="742950" lvl="1" indent="-285750">
+              <a:buFont typeface="Wingdings" panose="05000000000000000000" pitchFamily="2" charset="2"/>
+              <a:buChar char="Ø"/>
+            </a:pPr>
+            <a:r>
+              <a:rPr lang="ko-KR" altLang="en-US" dirty="0">
+                <a:solidFill>
+                  <a:schemeClr val="tx2"/>
+                </a:solidFill>
+              </a:rPr>
+              <a:t>비용이나 시스템 운영 문제로 인해 </a:t>
+            </a:r>
+            <a:r>
+              <a:rPr lang="ko-KR" altLang="en-US" dirty="0">
+                <a:solidFill>
+                  <a:srgbClr val="FF0000"/>
+                </a:solidFill>
+              </a:rPr>
+              <a:t>사실상 보안 대책 적용이 어려움</a:t>
+            </a:r>
+            <a:endParaRPr lang="en-US" altLang="ko-KR" dirty="0">
+              <a:solidFill>
+                <a:srgbClr val="FF0000"/>
+              </a:solidFill>
+            </a:endParaRPr>
+          </a:p>
+          <a:p>
+            <a:pPr marL="742950" lvl="1" indent="-285750">
+              <a:buFont typeface="Wingdings" panose="05000000000000000000" pitchFamily="2" charset="2"/>
+              <a:buChar char="Ø"/>
+            </a:pPr>
+            <a:endParaRPr lang="en-US" altLang="ko-KR" dirty="0">
+              <a:solidFill>
+                <a:srgbClr val="FF0000"/>
+              </a:solidFill>
+            </a:endParaRPr>
+          </a:p>
+          <a:p>
+            <a:pPr marL="742950" lvl="1" indent="-285750">
+              <a:buFont typeface="Wingdings" panose="05000000000000000000" pitchFamily="2" charset="2"/>
+              <a:buChar char="Ø"/>
+            </a:pPr>
+            <a:r>
+              <a:rPr lang="en-US" altLang="ko-KR" dirty="0">
+                <a:solidFill>
+                  <a:srgbClr val="FF0000"/>
+                </a:solidFill>
+              </a:rPr>
+              <a:t>4</a:t>
+            </a:r>
+            <a:r>
+              <a:rPr lang="ko-KR" altLang="en-US" dirty="0">
+                <a:solidFill>
+                  <a:srgbClr val="FF0000"/>
+                </a:solidFill>
+              </a:rPr>
+              <a:t>년</a:t>
+            </a:r>
+            <a:r>
+              <a:rPr lang="ko-KR" altLang="en-US" dirty="0">
+                <a:solidFill>
+                  <a:schemeClr val="tx2"/>
+                </a:solidFill>
+              </a:rPr>
+              <a:t>이</a:t>
+            </a:r>
+            <a:r>
+              <a:rPr lang="ko-KR" altLang="en-US" dirty="0">
+                <a:solidFill>
+                  <a:srgbClr val="FF0000"/>
+                </a:solidFill>
+              </a:rPr>
+              <a:t> </a:t>
+            </a:r>
+            <a:r>
+              <a:rPr lang="ko-KR" altLang="en-US" dirty="0">
+                <a:solidFill>
+                  <a:schemeClr val="tx2"/>
+                </a:solidFill>
+              </a:rPr>
+              <a:t>지난 지금 </a:t>
+            </a:r>
+            <a:r>
+              <a:rPr lang="ko-KR" altLang="en-US" dirty="0">
+                <a:solidFill>
+                  <a:srgbClr val="FF0000"/>
+                </a:solidFill>
+              </a:rPr>
+              <a:t>여전히 취약점이 존재</a:t>
+            </a:r>
+            <a:r>
+              <a:rPr lang="en-US" altLang="ko-KR" dirty="0">
+                <a:solidFill>
+                  <a:schemeClr val="tx2"/>
+                </a:solidFill>
+              </a:rPr>
+              <a:t>(</a:t>
+            </a:r>
+            <a:r>
+              <a:rPr lang="ko-KR" altLang="en-US" dirty="0">
+                <a:solidFill>
+                  <a:schemeClr val="tx2"/>
+                </a:solidFill>
+              </a:rPr>
+              <a:t>국내에서는 앞으로도 이러한 취약점이 존재 할 것 으로 예상</a:t>
+            </a:r>
+            <a:r>
+              <a:rPr lang="en-US" altLang="ko-KR" dirty="0" smtClean="0">
+                <a:solidFill>
+                  <a:schemeClr val="tx2"/>
+                </a:solidFill>
+              </a:rPr>
+              <a:t>)</a:t>
+            </a:r>
+          </a:p>
+          <a:p>
+            <a:pPr marL="742950" lvl="1" indent="-285750">
+              <a:buFont typeface="Wingdings" panose="05000000000000000000" pitchFamily="2" charset="2"/>
+              <a:buChar char="Ø"/>
+            </a:pPr>
+            <a:endParaRPr lang="en-US" altLang="ko-KR" dirty="0" smtClean="0">
+              <a:solidFill>
+                <a:schemeClr val="tx2"/>
+              </a:solidFill>
+            </a:endParaRPr>
+          </a:p>
+          <a:p>
+            <a:pPr marL="742950" lvl="1" indent="-285750">
+              <a:buFont typeface="Wingdings" panose="05000000000000000000" pitchFamily="2" charset="2"/>
+              <a:buChar char="Ø"/>
+            </a:pPr>
+            <a:r>
+              <a:rPr lang="ko-KR" altLang="en-US" dirty="0" smtClean="0">
+                <a:solidFill>
+                  <a:srgbClr val="FF0000"/>
+                </a:solidFill>
+              </a:rPr>
+              <a:t>취약점 패치를 위해 </a:t>
+            </a:r>
+            <a:r>
+              <a:rPr lang="ko-KR" altLang="en-US" dirty="0" smtClean="0">
+                <a:solidFill>
+                  <a:schemeClr val="tx2"/>
+                </a:solidFill>
+              </a:rPr>
+              <a:t>해당 동영상 및 누구나 공짜로 사용할 수 있는 와이파이 </a:t>
+            </a:r>
+            <a:r>
+              <a:rPr lang="en-US" altLang="ko-KR" dirty="0" smtClean="0">
+                <a:solidFill>
+                  <a:schemeClr val="tx2"/>
+                </a:solidFill>
+              </a:rPr>
+              <a:t>Zone</a:t>
+            </a:r>
+            <a:r>
+              <a:rPr lang="ko-KR" altLang="en-US" dirty="0" smtClean="0">
+                <a:solidFill>
+                  <a:schemeClr val="tx2"/>
+                </a:solidFill>
+              </a:rPr>
+              <a:t>을 만들 수 있다는 점을 홍보 제작하여 </a:t>
+            </a:r>
+            <a:endParaRPr lang="en-US" altLang="ko-KR" dirty="0">
+              <a:solidFill>
+                <a:schemeClr val="tx2"/>
+              </a:solidFill>
+            </a:endParaRPr>
+          </a:p>
+          <a:p>
+            <a:pPr marL="742950" lvl="1" indent="-285750">
+              <a:buFont typeface="Wingdings" panose="05000000000000000000" pitchFamily="2" charset="2"/>
+              <a:buChar char="u"/>
+            </a:pPr>
+            <a:endParaRPr lang="en-US" altLang="ko-KR" dirty="0" smtClean="0"/>
+          </a:p>
+          <a:p>
+            <a:pPr marL="742950" lvl="1" indent="-285750">
+              <a:buFont typeface="Wingdings" panose="05000000000000000000" pitchFamily="2" charset="2"/>
+              <a:buChar char="u"/>
+            </a:pPr>
+            <a:endParaRPr lang="en-US" altLang="ko-KR" dirty="0"/>
+          </a:p>
+          <a:p>
+            <a:pPr marL="742950" lvl="1" indent="-285750">
+              <a:buFont typeface="Wingdings" panose="05000000000000000000" pitchFamily="2" charset="2"/>
+              <a:buChar char="u"/>
+            </a:pPr>
+            <a:endParaRPr lang="en-US" altLang="ko-KR" dirty="0"/>
+          </a:p>
+        </p:txBody>
+      </p:sp>
+    </p:spTree>
+    <p:extLst>
+      <p:ext uri="{BB962C8B-B14F-4D97-AF65-F5344CB8AC3E}">
+        <p14:creationId xmlns:p14="http://schemas.microsoft.com/office/powerpoint/2010/main" val="531529626"/>
+      </p:ext>
+    </p:extLst>
+  </p:cSld>
+  <p:clrMapOvr>
+    <a:masterClrMapping/>
+  </p:clrMapOvr>
+  <mc:AlternateContent xmlns:mc="http://schemas.openxmlformats.org/markup-compatibility/2006" xmlns:p14="http://schemas.microsoft.com/office/powerpoint/2010/main">
+    <mc:Choice Requires="p14">
+      <p:transition spd="med" p14:dur="700">
+        <p:fade/>
+      </p:transition>
+    </mc:Choice>
+    <mc:Fallback xmlns="">
+      <p:transition spd="med">
+        <p:fade/>
+      </p:transition>
+    </mc:Fallback>
+  </mc:AlternateContent>
+  <p:timing>
+    <p:tnLst>
+      <p:par>
+        <p:cTn id="1" dur="indefinite" restart="never" nodeType="tmRoot"/>
+      </p:par>
+    </p:tnLst>
+  </p:timing>
+</p:sld>
+</file>
+
+<file path=ppt/slides/slide26.xml><?xml version="1.0" encoding="utf-8"?>
+<p:sld xmlns:a="http://schemas.openxmlformats.org/drawingml/2006/main" xmlns:r="http://schemas.openxmlformats.org/officeDocument/2006/relationships" xmlns:p="http://schemas.openxmlformats.org/presentationml/2006/main">
+  <p:cSld>
+    <p:spTree>
+      <p:nvGrpSpPr>
+        <p:cNvPr id="1" name=""/>
+        <p:cNvGrpSpPr/>
+        <p:nvPr/>
+      </p:nvGrpSpPr>
+      <p:grpSpPr>
+        <a:xfrm>
+          <a:off x="0" y="0"/>
+          <a:ext cx="0" cy="0"/>
+          <a:chOff x="0" y="0"/>
+          <a:chExt cx="0" cy="0"/>
+        </a:xfrm>
+      </p:grpSpPr>
+      <p:sp>
+        <p:nvSpPr>
           <p:cNvPr id="2" name="Rectangle 6"/>
           <p:cNvSpPr>
             <a:spLocks noChangeArrowheads="1"/>
@@ -22234,7 +23072,7 @@
           <p:cNvPr id="4" name="TextBox 3">
             <a:extLst>
               <a:ext uri="{FF2B5EF4-FFF2-40B4-BE49-F238E27FC236}">
-                <a16:creationId xmlns:a16="http://schemas.microsoft.com/office/drawing/2014/main" xmlns="" id="{BCB74802-D781-498F-80E8-1EAF579ADF8D}"/>
+                <a16:creationId xmlns="" xmlns:a16="http://schemas.microsoft.com/office/drawing/2014/main" id="{BCB74802-D781-498F-80E8-1EAF579ADF8D}"/>
               </a:ext>
             </a:extLst>
           </p:cNvPr>
@@ -22296,7 +23134,7 @@
           <p:cNvPr id="5" name="TextBox 4">
             <a:extLst>
               <a:ext uri="{FF2B5EF4-FFF2-40B4-BE49-F238E27FC236}">
-                <a16:creationId xmlns:a16="http://schemas.microsoft.com/office/drawing/2014/main" xmlns="" id="{EA242667-34E1-48E3-8D72-C9D9673B67DA}"/>
+                <a16:creationId xmlns="" xmlns:a16="http://schemas.microsoft.com/office/drawing/2014/main" id="{EA242667-34E1-48E3-8D72-C9D9673B67DA}"/>
               </a:ext>
             </a:extLst>
           </p:cNvPr>
@@ -23509,7 +24347,7 @@
           <p:cNvPr id="9" name="직사각형 8">
             <a:extLst>
               <a:ext uri="{FF2B5EF4-FFF2-40B4-BE49-F238E27FC236}">
-                <a16:creationId xmlns:a16="http://schemas.microsoft.com/office/drawing/2014/main" xmlns="" id="{4F3CDA8F-1D8F-4642-8F2D-E7E33EAB0C30}"/>
+                <a16:creationId xmlns="" xmlns:a16="http://schemas.microsoft.com/office/drawing/2014/main" id="{4F3CDA8F-1D8F-4642-8F2D-E7E33EAB0C30}"/>
               </a:ext>
             </a:extLst>
           </p:cNvPr>
@@ -23567,7 +24405,7 @@
           <p:cNvPr id="10" name="TextBox 9">
             <a:extLst>
               <a:ext uri="{FF2B5EF4-FFF2-40B4-BE49-F238E27FC236}">
-                <a16:creationId xmlns:a16="http://schemas.microsoft.com/office/drawing/2014/main" xmlns="" id="{34D85968-2468-4885-A924-9F27FD73AC05}"/>
+                <a16:creationId xmlns="" xmlns:a16="http://schemas.microsoft.com/office/drawing/2014/main" id="{34D85968-2468-4885-A924-9F27FD73AC05}"/>
               </a:ext>
             </a:extLst>
           </p:cNvPr>
@@ -26685,7 +27523,7 @@
           <p:cNvPr id="2" name="설명선: 굽은 선 1">
             <a:extLst>
               <a:ext uri="{FF2B5EF4-FFF2-40B4-BE49-F238E27FC236}">
-                <a16:creationId xmlns:a16="http://schemas.microsoft.com/office/drawing/2014/main" xmlns="" id="{442D2883-6DA9-42DB-BB11-70EC9F4A4188}"/>
+                <a16:creationId xmlns="" xmlns:a16="http://schemas.microsoft.com/office/drawing/2014/main" id="{442D2883-6DA9-42DB-BB11-70EC9F4A4188}"/>
               </a:ext>
             </a:extLst>
           </p:cNvPr>
@@ -27360,7 +28198,7 @@
           <p:cNvPr id="10" name="그림 9">
             <a:extLst>
               <a:ext uri="{FF2B5EF4-FFF2-40B4-BE49-F238E27FC236}">
-                <a16:creationId xmlns:a16="http://schemas.microsoft.com/office/drawing/2014/main" xmlns="" id="{139AB8C4-8D1F-4EB6-A70E-E8338FFC808C}"/>
+                <a16:creationId xmlns="" xmlns:a16="http://schemas.microsoft.com/office/drawing/2014/main" id="{139AB8C4-8D1F-4EB6-A70E-E8338FFC808C}"/>
               </a:ext>
             </a:extLst>
           </p:cNvPr>
@@ -27396,7 +28234,7 @@
           <p:cNvPr id="12" name="그림 11">
             <a:extLst>
               <a:ext uri="{FF2B5EF4-FFF2-40B4-BE49-F238E27FC236}">
-                <a16:creationId xmlns:a16="http://schemas.microsoft.com/office/drawing/2014/main" xmlns="" id="{FE031A70-2191-47A7-B97A-362CC612D37B}"/>
+                <a16:creationId xmlns="" xmlns:a16="http://schemas.microsoft.com/office/drawing/2014/main" id="{FE031A70-2191-47A7-B97A-362CC612D37B}"/>
               </a:ext>
             </a:extLst>
           </p:cNvPr>
@@ -27432,7 +28270,7 @@
           <p:cNvPr id="16" name="그림 15">
             <a:extLst>
               <a:ext uri="{FF2B5EF4-FFF2-40B4-BE49-F238E27FC236}">
-                <a16:creationId xmlns:a16="http://schemas.microsoft.com/office/drawing/2014/main" xmlns="" id="{CF84ADFA-5338-4128-813B-46BACF5FC33D}"/>
+                <a16:creationId xmlns="" xmlns:a16="http://schemas.microsoft.com/office/drawing/2014/main" id="{CF84ADFA-5338-4128-813B-46BACF5FC33D}"/>
               </a:ext>
             </a:extLst>
           </p:cNvPr>
@@ -27468,7 +28306,7 @@
           <p:cNvPr id="18" name="그림 17">
             <a:extLst>
               <a:ext uri="{FF2B5EF4-FFF2-40B4-BE49-F238E27FC236}">
-                <a16:creationId xmlns:a16="http://schemas.microsoft.com/office/drawing/2014/main" xmlns="" id="{3A79E485-291C-480B-AE02-414BA4A10016}"/>
+                <a16:creationId xmlns="" xmlns:a16="http://schemas.microsoft.com/office/drawing/2014/main" id="{3A79E485-291C-480B-AE02-414BA4A10016}"/>
               </a:ext>
             </a:extLst>
           </p:cNvPr>
@@ -27504,7 +28342,7 @@
           <p:cNvPr id="20" name="그림 19">
             <a:extLst>
               <a:ext uri="{FF2B5EF4-FFF2-40B4-BE49-F238E27FC236}">
-                <a16:creationId xmlns:a16="http://schemas.microsoft.com/office/drawing/2014/main" xmlns="" id="{3B93240F-8BE5-4B90-868B-01FA7C7B58B3}"/>
+                <a16:creationId xmlns="" xmlns:a16="http://schemas.microsoft.com/office/drawing/2014/main" id="{3B93240F-8BE5-4B90-868B-01FA7C7B58B3}"/>
               </a:ext>
             </a:extLst>
           </p:cNvPr>
@@ -27540,7 +28378,7 @@
           <p:cNvPr id="21" name="TextBox 20">
             <a:extLst>
               <a:ext uri="{FF2B5EF4-FFF2-40B4-BE49-F238E27FC236}">
-                <a16:creationId xmlns:a16="http://schemas.microsoft.com/office/drawing/2014/main" xmlns="" id="{94142837-BAE4-47AB-90AB-5A79661310F7}"/>
+                <a16:creationId xmlns="" xmlns:a16="http://schemas.microsoft.com/office/drawing/2014/main" id="{94142837-BAE4-47AB-90AB-5A79661310F7}"/>
               </a:ext>
             </a:extLst>
           </p:cNvPr>
@@ -27575,7 +28413,7 @@
           <p:cNvPr id="22" name="TextBox 21">
             <a:extLst>
               <a:ext uri="{FF2B5EF4-FFF2-40B4-BE49-F238E27FC236}">
-                <a16:creationId xmlns:a16="http://schemas.microsoft.com/office/drawing/2014/main" xmlns="" id="{0E259801-CDA5-4ACC-AC13-70C9CB133D40}"/>
+                <a16:creationId xmlns="" xmlns:a16="http://schemas.microsoft.com/office/drawing/2014/main" id="{0E259801-CDA5-4ACC-AC13-70C9CB133D40}"/>
               </a:ext>
             </a:extLst>
           </p:cNvPr>
@@ -27610,7 +28448,7 @@
           <p:cNvPr id="27" name="그림 26">
             <a:extLst>
               <a:ext uri="{FF2B5EF4-FFF2-40B4-BE49-F238E27FC236}">
-                <a16:creationId xmlns:a16="http://schemas.microsoft.com/office/drawing/2014/main" xmlns="" id="{D3825AD7-0D53-4C39-B94F-07014A372040}"/>
+                <a16:creationId xmlns="" xmlns:a16="http://schemas.microsoft.com/office/drawing/2014/main" id="{D3825AD7-0D53-4C39-B94F-07014A372040}"/>
               </a:ext>
             </a:extLst>
           </p:cNvPr>
@@ -27646,7 +28484,7 @@
           <p:cNvPr id="28" name="그림 27">
             <a:extLst>
               <a:ext uri="{FF2B5EF4-FFF2-40B4-BE49-F238E27FC236}">
-                <a16:creationId xmlns:a16="http://schemas.microsoft.com/office/drawing/2014/main" xmlns="" id="{C166BEEE-ED01-42E2-8F9C-41FFE7D5EA06}"/>
+                <a16:creationId xmlns="" xmlns:a16="http://schemas.microsoft.com/office/drawing/2014/main" id="{C166BEEE-ED01-42E2-8F9C-41FFE7D5EA06}"/>
               </a:ext>
             </a:extLst>
           </p:cNvPr>
@@ -27682,7 +28520,7 @@
           <p:cNvPr id="29" name="그림 28">
             <a:extLst>
               <a:ext uri="{FF2B5EF4-FFF2-40B4-BE49-F238E27FC236}">
-                <a16:creationId xmlns:a16="http://schemas.microsoft.com/office/drawing/2014/main" xmlns="" id="{19BF6B60-DCFE-4F4E-BA41-576450A1686E}"/>
+                <a16:creationId xmlns="" xmlns:a16="http://schemas.microsoft.com/office/drawing/2014/main" id="{19BF6B60-DCFE-4F4E-BA41-576450A1686E}"/>
               </a:ext>
             </a:extLst>
           </p:cNvPr>
@@ -27718,7 +28556,7 @@
           <p:cNvPr id="31" name="그림 30">
             <a:extLst>
               <a:ext uri="{FF2B5EF4-FFF2-40B4-BE49-F238E27FC236}">
-                <a16:creationId xmlns:a16="http://schemas.microsoft.com/office/drawing/2014/main" xmlns="" id="{77208E61-ED87-4052-A21A-48F665B59501}"/>
+                <a16:creationId xmlns="" xmlns:a16="http://schemas.microsoft.com/office/drawing/2014/main" id="{77208E61-ED87-4052-A21A-48F665B59501}"/>
               </a:ext>
             </a:extLst>
           </p:cNvPr>
@@ -27754,7 +28592,7 @@
           <p:cNvPr id="33" name="그림 32">
             <a:extLst>
               <a:ext uri="{FF2B5EF4-FFF2-40B4-BE49-F238E27FC236}">
-                <a16:creationId xmlns:a16="http://schemas.microsoft.com/office/drawing/2014/main" xmlns="" id="{975C2C9D-1922-4CA6-8341-2DC065A6E939}"/>
+                <a16:creationId xmlns="" xmlns:a16="http://schemas.microsoft.com/office/drawing/2014/main" id="{975C2C9D-1922-4CA6-8341-2DC065A6E939}"/>
               </a:ext>
             </a:extLst>
           </p:cNvPr>
@@ -27790,7 +28628,7 @@
           <p:cNvPr id="35" name="그림 34">
             <a:extLst>
               <a:ext uri="{FF2B5EF4-FFF2-40B4-BE49-F238E27FC236}">
-                <a16:creationId xmlns:a16="http://schemas.microsoft.com/office/drawing/2014/main" xmlns="" id="{61D4540F-0245-4EF8-9FF5-48B3CFEAE470}"/>
+                <a16:creationId xmlns="" xmlns:a16="http://schemas.microsoft.com/office/drawing/2014/main" id="{61D4540F-0245-4EF8-9FF5-48B3CFEAE470}"/>
               </a:ext>
             </a:extLst>
           </p:cNvPr>
@@ -27826,7 +28664,7 @@
           <p:cNvPr id="37" name="그림 36">
             <a:extLst>
               <a:ext uri="{FF2B5EF4-FFF2-40B4-BE49-F238E27FC236}">
-                <a16:creationId xmlns:a16="http://schemas.microsoft.com/office/drawing/2014/main" xmlns="" id="{2960F6C6-8C23-4B1F-B103-65B2EB6244FA}"/>
+                <a16:creationId xmlns="" xmlns:a16="http://schemas.microsoft.com/office/drawing/2014/main" id="{2960F6C6-8C23-4B1F-B103-65B2EB6244FA}"/>
               </a:ext>
             </a:extLst>
           </p:cNvPr>
@@ -27862,7 +28700,7 @@
           <p:cNvPr id="40" name="그림 39">
             <a:extLst>
               <a:ext uri="{FF2B5EF4-FFF2-40B4-BE49-F238E27FC236}">
-                <a16:creationId xmlns:a16="http://schemas.microsoft.com/office/drawing/2014/main" xmlns="" id="{298E78F9-57BF-4987-BE28-9FBC9ADDACF4}"/>
+                <a16:creationId xmlns="" xmlns:a16="http://schemas.microsoft.com/office/drawing/2014/main" id="{298E78F9-57BF-4987-BE28-9FBC9ADDACF4}"/>
               </a:ext>
             </a:extLst>
           </p:cNvPr>
@@ -27924,7 +28762,7 @@
           <p:cNvPr id="9" name="생각 풍선: 구름 모양 8">
             <a:extLst>
               <a:ext uri="{FF2B5EF4-FFF2-40B4-BE49-F238E27FC236}">
-                <a16:creationId xmlns:a16="http://schemas.microsoft.com/office/drawing/2014/main" xmlns="" id="{B3D81CB6-AEDC-41B7-A102-60736F0C79F7}"/>
+                <a16:creationId xmlns="" xmlns:a16="http://schemas.microsoft.com/office/drawing/2014/main" id="{B3D81CB6-AEDC-41B7-A102-60736F0C79F7}"/>
               </a:ext>
             </a:extLst>
           </p:cNvPr>
@@ -27990,7 +28828,7 @@
           <p:cNvPr id="25" name="생각 풍선: 구름 모양 24">
             <a:extLst>
               <a:ext uri="{FF2B5EF4-FFF2-40B4-BE49-F238E27FC236}">
-                <a16:creationId xmlns:a16="http://schemas.microsoft.com/office/drawing/2014/main" xmlns="" id="{6E52FA4F-A22B-45DA-9FE1-9B79F07567B2}"/>
+                <a16:creationId xmlns="" xmlns:a16="http://schemas.microsoft.com/office/drawing/2014/main" id="{6E52FA4F-A22B-45DA-9FE1-9B79F07567B2}"/>
               </a:ext>
             </a:extLst>
           </p:cNvPr>
@@ -28056,7 +28894,7 @@
           <p:cNvPr id="26" name="생각 풍선: 구름 모양 25">
             <a:extLst>
               <a:ext uri="{FF2B5EF4-FFF2-40B4-BE49-F238E27FC236}">
-                <a16:creationId xmlns:a16="http://schemas.microsoft.com/office/drawing/2014/main" xmlns="" id="{6DCA2342-A286-4629-8DD1-AF2CDC855001}"/>
+                <a16:creationId xmlns="" xmlns:a16="http://schemas.microsoft.com/office/drawing/2014/main" id="{6DCA2342-A286-4629-8DD1-AF2CDC855001}"/>
               </a:ext>
             </a:extLst>
           </p:cNvPr>
@@ -28735,7 +29573,7 @@
           <p:cNvPr id="10" name="그림 9">
             <a:extLst>
               <a:ext uri="{FF2B5EF4-FFF2-40B4-BE49-F238E27FC236}">
-                <a16:creationId xmlns:a16="http://schemas.microsoft.com/office/drawing/2014/main" xmlns="" id="{139AB8C4-8D1F-4EB6-A70E-E8338FFC808C}"/>
+                <a16:creationId xmlns="" xmlns:a16="http://schemas.microsoft.com/office/drawing/2014/main" id="{139AB8C4-8D1F-4EB6-A70E-E8338FFC808C}"/>
               </a:ext>
             </a:extLst>
           </p:cNvPr>
@@ -28771,7 +29609,7 @@
           <p:cNvPr id="16" name="그림 15">
             <a:extLst>
               <a:ext uri="{FF2B5EF4-FFF2-40B4-BE49-F238E27FC236}">
-                <a16:creationId xmlns:a16="http://schemas.microsoft.com/office/drawing/2014/main" xmlns="" id="{CF84ADFA-5338-4128-813B-46BACF5FC33D}"/>
+                <a16:creationId xmlns="" xmlns:a16="http://schemas.microsoft.com/office/drawing/2014/main" id="{CF84ADFA-5338-4128-813B-46BACF5FC33D}"/>
               </a:ext>
             </a:extLst>
           </p:cNvPr>
@@ -28807,7 +29645,7 @@
           <p:cNvPr id="21" name="TextBox 20">
             <a:extLst>
               <a:ext uri="{FF2B5EF4-FFF2-40B4-BE49-F238E27FC236}">
-                <a16:creationId xmlns:a16="http://schemas.microsoft.com/office/drawing/2014/main" xmlns="" id="{94142837-BAE4-47AB-90AB-5A79661310F7}"/>
+                <a16:creationId xmlns="" xmlns:a16="http://schemas.microsoft.com/office/drawing/2014/main" id="{94142837-BAE4-47AB-90AB-5A79661310F7}"/>
               </a:ext>
             </a:extLst>
           </p:cNvPr>
@@ -28842,7 +29680,7 @@
           <p:cNvPr id="22" name="TextBox 21">
             <a:extLst>
               <a:ext uri="{FF2B5EF4-FFF2-40B4-BE49-F238E27FC236}">
-                <a16:creationId xmlns:a16="http://schemas.microsoft.com/office/drawing/2014/main" xmlns="" id="{0E259801-CDA5-4ACC-AC13-70C9CB133D40}"/>
+                <a16:creationId xmlns="" xmlns:a16="http://schemas.microsoft.com/office/drawing/2014/main" id="{0E259801-CDA5-4ACC-AC13-70C9CB133D40}"/>
               </a:ext>
             </a:extLst>
           </p:cNvPr>
@@ -28877,7 +29715,7 @@
           <p:cNvPr id="14" name="그림 13">
             <a:extLst>
               <a:ext uri="{FF2B5EF4-FFF2-40B4-BE49-F238E27FC236}">
-                <a16:creationId xmlns:a16="http://schemas.microsoft.com/office/drawing/2014/main" xmlns="" id="{916B2E3F-7AD6-4C57-923F-6C7B8B6899AC}"/>
+                <a16:creationId xmlns="" xmlns:a16="http://schemas.microsoft.com/office/drawing/2014/main" id="{916B2E3F-7AD6-4C57-923F-6C7B8B6899AC}"/>
               </a:ext>
             </a:extLst>
           </p:cNvPr>
@@ -28913,7 +29751,7 @@
           <p:cNvPr id="26" name="그림 25">
             <a:extLst>
               <a:ext uri="{FF2B5EF4-FFF2-40B4-BE49-F238E27FC236}">
-                <a16:creationId xmlns:a16="http://schemas.microsoft.com/office/drawing/2014/main" xmlns="" id="{CF534F6E-D7C8-4221-88F9-CAFB74A5EFC0}"/>
+                <a16:creationId xmlns="" xmlns:a16="http://schemas.microsoft.com/office/drawing/2014/main" id="{CF534F6E-D7C8-4221-88F9-CAFB74A5EFC0}"/>
               </a:ext>
             </a:extLst>
           </p:cNvPr>
@@ -28949,7 +29787,7 @@
           <p:cNvPr id="30" name="그림 29">
             <a:extLst>
               <a:ext uri="{FF2B5EF4-FFF2-40B4-BE49-F238E27FC236}">
-                <a16:creationId xmlns:a16="http://schemas.microsoft.com/office/drawing/2014/main" xmlns="" id="{86EC22C0-6517-488C-B621-3388300048FD}"/>
+                <a16:creationId xmlns="" xmlns:a16="http://schemas.microsoft.com/office/drawing/2014/main" id="{86EC22C0-6517-488C-B621-3388300048FD}"/>
               </a:ext>
             </a:extLst>
           </p:cNvPr>
@@ -28985,7 +29823,7 @@
           <p:cNvPr id="32" name="그림 31">
             <a:extLst>
               <a:ext uri="{FF2B5EF4-FFF2-40B4-BE49-F238E27FC236}">
-                <a16:creationId xmlns:a16="http://schemas.microsoft.com/office/drawing/2014/main" xmlns="" id="{959A6FEA-CFC9-4E06-AB37-6E135F9CD272}"/>
+                <a16:creationId xmlns="" xmlns:a16="http://schemas.microsoft.com/office/drawing/2014/main" id="{959A6FEA-CFC9-4E06-AB37-6E135F9CD272}"/>
               </a:ext>
             </a:extLst>
           </p:cNvPr>
@@ -29038,7 +29876,7 @@
           <p:cNvPr id="34" name="그림 33">
             <a:extLst>
               <a:ext uri="{FF2B5EF4-FFF2-40B4-BE49-F238E27FC236}">
-                <a16:creationId xmlns:a16="http://schemas.microsoft.com/office/drawing/2014/main" xmlns="" id="{A9566DE4-B3B6-4498-B3E9-7DA26690FE4D}"/>
+                <a16:creationId xmlns="" xmlns:a16="http://schemas.microsoft.com/office/drawing/2014/main" id="{A9566DE4-B3B6-4498-B3E9-7DA26690FE4D}"/>
               </a:ext>
             </a:extLst>
           </p:cNvPr>
@@ -29074,7 +29912,7 @@
           <p:cNvPr id="36" name="그림 35">
             <a:extLst>
               <a:ext uri="{FF2B5EF4-FFF2-40B4-BE49-F238E27FC236}">
-                <a16:creationId xmlns:a16="http://schemas.microsoft.com/office/drawing/2014/main" xmlns="" id="{66B826C4-D1E8-4FAC-8B0F-5A49A6266366}"/>
+                <a16:creationId xmlns="" xmlns:a16="http://schemas.microsoft.com/office/drawing/2014/main" id="{66B826C4-D1E8-4FAC-8B0F-5A49A6266366}"/>
               </a:ext>
             </a:extLst>
           </p:cNvPr>
@@ -29110,7 +29948,7 @@
           <p:cNvPr id="37" name="그림 36">
             <a:extLst>
               <a:ext uri="{FF2B5EF4-FFF2-40B4-BE49-F238E27FC236}">
-                <a16:creationId xmlns:a16="http://schemas.microsoft.com/office/drawing/2014/main" xmlns="" id="{1936B300-1FDE-453F-B406-DE3FD8949D63}"/>
+                <a16:creationId xmlns="" xmlns:a16="http://schemas.microsoft.com/office/drawing/2014/main" id="{1936B300-1FDE-453F-B406-DE3FD8949D63}"/>
               </a:ext>
             </a:extLst>
           </p:cNvPr>
@@ -29146,7 +29984,7 @@
           <p:cNvPr id="38" name="그림 37">
             <a:extLst>
               <a:ext uri="{FF2B5EF4-FFF2-40B4-BE49-F238E27FC236}">
-                <a16:creationId xmlns:a16="http://schemas.microsoft.com/office/drawing/2014/main" xmlns="" id="{D8909BBC-5619-4AB5-AFA9-0F849EB1CAAE}"/>
+                <a16:creationId xmlns="" xmlns:a16="http://schemas.microsoft.com/office/drawing/2014/main" id="{D8909BBC-5619-4AB5-AFA9-0F849EB1CAAE}"/>
               </a:ext>
             </a:extLst>
           </p:cNvPr>
@@ -29182,7 +30020,7 @@
           <p:cNvPr id="39" name="그림 38">
             <a:extLst>
               <a:ext uri="{FF2B5EF4-FFF2-40B4-BE49-F238E27FC236}">
-                <a16:creationId xmlns:a16="http://schemas.microsoft.com/office/drawing/2014/main" xmlns="" id="{3B3DBC84-8C27-4A0F-8934-1B08B603357A}"/>
+                <a16:creationId xmlns="" xmlns:a16="http://schemas.microsoft.com/office/drawing/2014/main" id="{3B3DBC84-8C27-4A0F-8934-1B08B603357A}"/>
               </a:ext>
             </a:extLst>
           </p:cNvPr>
@@ -29218,7 +30056,7 @@
           <p:cNvPr id="40" name="그림 39">
             <a:extLst>
               <a:ext uri="{FF2B5EF4-FFF2-40B4-BE49-F238E27FC236}">
-                <a16:creationId xmlns:a16="http://schemas.microsoft.com/office/drawing/2014/main" xmlns="" id="{62507132-6E35-4BA2-B79F-3402CDAADDDE}"/>
+                <a16:creationId xmlns="" xmlns:a16="http://schemas.microsoft.com/office/drawing/2014/main" id="{62507132-6E35-4BA2-B79F-3402CDAADDDE}"/>
               </a:ext>
             </a:extLst>
           </p:cNvPr>
@@ -29254,7 +30092,7 @@
           <p:cNvPr id="41" name="그림 40">
             <a:extLst>
               <a:ext uri="{FF2B5EF4-FFF2-40B4-BE49-F238E27FC236}">
-                <a16:creationId xmlns:a16="http://schemas.microsoft.com/office/drawing/2014/main" xmlns="" id="{43DEE4D5-AD9F-40F0-83EB-5A246639109D}"/>
+                <a16:creationId xmlns="" xmlns:a16="http://schemas.microsoft.com/office/drawing/2014/main" id="{43DEE4D5-AD9F-40F0-83EB-5A246639109D}"/>
               </a:ext>
             </a:extLst>
           </p:cNvPr>
@@ -29290,7 +30128,7 @@
           <p:cNvPr id="42" name="그림 41">
             <a:extLst>
               <a:ext uri="{FF2B5EF4-FFF2-40B4-BE49-F238E27FC236}">
-                <a16:creationId xmlns:a16="http://schemas.microsoft.com/office/drawing/2014/main" xmlns="" id="{0F3FB7F7-1371-4873-83BC-63229C9A5158}"/>
+                <a16:creationId xmlns="" xmlns:a16="http://schemas.microsoft.com/office/drawing/2014/main" id="{0F3FB7F7-1371-4873-83BC-63229C9A5158}"/>
               </a:ext>
             </a:extLst>
           </p:cNvPr>
@@ -29326,7 +30164,7 @@
           <p:cNvPr id="43" name="그림 42">
             <a:extLst>
               <a:ext uri="{FF2B5EF4-FFF2-40B4-BE49-F238E27FC236}">
-                <a16:creationId xmlns:a16="http://schemas.microsoft.com/office/drawing/2014/main" xmlns="" id="{E7426B65-450E-4168-89E3-CF9A66FD0639}"/>
+                <a16:creationId xmlns="" xmlns:a16="http://schemas.microsoft.com/office/drawing/2014/main" id="{E7426B65-450E-4168-89E3-CF9A66FD0639}"/>
               </a:ext>
             </a:extLst>
           </p:cNvPr>
@@ -29362,7 +30200,7 @@
           <p:cNvPr id="17" name="그림 16">
             <a:extLst>
               <a:ext uri="{FF2B5EF4-FFF2-40B4-BE49-F238E27FC236}">
-                <a16:creationId xmlns:a16="http://schemas.microsoft.com/office/drawing/2014/main" xmlns="" id="{6B906FD9-5772-45FC-82E9-510D16F4FADD}"/>
+                <a16:creationId xmlns="" xmlns:a16="http://schemas.microsoft.com/office/drawing/2014/main" id="{6B906FD9-5772-45FC-82E9-510D16F4FADD}"/>
               </a:ext>
             </a:extLst>
           </p:cNvPr>
@@ -29398,7 +30236,7 @@
           <p:cNvPr id="23" name="그림 22">
             <a:extLst>
               <a:ext uri="{FF2B5EF4-FFF2-40B4-BE49-F238E27FC236}">
-                <a16:creationId xmlns:a16="http://schemas.microsoft.com/office/drawing/2014/main" xmlns="" id="{86B7539E-F64A-432E-91A7-549275142D14}"/>
+                <a16:creationId xmlns="" xmlns:a16="http://schemas.microsoft.com/office/drawing/2014/main" id="{86B7539E-F64A-432E-91A7-549275142D14}"/>
               </a:ext>
             </a:extLst>
           </p:cNvPr>
@@ -29461,7 +30299,7 @@
           <p:cNvPr id="25" name="그림 24">
             <a:extLst>
               <a:ext uri="{FF2B5EF4-FFF2-40B4-BE49-F238E27FC236}">
-                <a16:creationId xmlns:a16="http://schemas.microsoft.com/office/drawing/2014/main" xmlns="" id="{B29F1283-6873-46CD-9CF3-9935E8DC0A32}"/>
+                <a16:creationId xmlns="" xmlns:a16="http://schemas.microsoft.com/office/drawing/2014/main" id="{B29F1283-6873-46CD-9CF3-9935E8DC0A32}"/>
               </a:ext>
             </a:extLst>
           </p:cNvPr>
@@ -29497,7 +30335,7 @@
           <p:cNvPr id="45" name="그림 44">
             <a:extLst>
               <a:ext uri="{FF2B5EF4-FFF2-40B4-BE49-F238E27FC236}">
-                <a16:creationId xmlns:a16="http://schemas.microsoft.com/office/drawing/2014/main" xmlns="" id="{0C3ADD1B-0D0A-4D3E-8FBC-F8DC4EF43C58}"/>
+                <a16:creationId xmlns="" xmlns:a16="http://schemas.microsoft.com/office/drawing/2014/main" id="{0C3ADD1B-0D0A-4D3E-8FBC-F8DC4EF43C58}"/>
               </a:ext>
             </a:extLst>
           </p:cNvPr>
@@ -29533,7 +30371,7 @@
           <p:cNvPr id="46" name="그림 45">
             <a:extLst>
               <a:ext uri="{FF2B5EF4-FFF2-40B4-BE49-F238E27FC236}">
-                <a16:creationId xmlns:a16="http://schemas.microsoft.com/office/drawing/2014/main" xmlns="" id="{D362073E-1807-46EB-997E-70B150C8967E}"/>
+                <a16:creationId xmlns="" xmlns:a16="http://schemas.microsoft.com/office/drawing/2014/main" id="{D362073E-1807-46EB-997E-70B150C8967E}"/>
               </a:ext>
             </a:extLst>
           </p:cNvPr>
@@ -29586,7 +30424,7 @@
           <p:cNvPr id="47" name="TextBox 46">
             <a:extLst>
               <a:ext uri="{FF2B5EF4-FFF2-40B4-BE49-F238E27FC236}">
-                <a16:creationId xmlns:a16="http://schemas.microsoft.com/office/drawing/2014/main" xmlns="" id="{F31CABBD-CC67-49F7-8116-D8E19FBCE4B9}"/>
+                <a16:creationId xmlns="" xmlns:a16="http://schemas.microsoft.com/office/drawing/2014/main" id="{F31CABBD-CC67-49F7-8116-D8E19FBCE4B9}"/>
               </a:ext>
             </a:extLst>
           </p:cNvPr>
@@ -29621,7 +30459,7 @@
           <p:cNvPr id="48" name="TextBox 47">
             <a:extLst>
               <a:ext uri="{FF2B5EF4-FFF2-40B4-BE49-F238E27FC236}">
-                <a16:creationId xmlns:a16="http://schemas.microsoft.com/office/drawing/2014/main" xmlns="" id="{D3D75983-26DD-4BFB-8FE3-C9E4C2AB6FE1}"/>
+                <a16:creationId xmlns="" xmlns:a16="http://schemas.microsoft.com/office/drawing/2014/main" id="{D3D75983-26DD-4BFB-8FE3-C9E4C2AB6FE1}"/>
               </a:ext>
             </a:extLst>
           </p:cNvPr>
